--- a/src/Components/Lectures/slides/GaussianMixtureModels.pptx
+++ b/src/Components/Lectures/slides/GaussianMixtureModels.pptx
@@ -5,21 +5,26 @@
     <p:sldMasterId id="2147483659" r:id="rId1"/>
   </p:sldMasterIdLst>
   <p:notesMasterIdLst>
-    <p:notesMasterId r:id="rId14"/>
+    <p:notesMasterId r:id="rId19"/>
   </p:notesMasterIdLst>
   <p:sldIdLst>
-    <p:sldId id="262" r:id="rId2"/>
-    <p:sldId id="263" r:id="rId3"/>
-    <p:sldId id="264" r:id="rId4"/>
-    <p:sldId id="265" r:id="rId5"/>
-    <p:sldId id="266" r:id="rId6"/>
-    <p:sldId id="267" r:id="rId7"/>
-    <p:sldId id="268" r:id="rId8"/>
-    <p:sldId id="257" r:id="rId9"/>
-    <p:sldId id="258" r:id="rId10"/>
-    <p:sldId id="269" r:id="rId11"/>
-    <p:sldId id="259" r:id="rId12"/>
-    <p:sldId id="260" r:id="rId13"/>
+    <p:sldId id="276" r:id="rId2"/>
+    <p:sldId id="262" r:id="rId3"/>
+    <p:sldId id="263" r:id="rId4"/>
+    <p:sldId id="264" r:id="rId5"/>
+    <p:sldId id="265" r:id="rId6"/>
+    <p:sldId id="266" r:id="rId7"/>
+    <p:sldId id="267" r:id="rId8"/>
+    <p:sldId id="268" r:id="rId9"/>
+    <p:sldId id="257" r:id="rId10"/>
+    <p:sldId id="258" r:id="rId11"/>
+    <p:sldId id="269" r:id="rId12"/>
+    <p:sldId id="272" r:id="rId13"/>
+    <p:sldId id="270" r:id="rId14"/>
+    <p:sldId id="271" r:id="rId15"/>
+    <p:sldId id="259" r:id="rId16"/>
+    <p:sldId id="260" r:id="rId17"/>
+    <p:sldId id="273" r:id="rId18"/>
   </p:sldIdLst>
   <p:sldSz cx="9144000" cy="5143500" type="screen16x9"/>
   <p:notesSz cx="6858000" cy="9144000"/>
@@ -5665,7 +5670,7 @@
           <p:cNvPr id="2" name="Title 1">
             <a:extLst>
               <a:ext uri="{FF2B5EF4-FFF2-40B4-BE49-F238E27FC236}">
-                <a16:creationId xmlns:a16="http://schemas.microsoft.com/office/drawing/2014/main" id="{239951C6-509B-DAF5-9B71-FB9173109696}"/>
+                <a16:creationId xmlns:a16="http://schemas.microsoft.com/office/drawing/2014/main" id="{F516A456-6894-072A-8528-A92EEEE87751}"/>
               </a:ext>
             </a:extLst>
           </p:cNvPr>
@@ -5673,47 +5678,322 @@
             <a:spLocks noGrp="1"/>
           </p:cNvSpPr>
           <p:nvPr>
-            <p:ph type="title"/>
+            <p:ph type="ctrTitle"/>
           </p:nvPr>
         </p:nvSpPr>
         <p:spPr/>
         <p:txBody>
-          <a:bodyPr>
+          <a:bodyPr/>
+          <a:lstStyle/>
+          <a:p>
+            <a:r>
+              <a:rPr lang="en-US" dirty="0"/>
+              <a:t>Gaussian Mixture Models</a:t>
+            </a:r>
+          </a:p>
+        </p:txBody>
+      </p:sp>
+      <p:pic>
+        <p:nvPicPr>
+          <p:cNvPr id="3074" name="Picture 2" descr="Plants Vs.zombies Characters | Plants Vs Zombies Comes To Nintendo DS:">
+            <a:extLst>
+              <a:ext uri="{FF2B5EF4-FFF2-40B4-BE49-F238E27FC236}">
+                <a16:creationId xmlns:a16="http://schemas.microsoft.com/office/drawing/2014/main" id="{1E66883A-EED5-46B2-93BF-82E76403F9DA}"/>
+              </a:ext>
+            </a:extLst>
+          </p:cNvPr>
+          <p:cNvPicPr>
+            <a:picLocks noChangeAspect="1" noChangeArrowheads="1"/>
+          </p:cNvPicPr>
+          <p:nvPr/>
+        </p:nvPicPr>
+        <p:blipFill>
+          <a:blip r:embed="rId3">
+            <a:extLst>
+              <a:ext uri="{BEBA8EAE-BF5A-486C-A8C5-ECC9F3942E4B}">
+                <a14:imgProps xmlns:a14="http://schemas.microsoft.com/office/drawing/2010/main">
+                  <a14:imgLayer r:embed="rId4">
+                    <a14:imgEffect>
+                      <a14:backgroundRemoval t="2891" b="94898" l="1064" r="90071">
+                        <a14:foregroundMark x1="23936" y1="89456" x2="40780" y2="95748"/>
+                        <a14:foregroundMark x1="40780" y1="95748" x2="72340" y2="90136"/>
+                        <a14:foregroundMark x1="27305" y1="95238" x2="24468" y2="95408"/>
+                        <a14:foregroundMark x1="9220" y1="58333" x2="9043" y2="52381"/>
+                        <a14:foregroundMark x1="17730" y1="46429" x2="709" y2="44898"/>
+                        <a14:foregroundMark x1="948" y1="33653" x2="1064" y2="28231"/>
+                        <a14:foregroundMark x1="868" y1="37432" x2="861" y2="37779"/>
+                        <a14:foregroundMark x1="861" y1="37779" x2="868" y2="37432"/>
+                        <a14:foregroundMark x1="709" y1="44898" x2="838" y2="38824"/>
+                        <a14:foregroundMark x1="1064" y1="28231" x2="17199" y2="29082"/>
+                        <a14:foregroundMark x1="29610" y1="15646" x2="39716" y2="2551"/>
+                        <a14:foregroundMark x1="56339" y1="4212" x2="66932" y2="5270"/>
+                        <a14:foregroundMark x1="49926" y1="3571" x2="54560" y2="4034"/>
+                        <a14:foregroundMark x1="39716" y1="2551" x2="49926" y2="3571"/>
+                        <a14:foregroundMark x1="74242" y1="6634" x2="76773" y2="10204"/>
+                        <a14:foregroundMark x1="89362" y1="38095" x2="90071" y2="32823"/>
+                        <a14:foregroundMark x1="27305" y1="6463" x2="35106" y2="6293"/>
+                        <a14:foregroundMark x1="39894" y1="3231" x2="46631" y2="2891"/>
+                        <a14:backgroundMark x1="532" y1="36735" x2="532" y2="36735"/>
+                        <a14:backgroundMark x1="887" y1="36395" x2="887" y2="36395"/>
+                        <a14:backgroundMark x1="887" y1="36395" x2="887" y2="36395"/>
+                        <a14:backgroundMark x1="177" y1="33844" x2="177" y2="33844"/>
+                        <a14:backgroundMark x1="177" y1="33844" x2="177" y2="33844"/>
+                        <a14:backgroundMark x1="177" y1="33844" x2="177" y2="33844"/>
+                        <a14:backgroundMark x1="177" y1="33844" x2="177" y2="33844"/>
+                        <a14:backgroundMark x1="177" y1="37755" x2="709" y2="37415"/>
+                        <a14:backgroundMark x1="177" y1="45578" x2="0" y2="45068"/>
+                        <a14:backgroundMark x1="34397" y1="2381" x2="35816" y2="2721"/>
+                        <a14:backgroundMark x1="49823" y1="3571" x2="49823" y2="3571"/>
+                        <a14:backgroundMark x1="67553" y1="4422" x2="66312" y2="4252"/>
+                        <a14:backgroundMark x1="68972" y1="4932" x2="74645" y2="5612"/>
+                        <a14:backgroundMark x1="67021" y1="5272" x2="73759" y2="6122"/>
+                        <a14:backgroundMark x1="73227" y1="6293" x2="74468" y2="6293"/>
+                        <a14:backgroundMark x1="50177" y1="3231" x2="50177" y2="3912"/>
+                        <a14:backgroundMark x1="55851" y1="3061" x2="56738" y2="3912"/>
+                        <a14:backgroundMark x1="177" y1="38435" x2="709" y2="32823"/>
+                        <a14:backgroundMark x1="709" y1="33673" x2="1064" y2="37415"/>
+                        <a14:backgroundMark x1="709" y1="37755" x2="532" y2="38776"/>
+                        <a14:backgroundMark x1="1773" y1="35884" x2="355" y2="32653"/>
+                      </a14:backgroundRemoval>
+                    </a14:imgEffect>
+                  </a14:imgLayer>
+                </a14:imgProps>
+              </a:ext>
+              <a:ext uri="{28A0092B-C50C-407E-A947-70E740481C1C}">
+                <a14:useLocalDpi xmlns:a14="http://schemas.microsoft.com/office/drawing/2010/main" val="0"/>
+              </a:ext>
+            </a:extLst>
+          </a:blip>
+          <a:srcRect/>
+          <a:stretch>
+            <a:fillRect/>
+          </a:stretch>
+        </p:blipFill>
+        <p:spPr bwMode="auto">
+          <a:xfrm>
+            <a:off x="292007" y="2830286"/>
+            <a:ext cx="2135435" cy="2226128"/>
+          </a:xfrm>
+          <a:prstGeom prst="rect">
+            <a:avLst/>
+          </a:prstGeom>
+          <a:noFill/>
+          <a:extLst>
+            <a:ext uri="{909E8E84-426E-40DD-AFC4-6F175D3DCCD1}">
+              <a14:hiddenFill xmlns:a14="http://schemas.microsoft.com/office/drawing/2010/main">
+                <a:solidFill>
+                  <a:srgbClr val="FFFFFF"/>
+                </a:solidFill>
+              </a14:hiddenFill>
+            </a:ext>
+          </a:extLst>
+        </p:spPr>
+      </p:pic>
+      <p:pic>
+        <p:nvPicPr>
+          <p:cNvPr id="4" name="Picture 2" descr="Plants Vs.zombies Characters | Plants Vs Zombies Comes To Nintendo DS:">
+            <a:extLst>
+              <a:ext uri="{FF2B5EF4-FFF2-40B4-BE49-F238E27FC236}">
+                <a16:creationId xmlns:a16="http://schemas.microsoft.com/office/drawing/2014/main" id="{4C8D4E20-5A76-B862-EA09-83BE469E1490}"/>
+              </a:ext>
+            </a:extLst>
+          </p:cNvPr>
+          <p:cNvPicPr>
+            <a:picLocks noChangeAspect="1" noChangeArrowheads="1"/>
+          </p:cNvPicPr>
+          <p:nvPr/>
+        </p:nvPicPr>
+        <p:blipFill>
+          <a:blip r:embed="rId3">
+            <a:extLst>
+              <a:ext uri="{BEBA8EAE-BF5A-486C-A8C5-ECC9F3942E4B}">
+                <a14:imgProps xmlns:a14="http://schemas.microsoft.com/office/drawing/2010/main">
+                  <a14:imgLayer r:embed="rId5">
+                    <a14:imgEffect>
+                      <a14:backgroundRemoval t="2891" b="94898" l="1064" r="90071">
+                        <a14:foregroundMark x1="23936" y1="89456" x2="40780" y2="95748"/>
+                        <a14:foregroundMark x1="40780" y1="95748" x2="72340" y2="90136"/>
+                        <a14:foregroundMark x1="27305" y1="95238" x2="24468" y2="95408"/>
+                        <a14:foregroundMark x1="9220" y1="58333" x2="9043" y2="52381"/>
+                        <a14:foregroundMark x1="17730" y1="46429" x2="709" y2="44898"/>
+                        <a14:foregroundMark x1="948" y1="33653" x2="1064" y2="28231"/>
+                        <a14:foregroundMark x1="868" y1="37432" x2="861" y2="37779"/>
+                        <a14:foregroundMark x1="861" y1="37779" x2="868" y2="37432"/>
+                        <a14:foregroundMark x1="709" y1="44898" x2="838" y2="38824"/>
+                        <a14:foregroundMark x1="1064" y1="28231" x2="17199" y2="29082"/>
+                        <a14:foregroundMark x1="29610" y1="15646" x2="39716" y2="2551"/>
+                        <a14:foregroundMark x1="56339" y1="4212" x2="66932" y2="5270"/>
+                        <a14:foregroundMark x1="49926" y1="3571" x2="54560" y2="4034"/>
+                        <a14:foregroundMark x1="39716" y1="2551" x2="49926" y2="3571"/>
+                        <a14:foregroundMark x1="74242" y1="6634" x2="76773" y2="10204"/>
+                        <a14:foregroundMark x1="89362" y1="38095" x2="90071" y2="32823"/>
+                        <a14:foregroundMark x1="27305" y1="6463" x2="35106" y2="6293"/>
+                        <a14:foregroundMark x1="39894" y1="3231" x2="46631" y2="2891"/>
+                        <a14:backgroundMark x1="532" y1="36735" x2="532" y2="36735"/>
+                        <a14:backgroundMark x1="887" y1="36395" x2="887" y2="36395"/>
+                        <a14:backgroundMark x1="887" y1="36395" x2="887" y2="36395"/>
+                        <a14:backgroundMark x1="177" y1="33844" x2="177" y2="33844"/>
+                        <a14:backgroundMark x1="177" y1="33844" x2="177" y2="33844"/>
+                        <a14:backgroundMark x1="177" y1="33844" x2="177" y2="33844"/>
+                        <a14:backgroundMark x1="177" y1="33844" x2="177" y2="33844"/>
+                        <a14:backgroundMark x1="177" y1="37755" x2="709" y2="37415"/>
+                        <a14:backgroundMark x1="177" y1="45578" x2="0" y2="45068"/>
+                        <a14:backgroundMark x1="34397" y1="2381" x2="35816" y2="2721"/>
+                        <a14:backgroundMark x1="49823" y1="3571" x2="49823" y2="3571"/>
+                        <a14:backgroundMark x1="67553" y1="4422" x2="66312" y2="4252"/>
+                        <a14:backgroundMark x1="68972" y1="4932" x2="74645" y2="5612"/>
+                        <a14:backgroundMark x1="67021" y1="5272" x2="73759" y2="6122"/>
+                        <a14:backgroundMark x1="73227" y1="6293" x2="74468" y2="6293"/>
+                        <a14:backgroundMark x1="50177" y1="3231" x2="50177" y2="3912"/>
+                        <a14:backgroundMark x1="55851" y1="3061" x2="56738" y2="3912"/>
+                        <a14:backgroundMark x1="177" y1="38435" x2="709" y2="32823"/>
+                        <a14:backgroundMark x1="709" y1="33673" x2="1064" y2="37415"/>
+                        <a14:backgroundMark x1="709" y1="37755" x2="532" y2="38776"/>
+                        <a14:backgroundMark x1="1773" y1="35884" x2="355" y2="32653"/>
+                      </a14:backgroundRemoval>
+                    </a14:imgEffect>
+                  </a14:imgLayer>
+                </a14:imgProps>
+              </a:ext>
+              <a:ext uri="{28A0092B-C50C-407E-A947-70E740481C1C}">
+                <a14:useLocalDpi xmlns:a14="http://schemas.microsoft.com/office/drawing/2010/main" val="0"/>
+              </a:ext>
+            </a:extLst>
+          </a:blip>
+          <a:srcRect/>
+          <a:stretch>
+            <a:fillRect/>
+          </a:stretch>
+        </p:blipFill>
+        <p:spPr bwMode="auto">
+          <a:xfrm>
+            <a:off x="6933283" y="2899342"/>
+            <a:ext cx="2135435" cy="2226128"/>
+          </a:xfrm>
+          <a:prstGeom prst="rect">
+            <a:avLst/>
+          </a:prstGeom>
+          <a:noFill/>
+          <a:extLst>
+            <a:ext uri="{909E8E84-426E-40DD-AFC4-6F175D3DCCD1}">
+              <a14:hiddenFill xmlns:a14="http://schemas.microsoft.com/office/drawing/2010/main">
+                <a:solidFill>
+                  <a:srgbClr val="FFFFFF"/>
+                </a:solidFill>
+              </a14:hiddenFill>
+            </a:ext>
+          </a:extLst>
+        </p:spPr>
+      </p:pic>
+    </p:spTree>
+    <p:custDataLst>
+      <p:tags r:id="rId1"/>
+    </p:custDataLst>
+    <p:extLst>
+      <p:ext uri="{BB962C8B-B14F-4D97-AF65-F5344CB8AC3E}">
+        <p14:creationId xmlns:p14="http://schemas.microsoft.com/office/powerpoint/2010/main" val="3554474677"/>
+      </p:ext>
+    </p:extLst>
+  </p:cSld>
+  <p:clrMapOvr>
+    <a:masterClrMapping/>
+  </p:clrMapOvr>
+</p:sld>
+</file>
+
+<file path=ppt/slides/slide10.xml><?xml version="1.0" encoding="utf-8"?>
+<p:sld xmlns:a="http://schemas.openxmlformats.org/drawingml/2006/main" xmlns:r="http://schemas.openxmlformats.org/officeDocument/2006/relationships" xmlns:p="http://schemas.openxmlformats.org/presentationml/2006/main">
+  <p:cSld>
+    <p:spTree>
+      <p:nvGrpSpPr>
+        <p:cNvPr id="1" name="Shape 68"/>
+        <p:cNvGrpSpPr/>
+        <p:nvPr/>
+      </p:nvGrpSpPr>
+      <p:grpSpPr>
+        <a:xfrm>
+          <a:off x="0" y="0"/>
+          <a:ext cx="0" cy="0"/>
+          <a:chOff x="0" y="0"/>
+          <a:chExt cx="0" cy="0"/>
+        </a:xfrm>
+      </p:grpSpPr>
+      <p:sp>
+        <p:nvSpPr>
+          <p:cNvPr id="69" name="Google Shape;69;p15"/>
+          <p:cNvSpPr txBox="1">
+            <a:spLocks noGrp="1"/>
+          </p:cNvSpPr>
+          <p:nvPr>
+            <p:ph type="title"/>
+          </p:nvPr>
+        </p:nvSpPr>
+        <p:spPr>
+          <a:xfrm>
+            <a:off x="311700" y="445025"/>
+            <a:ext cx="8520600" cy="572700"/>
+          </a:xfrm>
+          <a:prstGeom prst="rect">
+            <a:avLst/>
+          </a:prstGeom>
+        </p:spPr>
+        <p:txBody>
+          <a:bodyPr spcFirstLastPara="1" wrap="square" lIns="91425" tIns="91425" rIns="91425" bIns="91425" anchor="t" anchorCtr="0">
             <a:normAutofit fontScale="90000"/>
           </a:bodyPr>
           <a:lstStyle/>
           <a:p>
+            <a:pPr marL="0" lvl="0" indent="0" algn="l" rtl="0">
+              <a:spcBef>
+                <a:spcPts val="0"/>
+              </a:spcBef>
+              <a:spcAft>
+                <a:spcPts val="0"/>
+              </a:spcAft>
+              <a:buNone/>
+            </a:pPr>
             <a:r>
               <a:rPr lang="en-US" dirty="0"/>
-              <a:t>Discriminative and Generative Modeling</a:t>
+              <a:t>Gaussian Mixture Modeling</a:t>
             </a:r>
+            <a:endParaRPr dirty="0"/>
           </a:p>
         </p:txBody>
       </p:sp>
-      <mc:AlternateContent xmlns:mc="http://schemas.openxmlformats.org/markup-compatibility/2006">
-        <mc:Choice xmlns:a14="http://schemas.microsoft.com/office/drawing/2010/main" Requires="a14">
+      <mc:AlternateContent xmlns:mc="http://schemas.openxmlformats.org/markup-compatibility/2006" xmlns:a14="http://schemas.microsoft.com/office/drawing/2010/main">
+        <mc:Choice Requires="a14">
           <p:sp>
             <p:nvSpPr>
-              <p:cNvPr id="3" name="Text Placeholder 2">
-                <a:extLst>
-                  <a:ext uri="{FF2B5EF4-FFF2-40B4-BE49-F238E27FC236}">
-                    <a16:creationId xmlns:a16="http://schemas.microsoft.com/office/drawing/2014/main" id="{3C27EEE0-08DA-70E9-ABA7-04713EFBA556}"/>
-                  </a:ext>
-                </a:extLst>
-              </p:cNvPr>
-              <p:cNvSpPr>
+              <p:cNvPr id="70" name="Google Shape;70;p15"/>
+              <p:cNvSpPr txBox="1">
                 <a:spLocks noGrp="1"/>
               </p:cNvSpPr>
               <p:nvPr>
                 <p:ph type="body" idx="1"/>
               </p:nvPr>
             </p:nvSpPr>
-            <p:spPr/>
+            <p:spPr>
+              <a:xfrm>
+                <a:off x="-1" y="1152475"/>
+                <a:ext cx="2768895" cy="3416400"/>
+              </a:xfrm>
+              <a:prstGeom prst="rect">
+                <a:avLst/>
+              </a:prstGeom>
+            </p:spPr>
             <p:txBody>
-              <a:bodyPr/>
+              <a:bodyPr spcFirstLastPara="1" wrap="square" lIns="91425" tIns="91425" rIns="91425" bIns="91425" anchor="t" anchorCtr="0">
+                <a:normAutofit/>
+              </a:bodyPr>
               <a:lstStyle/>
               <a:p>
-                <a:pPr marL="114300" indent="0">
+                <a:pPr marL="0" lvl="0" indent="0" algn="l" rtl="0">
+                  <a:spcBef>
+                    <a:spcPts val="0"/>
+                  </a:spcBef>
+                  <a:spcAft>
+                    <a:spcPts val="1200"/>
+                  </a:spcAft>
                   <a:buNone/>
                 </a:pPr>
                 <a:r>
@@ -5722,165 +6002,47 @@
                       <a:schemeClr val="tx1"/>
                     </a:solidFill>
                   </a:rPr>
-                  <a:t>Discriminative models seek to learn conditional probability:</a:t>
+                  <a:t>Goal: Find parameters of K gaussian distributions and their mixing coefficients </a:t>
                 </a:r>
-              </a:p>
-              <a:p>
-                <a:pPr marL="114300" indent="0" algn="ctr">
-                  <a:buNone/>
-                </a:pPr>
                 <a14:m>
-                  <m:oMathPara xmlns:m="http://schemas.openxmlformats.org/officeDocument/2006/math">
-                    <m:oMathParaPr>
-                      <m:jc m:val="centerGroup"/>
-                    </m:oMathParaPr>
-                    <m:oMath xmlns:m="http://schemas.openxmlformats.org/officeDocument/2006/math">
-                      <m:r>
-                        <a:rPr lang="en-US" i="1" dirty="0" smtClean="0">
-                          <a:solidFill>
-                            <a:schemeClr val="tx1"/>
-                          </a:solidFill>
-                          <a:latin typeface="Cambria Math" panose="02040503050406030204" pitchFamily="18" charset="0"/>
-                        </a:rPr>
-                        <m:t>𝑃</m:t>
-                      </m:r>
-                      <m:r>
-                        <a:rPr lang="en-US" i="1" dirty="0" smtClean="0">
-                          <a:solidFill>
-                            <a:schemeClr val="tx1"/>
-                          </a:solidFill>
-                          <a:latin typeface="Cambria Math" panose="02040503050406030204" pitchFamily="18" charset="0"/>
-                        </a:rPr>
-                        <m:t>(</m:t>
-                      </m:r>
-                      <m:r>
-                        <a:rPr lang="en-US" i="1" dirty="0" err="1" smtClean="0">
-                          <a:solidFill>
-                            <a:schemeClr val="tx1"/>
-                          </a:solidFill>
-                          <a:latin typeface="Cambria Math" panose="02040503050406030204" pitchFamily="18" charset="0"/>
-                        </a:rPr>
-                        <m:t>𝑦</m:t>
-                      </m:r>
-                      <m:r>
-                        <a:rPr lang="en-US" i="1" dirty="0" err="1" smtClean="0">
-                          <a:solidFill>
-                            <a:schemeClr val="tx1"/>
-                          </a:solidFill>
-                          <a:latin typeface="Cambria Math" panose="02040503050406030204" pitchFamily="18" charset="0"/>
-                        </a:rPr>
-                        <m:t>|</m:t>
-                      </m:r>
-                      <m:r>
-                        <a:rPr lang="en-US" i="1" dirty="0" err="1" smtClean="0">
-                          <a:solidFill>
-                            <a:schemeClr val="tx1"/>
-                          </a:solidFill>
-                          <a:latin typeface="Cambria Math" panose="02040503050406030204" pitchFamily="18" charset="0"/>
-                        </a:rPr>
-                        <m:t>𝑥</m:t>
-                      </m:r>
-                      <m:r>
-                        <a:rPr lang="en-US" i="1" dirty="0">
-                          <a:solidFill>
-                            <a:schemeClr val="tx1"/>
-                          </a:solidFill>
-                          <a:latin typeface="Cambria Math" panose="02040503050406030204" pitchFamily="18" charset="0"/>
-                        </a:rPr>
-                        <m:t>)</m:t>
-                      </m:r>
-                    </m:oMath>
-                  </m:oMathPara>
+                  <m:oMath xmlns:m="http://schemas.openxmlformats.org/officeDocument/2006/math">
+                    <m:sSub>
+                      <m:sSubPr>
+                        <m:ctrlPr>
+                          <a:rPr lang="ar-AE" b="0" i="1" smtClean="0">
+                            <a:solidFill>
+                              <a:schemeClr val="tx1"/>
+                            </a:solidFill>
+                            <a:latin typeface="Cambria Math" panose="02040503050406030204" pitchFamily="18" charset="0"/>
+                          </a:rPr>
+                        </m:ctrlPr>
+                      </m:sSubPr>
+                      <m:e>
+                        <m:r>
+                          <a:rPr lang="ar-AE" b="0" i="1" smtClean="0">
+                            <a:solidFill>
+                              <a:schemeClr val="tx1"/>
+                            </a:solidFill>
+                            <a:latin typeface="Cambria Math" panose="02040503050406030204" pitchFamily="18" charset="0"/>
+                          </a:rPr>
+                          <m:t>𝑤</m:t>
+                        </m:r>
+                      </m:e>
+                      <m:sub>
+                        <m:r>
+                          <a:rPr lang="ar-AE" b="0" i="1" smtClean="0">
+                            <a:solidFill>
+                              <a:schemeClr val="tx1"/>
+                            </a:solidFill>
+                            <a:latin typeface="Cambria Math" panose="02040503050406030204" pitchFamily="18" charset="0"/>
+                          </a:rPr>
+                          <m:t>𝑖</m:t>
+                        </m:r>
+                      </m:sub>
+                    </m:sSub>
+                  </m:oMath>
                 </a14:m>
-                <a:endParaRPr lang="en-US" dirty="0">
-                  <a:solidFill>
-                    <a:schemeClr val="tx1"/>
-                  </a:solidFill>
-                </a:endParaRPr>
-              </a:p>
-              <a:p>
-                <a:pPr marL="114300" indent="0">
-                  <a:buNone/>
-                </a:pPr>
-                <a:endParaRPr lang="en-US" dirty="0">
-                  <a:solidFill>
-                    <a:schemeClr val="tx1"/>
-                  </a:solidFill>
-                </a:endParaRPr>
-              </a:p>
-              <a:p>
-                <a:pPr marL="114300" indent="0">
-                  <a:buNone/>
-                </a:pPr>
-                <a:endParaRPr lang="en-US" dirty="0">
-                  <a:solidFill>
-                    <a:schemeClr val="tx1"/>
-                  </a:solidFill>
-                </a:endParaRPr>
-              </a:p>
-              <a:p>
-                <a:pPr marL="114300" indent="0">
-                  <a:buNone/>
-                </a:pPr>
-                <a:r>
-                  <a:rPr lang="en-US" dirty="0">
-                    <a:solidFill>
-                      <a:schemeClr val="tx1"/>
-                    </a:solidFill>
-                  </a:rPr>
-                  <a:t>Generative models seek to learn probability distribution:</a:t>
-                </a:r>
-              </a:p>
-              <a:p>
-                <a:pPr marL="114300" indent="0">
-                  <a:buNone/>
-                </a:pPr>
-                <a14:m>
-                  <m:oMathPara xmlns:m="http://schemas.openxmlformats.org/officeDocument/2006/math">
-                    <m:oMathParaPr>
-                      <m:jc m:val="centerGroup"/>
-                    </m:oMathParaPr>
-                    <m:oMath xmlns:m="http://schemas.openxmlformats.org/officeDocument/2006/math">
-                      <m:r>
-                        <a:rPr lang="en-US" b="0" i="1" smtClean="0">
-                          <a:solidFill>
-                            <a:schemeClr val="tx1"/>
-                          </a:solidFill>
-                          <a:latin typeface="Cambria Math" panose="02040503050406030204" pitchFamily="18" charset="0"/>
-                        </a:rPr>
-                        <m:t>𝑃</m:t>
-                      </m:r>
-                      <m:r>
-                        <a:rPr lang="en-US" b="0" i="1" smtClean="0">
-                          <a:solidFill>
-                            <a:schemeClr val="tx1"/>
-                          </a:solidFill>
-                          <a:latin typeface="Cambria Math" panose="02040503050406030204" pitchFamily="18" charset="0"/>
-                        </a:rPr>
-                        <m:t>(</m:t>
-                      </m:r>
-                      <m:r>
-                        <a:rPr lang="en-US" b="0" i="1" smtClean="0">
-                          <a:solidFill>
-                            <a:schemeClr val="tx1"/>
-                          </a:solidFill>
-                          <a:latin typeface="Cambria Math" panose="02040503050406030204" pitchFamily="18" charset="0"/>
-                        </a:rPr>
-                        <m:t>𝑥</m:t>
-                      </m:r>
-                      <m:r>
-                        <a:rPr lang="en-US" b="0" i="1" smtClean="0">
-                          <a:solidFill>
-                            <a:schemeClr val="tx1"/>
-                          </a:solidFill>
-                          <a:latin typeface="Cambria Math" panose="02040503050406030204" pitchFamily="18" charset="0"/>
-                        </a:rPr>
-                        <m:t>)</m:t>
-                      </m:r>
-                    </m:oMath>
-                  </m:oMathPara>
-                </a14:m>
-                <a:endParaRPr lang="en-US" dirty="0">
+                <a:endParaRPr lang="ar-AE" dirty="0">
                   <a:solidFill>
                     <a:schemeClr val="tx1"/>
                   </a:solidFill>
@@ -5889,17 +6051,11 @@
             </p:txBody>
           </p:sp>
         </mc:Choice>
-        <mc:Fallback>
+        <mc:Fallback xmlns="">
           <p:sp>
             <p:nvSpPr>
-              <p:cNvPr id="3" name="Text Placeholder 2">
-                <a:extLst>
-                  <a:ext uri="{FF2B5EF4-FFF2-40B4-BE49-F238E27FC236}">
-                    <a16:creationId xmlns:a16="http://schemas.microsoft.com/office/drawing/2014/main" id="{3C27EEE0-08DA-70E9-ABA7-04713EFBA556}"/>
-                  </a:ext>
-                </a:extLst>
-              </p:cNvPr>
-              <p:cNvSpPr>
+              <p:cNvPr id="70" name="Google Shape;70;p15"/>
+              <p:cNvSpPr txBox="1">
                 <a:spLocks noGrp="1" noRot="1" noChangeAspect="1" noMove="1" noResize="1" noEditPoints="1" noAdjustHandles="1" noChangeArrowheads="1" noChangeShapeType="1" noTextEdit="1"/>
               </p:cNvSpPr>
               <p:nvPr>
@@ -5907,10 +6063,17 @@
               </p:nvPr>
             </p:nvSpPr>
             <p:spPr>
+              <a:xfrm>
+                <a:off x="-1" y="1152475"/>
+                <a:ext cx="2768895" cy="3416400"/>
+              </a:xfrm>
+              <a:prstGeom prst="rect">
+                <a:avLst/>
+              </a:prstGeom>
               <a:blipFill>
-                <a:blip r:embed="rId2"/>
+                <a:blip r:embed="rId3"/>
                 <a:stretch>
-                  <a:fillRect/>
+                  <a:fillRect l="-1835" r="-2294"/>
                 </a:stretch>
               </a:blipFill>
             </p:spPr>
@@ -5929,188 +6092,35 @@
           </p:sp>
         </mc:Fallback>
       </mc:AlternateContent>
-      <p:cxnSp>
-        <p:nvCxnSpPr>
-          <p:cNvPr id="5" name="Straight Arrow Connector 4">
-            <a:extLst>
-              <a:ext uri="{FF2B5EF4-FFF2-40B4-BE49-F238E27FC236}">
-                <a16:creationId xmlns:a16="http://schemas.microsoft.com/office/drawing/2014/main" id="{5202D0D8-EF9B-7795-E42F-1079B8CF8BD1}"/>
-              </a:ext>
-            </a:extLst>
-          </p:cNvPr>
-          <p:cNvCxnSpPr>
-            <a:cxnSpLocks/>
-            <a:stCxn id="6" idx="0"/>
-          </p:cNvCxnSpPr>
+      <p:pic>
+        <p:nvPicPr>
+          <p:cNvPr id="71" name="Google Shape;71;p15"/>
+          <p:cNvPicPr preferRelativeResize="0"/>
           <p:nvPr/>
-        </p:nvCxnSpPr>
-        <p:spPr>
-          <a:xfrm flipV="1">
-            <a:off x="4443040" y="1820091"/>
-            <a:ext cx="128960" cy="313510"/>
-          </a:xfrm>
-          <a:prstGeom prst="straightConnector1">
-            <a:avLst/>
-          </a:prstGeom>
-          <a:ln>
-            <a:tailEnd type="triangle"/>
-          </a:ln>
-        </p:spPr>
-        <p:style>
-          <a:lnRef idx="1">
-            <a:schemeClr val="dk1"/>
-          </a:lnRef>
-          <a:fillRef idx="0">
-            <a:schemeClr val="dk1"/>
-          </a:fillRef>
-          <a:effectRef idx="0">
-            <a:schemeClr val="dk1"/>
-          </a:effectRef>
-          <a:fontRef idx="minor">
-            <a:schemeClr val="tx1"/>
-          </a:fontRef>
-        </p:style>
-      </p:cxnSp>
-      <p:sp>
-        <p:nvSpPr>
-          <p:cNvPr id="6" name="TextBox 5">
-            <a:extLst>
-              <a:ext uri="{FF2B5EF4-FFF2-40B4-BE49-F238E27FC236}">
-                <a16:creationId xmlns:a16="http://schemas.microsoft.com/office/drawing/2014/main" id="{364238CF-788E-FECE-4438-1B8B67CB347E}"/>
-              </a:ext>
-            </a:extLst>
-          </p:cNvPr>
-          <p:cNvSpPr txBox="1"/>
-          <p:nvPr/>
-        </p:nvSpPr>
+        </p:nvPicPr>
+        <p:blipFill>
+          <a:blip r:embed="rId4">
+            <a:alphaModFix/>
+          </a:blip>
+          <a:stretch>
+            <a:fillRect/>
+          </a:stretch>
+        </p:blipFill>
         <p:spPr>
           <a:xfrm>
-            <a:off x="2185851" y="2133601"/>
-            <a:ext cx="4514377" cy="307777"/>
+            <a:off x="2768895" y="1017725"/>
+            <a:ext cx="6375105" cy="3825063"/>
           </a:xfrm>
           <a:prstGeom prst="rect">
             <a:avLst/>
           </a:prstGeom>
-          <a:solidFill>
-            <a:srgbClr val="FFC000"/>
-          </a:solidFill>
+          <a:noFill/>
           <a:ln>
-            <a:solidFill>
-              <a:srgbClr val="FF0000"/>
-            </a:solidFill>
+            <a:noFill/>
           </a:ln>
         </p:spPr>
-        <p:txBody>
-          <a:bodyPr wrap="none" rtlCol="0">
-            <a:spAutoFit/>
-          </a:bodyPr>
-          <a:lstStyle/>
-          <a:p>
-            <a:r>
-              <a:rPr lang="en-US" dirty="0"/>
-              <a:t>How likely is each label y, given some set of features x</a:t>
-            </a:r>
-          </a:p>
-        </p:txBody>
-      </p:sp>
-      <p:cxnSp>
-        <p:nvCxnSpPr>
-          <p:cNvPr id="9" name="Straight Arrow Connector 8">
-            <a:extLst>
-              <a:ext uri="{FF2B5EF4-FFF2-40B4-BE49-F238E27FC236}">
-                <a16:creationId xmlns:a16="http://schemas.microsoft.com/office/drawing/2014/main" id="{ADE91A43-31C8-48DA-641B-E3724A7C5169}"/>
-              </a:ext>
-            </a:extLst>
-          </p:cNvPr>
-          <p:cNvCxnSpPr>
-            <a:cxnSpLocks/>
-            <a:stCxn id="10" idx="0"/>
-          </p:cNvCxnSpPr>
-          <p:nvPr/>
-        </p:nvCxnSpPr>
-        <p:spPr>
-          <a:xfrm flipV="1">
-            <a:off x="4422911" y="3114727"/>
-            <a:ext cx="20129" cy="313510"/>
-          </a:xfrm>
-          <a:prstGeom prst="straightConnector1">
-            <a:avLst/>
-          </a:prstGeom>
-          <a:ln>
-            <a:tailEnd type="triangle"/>
-          </a:ln>
-        </p:spPr>
-        <p:style>
-          <a:lnRef idx="1">
-            <a:schemeClr val="dk1"/>
-          </a:lnRef>
-          <a:fillRef idx="0">
-            <a:schemeClr val="dk1"/>
-          </a:fillRef>
-          <a:effectRef idx="0">
-            <a:schemeClr val="dk1"/>
-          </a:effectRef>
-          <a:fontRef idx="minor">
-            <a:schemeClr val="tx1"/>
-          </a:fontRef>
-        </p:style>
-      </p:cxnSp>
-      <p:sp>
-        <p:nvSpPr>
-          <p:cNvPr id="10" name="TextBox 9">
-            <a:extLst>
-              <a:ext uri="{FF2B5EF4-FFF2-40B4-BE49-F238E27FC236}">
-                <a16:creationId xmlns:a16="http://schemas.microsoft.com/office/drawing/2014/main" id="{0C77763C-27E8-DF64-19A3-894E87B8B180}"/>
-              </a:ext>
-            </a:extLst>
-          </p:cNvPr>
-          <p:cNvSpPr txBox="1"/>
-          <p:nvPr/>
-        </p:nvSpPr>
-        <p:spPr>
-          <a:xfrm>
-            <a:off x="3130730" y="3428237"/>
-            <a:ext cx="2584362" cy="307777"/>
-          </a:xfrm>
-          <a:prstGeom prst="rect">
-            <a:avLst/>
-          </a:prstGeom>
-          <a:solidFill>
-            <a:srgbClr val="FFC000"/>
-          </a:solidFill>
-          <a:ln>
-            <a:solidFill>
-              <a:srgbClr val="FF0000"/>
-            </a:solidFill>
-          </a:ln>
-        </p:spPr>
-        <p:txBody>
-          <a:bodyPr wrap="none" rtlCol="0">
-            <a:spAutoFit/>
-          </a:bodyPr>
-          <a:lstStyle/>
-          <a:p>
-            <a:r>
-              <a:rPr lang="en-US" dirty="0"/>
-              <a:t>How likely each data point </a:t>
-            </a:r>
-            <a:r>
-              <a:rPr lang="en-US" i="1" dirty="0"/>
-              <a:t>x </a:t>
-            </a:r>
-            <a:r>
-              <a:rPr lang="en-US" dirty="0"/>
-              <a:t>is</a:t>
-            </a:r>
-          </a:p>
-        </p:txBody>
-      </p:sp>
+      </p:pic>
     </p:spTree>
-    <p:extLst>
-      <p:ext uri="{BB962C8B-B14F-4D97-AF65-F5344CB8AC3E}">
-        <p14:creationId xmlns:p14="http://schemas.microsoft.com/office/powerpoint/2010/main" val="4205504787"/>
-      </p:ext>
-    </p:extLst>
   </p:cSld>
   <p:clrMapOvr>
     <a:masterClrMapping/>
@@ -6118,7 +6128,7 @@
 </p:sld>
 </file>
 
-<file path=ppt/slides/slide10.xml><?xml version="1.0" encoding="utf-8"?>
+<file path=ppt/slides/slide11.xml><?xml version="1.0" encoding="utf-8"?>
 <p:sld xmlns:a="http://schemas.openxmlformats.org/drawingml/2006/main" xmlns:r="http://schemas.openxmlformats.org/officeDocument/2006/relationships" xmlns:p="http://schemas.openxmlformats.org/presentationml/2006/main">
   <p:cSld>
     <p:spTree>
@@ -6159,7 +6169,11 @@
           <a:lstStyle/>
           <a:p>
             <a:r>
-              <a:rPr lang="en-US" dirty="0"/>
+              <a:rPr lang="en-US" dirty="0">
+                <a:solidFill>
+                  <a:schemeClr val="tx1"/>
+                </a:solidFill>
+              </a:rPr>
               <a:t>Useful variables and definitions</a:t>
             </a:r>
           </a:p>
@@ -6204,6 +6218,9 @@
                       <m:sSubPr>
                         <m:ctrlPr>
                           <a:rPr lang="en-US" sz="1200" b="0" i="1" smtClean="0">
+                            <a:solidFill>
+                              <a:schemeClr val="tx1"/>
+                            </a:solidFill>
                             <a:latin typeface="Cambria Math" panose="02040503050406030204" pitchFamily="18" charset="0"/>
                           </a:rPr>
                         </m:ctrlPr>
@@ -6211,6 +6228,9 @@
                       <m:e>
                         <m:r>
                           <a:rPr lang="en-US" sz="1200" b="0" i="1" smtClean="0">
+                            <a:solidFill>
+                              <a:schemeClr val="tx1"/>
+                            </a:solidFill>
                             <a:latin typeface="Cambria Math" panose="02040503050406030204" pitchFamily="18" charset="0"/>
                           </a:rPr>
                           <m:t>𝜇</m:t>
@@ -6219,6 +6239,9 @@
                       <m:sub>
                         <m:r>
                           <a:rPr lang="en-US" sz="1200" b="0" i="1" smtClean="0">
+                            <a:solidFill>
+                              <a:schemeClr val="tx1"/>
+                            </a:solidFill>
                             <a:latin typeface="Cambria Math" panose="02040503050406030204" pitchFamily="18" charset="0"/>
                           </a:rPr>
                           <m:t>𝑘</m:t>
@@ -6227,6 +6250,9 @@
                     </m:sSub>
                     <m:r>
                       <a:rPr lang="en-US" sz="1200" b="0" i="1" smtClean="0">
+                        <a:solidFill>
+                          <a:schemeClr val="tx1"/>
+                        </a:solidFill>
                         <a:latin typeface="Cambria Math" panose="02040503050406030204" pitchFamily="18" charset="0"/>
                       </a:rPr>
                       <m:t>,</m:t>
@@ -6235,6 +6261,9 @@
                       <m:sSubPr>
                         <m:ctrlPr>
                           <a:rPr lang="en-US" sz="1200" b="0" i="1" smtClean="0">
+                            <a:solidFill>
+                              <a:schemeClr val="tx1"/>
+                            </a:solidFill>
                             <a:latin typeface="Cambria Math" panose="02040503050406030204" pitchFamily="18" charset="0"/>
                           </a:rPr>
                         </m:ctrlPr>
@@ -6242,6 +6271,9 @@
                       <m:e>
                         <m:r>
                           <a:rPr lang="en-US" sz="1200" b="0" i="1" smtClean="0">
+                            <a:solidFill>
+                              <a:schemeClr val="tx1"/>
+                            </a:solidFill>
                             <a:latin typeface="Cambria Math" panose="02040503050406030204" pitchFamily="18" charset="0"/>
                           </a:rPr>
                           <m:t>𝜎</m:t>
@@ -6250,6 +6282,9 @@
                       <m:sub>
                         <m:r>
                           <a:rPr lang="en-US" sz="1200" b="0" i="1" smtClean="0">
+                            <a:solidFill>
+                              <a:schemeClr val="tx1"/>
+                            </a:solidFill>
                             <a:latin typeface="Cambria Math" panose="02040503050406030204" pitchFamily="18" charset="0"/>
                           </a:rPr>
                           <m:t>𝑘</m:t>
@@ -6259,15 +6294,27 @@
                   </m:oMath>
                 </a14:m>
                 <a:r>
-                  <a:rPr lang="en-US" sz="1200" dirty="0"/>
+                  <a:rPr lang="en-US" sz="1200" dirty="0">
+                    <a:solidFill>
+                      <a:schemeClr val="tx1"/>
+                    </a:solidFill>
+                  </a:rPr>
                   <a:t>: parameters of </a:t>
                 </a:r>
                 <a:r>
-                  <a:rPr lang="en-US" sz="1200" dirty="0" err="1"/>
+                  <a:rPr lang="en-US" sz="1200" dirty="0" err="1">
+                    <a:solidFill>
+                      <a:schemeClr val="tx1"/>
+                    </a:solidFill>
+                  </a:rPr>
                   <a:t>k’th</a:t>
                 </a:r>
                 <a:r>
-                  <a:rPr lang="en-US" sz="1200" dirty="0"/>
+                  <a:rPr lang="en-US" sz="1200" dirty="0">
+                    <a:solidFill>
+                      <a:schemeClr val="tx1"/>
+                    </a:solidFill>
+                  </a:rPr>
                   <a:t> gaussian distribution</a:t>
                 </a:r>
               </a:p>
@@ -6281,6 +6328,9 @@
                       <m:sSubPr>
                         <m:ctrlPr>
                           <a:rPr lang="en-US" sz="1200" b="0" i="1" smtClean="0">
+                            <a:solidFill>
+                              <a:schemeClr val="tx1"/>
+                            </a:solidFill>
                             <a:latin typeface="Cambria Math" panose="02040503050406030204" pitchFamily="18" charset="0"/>
                           </a:rPr>
                         </m:ctrlPr>
@@ -6288,6 +6338,9 @@
                       <m:e>
                         <m:r>
                           <a:rPr lang="en-US" sz="1200" b="0" i="1" smtClean="0">
+                            <a:solidFill>
+                              <a:schemeClr val="tx1"/>
+                            </a:solidFill>
                             <a:latin typeface="Cambria Math" panose="02040503050406030204" pitchFamily="18" charset="0"/>
                           </a:rPr>
                           <m:t>𝑤</m:t>
@@ -6296,6 +6349,9 @@
                       <m:sub>
                         <m:r>
                           <a:rPr lang="en-US" sz="1200" b="0" i="1" smtClean="0">
+                            <a:solidFill>
+                              <a:schemeClr val="tx1"/>
+                            </a:solidFill>
                             <a:latin typeface="Cambria Math" panose="02040503050406030204" pitchFamily="18" charset="0"/>
                           </a:rPr>
                           <m:t>𝑘</m:t>
@@ -6305,15 +6361,27 @@
                   </m:oMath>
                 </a14:m>
                 <a:r>
-                  <a:rPr lang="en-US" sz="1200" dirty="0"/>
+                  <a:rPr lang="en-US" sz="1200" dirty="0">
+                    <a:solidFill>
+                      <a:schemeClr val="tx1"/>
+                    </a:solidFill>
+                  </a:rPr>
                   <a:t>: How much the </a:t>
                 </a:r>
                 <a:r>
-                  <a:rPr lang="en-US" sz="1200" dirty="0" err="1"/>
+                  <a:rPr lang="en-US" sz="1200" dirty="0" err="1">
+                    <a:solidFill>
+                      <a:schemeClr val="tx1"/>
+                    </a:solidFill>
+                  </a:rPr>
                   <a:t>k’th</a:t>
                 </a:r>
                 <a:r>
-                  <a:rPr lang="en-US" sz="1200" dirty="0"/>
+                  <a:rPr lang="en-US" sz="1200" dirty="0">
+                    <a:solidFill>
+                      <a:schemeClr val="tx1"/>
+                    </a:solidFill>
+                  </a:rPr>
                   <a:t> gaussian distribution contributes to the overall distribution</a:t>
                 </a:r>
               </a:p>
@@ -6328,6 +6396,9 @@
                         <m:chr m:val="∑"/>
                         <m:ctrlPr>
                           <a:rPr lang="en-US" sz="1200" b="0" i="1" smtClean="0">
+                            <a:solidFill>
+                              <a:schemeClr val="tx1"/>
+                            </a:solidFill>
                             <a:latin typeface="Cambria Math" panose="02040503050406030204" pitchFamily="18" charset="0"/>
                           </a:rPr>
                         </m:ctrlPr>
@@ -6335,12 +6406,18 @@
                       <m:sub>
                         <m:r>
                           <a:rPr lang="en-US" sz="1200" b="0" i="1" smtClean="0">
+                            <a:solidFill>
+                              <a:schemeClr val="tx1"/>
+                            </a:solidFill>
                             <a:latin typeface="Cambria Math" panose="02040503050406030204" pitchFamily="18" charset="0"/>
                           </a:rPr>
                           <m:t>𝑘</m:t>
                         </m:r>
                         <m:r>
                           <a:rPr lang="en-US" sz="1200" b="0" i="1" smtClean="0">
+                            <a:solidFill>
+                              <a:schemeClr val="tx1"/>
+                            </a:solidFill>
                             <a:latin typeface="Cambria Math" panose="02040503050406030204" pitchFamily="18" charset="0"/>
                           </a:rPr>
                           <m:t>=1</m:t>
@@ -6349,6 +6426,9 @@
                       <m:sup>
                         <m:r>
                           <a:rPr lang="en-US" sz="1200" b="0" i="1" smtClean="0">
+                            <a:solidFill>
+                              <a:schemeClr val="tx1"/>
+                            </a:solidFill>
                             <a:latin typeface="Cambria Math" panose="02040503050406030204" pitchFamily="18" charset="0"/>
                           </a:rPr>
                           <m:t>𝐾</m:t>
@@ -6359,6 +6439,9 @@
                           <m:sSubPr>
                             <m:ctrlPr>
                               <a:rPr lang="en-US" sz="1200" i="1">
+                                <a:solidFill>
+                                  <a:schemeClr val="tx1"/>
+                                </a:solidFill>
                                 <a:latin typeface="Cambria Math" panose="02040503050406030204" pitchFamily="18" charset="0"/>
                               </a:rPr>
                             </m:ctrlPr>
@@ -6366,6 +6449,9 @@
                           <m:e>
                             <m:r>
                               <a:rPr lang="en-US" sz="1200" i="1">
+                                <a:solidFill>
+                                  <a:schemeClr val="tx1"/>
+                                </a:solidFill>
                                 <a:latin typeface="Cambria Math" panose="02040503050406030204" pitchFamily="18" charset="0"/>
                               </a:rPr>
                               <m:t>𝑤</m:t>
@@ -6374,6 +6460,9 @@
                           <m:sub>
                             <m:r>
                               <a:rPr lang="en-US" sz="1200" i="1">
+                                <a:solidFill>
+                                  <a:schemeClr val="tx1"/>
+                                </a:solidFill>
                                 <a:latin typeface="Cambria Math" panose="02040503050406030204" pitchFamily="18" charset="0"/>
                               </a:rPr>
                               <m:t>𝑘</m:t>
@@ -6384,6 +6473,9 @@
                     </m:nary>
                     <m:r>
                       <a:rPr lang="en-US" sz="1200" b="0" i="1" smtClean="0">
+                        <a:solidFill>
+                          <a:schemeClr val="tx1"/>
+                        </a:solidFill>
                         <a:latin typeface="Cambria Math" panose="02040503050406030204" pitchFamily="18" charset="0"/>
                       </a:rPr>
                       <m:t>=1</m:t>
@@ -6391,7 +6483,11 @@
                   </m:oMath>
                 </a14:m>
                 <a:r>
-                  <a:rPr lang="en-US" sz="1200" dirty="0"/>
+                  <a:rPr lang="en-US" sz="1200" dirty="0">
+                    <a:solidFill>
+                      <a:schemeClr val="tx1"/>
+                    </a:solidFill>
+                  </a:rPr>
                   <a:t> </a:t>
                 </a:r>
               </a:p>
@@ -6403,48 +6499,72 @@
                   <m:oMath xmlns:m="http://schemas.openxmlformats.org/officeDocument/2006/math">
                     <m:r>
                       <a:rPr lang="en-US" sz="1200" b="0" i="1" smtClean="0">
+                        <a:solidFill>
+                          <a:schemeClr val="tx1"/>
+                        </a:solidFill>
                         <a:latin typeface="Cambria Math" panose="02040503050406030204" pitchFamily="18" charset="0"/>
                       </a:rPr>
                       <m:t>𝜃</m:t>
                     </m:r>
                     <m:r>
                       <a:rPr lang="en-US" sz="1200" b="0" i="1" smtClean="0">
+                        <a:solidFill>
+                          <a:schemeClr val="tx1"/>
+                        </a:solidFill>
                         <a:latin typeface="Cambria Math" panose="02040503050406030204" pitchFamily="18" charset="0"/>
                       </a:rPr>
                       <m:t>={</m:t>
                     </m:r>
                     <m:r>
                       <a:rPr lang="en-US" sz="1200" b="1" i="1" smtClean="0">
+                        <a:solidFill>
+                          <a:schemeClr val="tx1"/>
+                        </a:solidFill>
                         <a:latin typeface="Cambria Math" panose="02040503050406030204" pitchFamily="18" charset="0"/>
                       </a:rPr>
                       <m:t>𝝁</m:t>
                     </m:r>
                     <m:r>
                       <a:rPr lang="en-US" sz="1200" b="1" i="1" smtClean="0">
+                        <a:solidFill>
+                          <a:schemeClr val="tx1"/>
+                        </a:solidFill>
                         <a:latin typeface="Cambria Math" panose="02040503050406030204" pitchFamily="18" charset="0"/>
                       </a:rPr>
                       <m:t>,</m:t>
                     </m:r>
                     <m:r>
                       <a:rPr lang="en-US" sz="1200" b="1" i="1" smtClean="0">
+                        <a:solidFill>
+                          <a:schemeClr val="tx1"/>
+                        </a:solidFill>
                         <a:latin typeface="Cambria Math" panose="02040503050406030204" pitchFamily="18" charset="0"/>
                       </a:rPr>
                       <m:t>𝝈</m:t>
                     </m:r>
                     <m:r>
                       <a:rPr lang="en-US" sz="1200" b="1" i="1" smtClean="0">
+                        <a:solidFill>
+                          <a:schemeClr val="tx1"/>
+                        </a:solidFill>
                         <a:latin typeface="Cambria Math" panose="02040503050406030204" pitchFamily="18" charset="0"/>
                       </a:rPr>
                       <m:t>,</m:t>
                     </m:r>
                     <m:r>
                       <a:rPr lang="en-US" sz="1200" b="1" i="1" smtClean="0">
+                        <a:solidFill>
+                          <a:schemeClr val="tx1"/>
+                        </a:solidFill>
                         <a:latin typeface="Cambria Math" panose="02040503050406030204" pitchFamily="18" charset="0"/>
                       </a:rPr>
                       <m:t>𝒘</m:t>
                     </m:r>
                     <m:r>
                       <a:rPr lang="en-US" sz="1200" b="0" i="1" smtClean="0">
+                        <a:solidFill>
+                          <a:schemeClr val="tx1"/>
+                        </a:solidFill>
                         <a:latin typeface="Cambria Math" panose="02040503050406030204" pitchFamily="18" charset="0"/>
                       </a:rPr>
                       <m:t>}</m:t>
@@ -6452,7 +6572,11 @@
                   </m:oMath>
                 </a14:m>
                 <a:r>
-                  <a:rPr lang="en-US" sz="1200" dirty="0"/>
+                  <a:rPr lang="en-US" sz="1200" dirty="0">
+                    <a:solidFill>
+                      <a:schemeClr val="tx1"/>
+                    </a:solidFill>
+                  </a:rPr>
                   <a:t>: Parameters of mixture model</a:t>
                 </a:r>
               </a:p>
@@ -6791,12 +6915,18 @@
                   <m:oMath xmlns:m="http://schemas.openxmlformats.org/officeDocument/2006/math">
                     <m:r>
                       <a:rPr lang="en-US" sz="1200" b="0" i="1" smtClean="0">
+                        <a:solidFill>
+                          <a:schemeClr val="tx1"/>
+                        </a:solidFill>
                         <a:latin typeface="Cambria Math" panose="02040503050406030204" pitchFamily="18" charset="0"/>
                       </a:rPr>
                       <m:t>𝑋</m:t>
                     </m:r>
                     <m:r>
                       <a:rPr lang="en-US" sz="1200" b="0" i="1" smtClean="0">
+                        <a:solidFill>
+                          <a:schemeClr val="tx1"/>
+                        </a:solidFill>
                         <a:latin typeface="Cambria Math" panose="02040503050406030204" pitchFamily="18" charset="0"/>
                       </a:rPr>
                       <m:t>={</m:t>
@@ -6805,6 +6935,9 @@
                       <m:sSubPr>
                         <m:ctrlPr>
                           <a:rPr lang="en-US" sz="1200" b="0" i="1" smtClean="0">
+                            <a:solidFill>
+                              <a:schemeClr val="tx1"/>
+                            </a:solidFill>
                             <a:latin typeface="Cambria Math" panose="02040503050406030204" pitchFamily="18" charset="0"/>
                           </a:rPr>
                         </m:ctrlPr>
@@ -6812,6 +6945,9 @@
                       <m:e>
                         <m:r>
                           <a:rPr lang="en-US" sz="1200" b="0" i="1" smtClean="0">
+                            <a:solidFill>
+                              <a:schemeClr val="tx1"/>
+                            </a:solidFill>
                             <a:latin typeface="Cambria Math" panose="02040503050406030204" pitchFamily="18" charset="0"/>
                           </a:rPr>
                           <m:t>𝑥</m:t>
@@ -6820,6 +6956,9 @@
                       <m:sub>
                         <m:r>
                           <a:rPr lang="en-US" sz="1200" b="0" i="1" smtClean="0">
+                            <a:solidFill>
+                              <a:schemeClr val="tx1"/>
+                            </a:solidFill>
                             <a:latin typeface="Cambria Math" panose="02040503050406030204" pitchFamily="18" charset="0"/>
                           </a:rPr>
                           <m:t>1</m:t>
@@ -6828,6 +6967,9 @@
                     </m:sSub>
                     <m:r>
                       <a:rPr lang="en-US" sz="1200" b="0" i="1" smtClean="0">
+                        <a:solidFill>
+                          <a:schemeClr val="tx1"/>
+                        </a:solidFill>
                         <a:latin typeface="Cambria Math" panose="02040503050406030204" pitchFamily="18" charset="0"/>
                       </a:rPr>
                       <m:t>,</m:t>
@@ -6836,6 +6978,9 @@
                       <m:sSubPr>
                         <m:ctrlPr>
                           <a:rPr lang="en-US" sz="1200" b="0" i="1" smtClean="0">
+                            <a:solidFill>
+                              <a:schemeClr val="tx1"/>
+                            </a:solidFill>
                             <a:latin typeface="Cambria Math" panose="02040503050406030204" pitchFamily="18" charset="0"/>
                           </a:rPr>
                         </m:ctrlPr>
@@ -6843,6 +6988,9 @@
                       <m:e>
                         <m:r>
                           <a:rPr lang="en-US" sz="1200" b="0" i="1" smtClean="0">
+                            <a:solidFill>
+                              <a:schemeClr val="tx1"/>
+                            </a:solidFill>
                             <a:latin typeface="Cambria Math" panose="02040503050406030204" pitchFamily="18" charset="0"/>
                           </a:rPr>
                           <m:t>𝑥</m:t>
@@ -6851,6 +6999,9 @@
                       <m:sub>
                         <m:r>
                           <a:rPr lang="en-US" sz="1200" b="0" i="1" smtClean="0">
+                            <a:solidFill>
+                              <a:schemeClr val="tx1"/>
+                            </a:solidFill>
                             <a:latin typeface="Cambria Math" panose="02040503050406030204" pitchFamily="18" charset="0"/>
                           </a:rPr>
                           <m:t>2</m:t>
@@ -6859,6 +7010,9 @@
                     </m:sSub>
                     <m:r>
                       <a:rPr lang="en-US" sz="1200" b="0" i="1" smtClean="0">
+                        <a:solidFill>
+                          <a:schemeClr val="tx1"/>
+                        </a:solidFill>
                         <a:latin typeface="Cambria Math" panose="02040503050406030204" pitchFamily="18" charset="0"/>
                       </a:rPr>
                       <m:t>,…,</m:t>
@@ -6867,6 +7021,9 @@
                       <m:sSubPr>
                         <m:ctrlPr>
                           <a:rPr lang="en-US" sz="1200" b="0" i="1" smtClean="0">
+                            <a:solidFill>
+                              <a:schemeClr val="tx1"/>
+                            </a:solidFill>
                             <a:latin typeface="Cambria Math" panose="02040503050406030204" pitchFamily="18" charset="0"/>
                           </a:rPr>
                         </m:ctrlPr>
@@ -6874,6 +7031,9 @@
                       <m:e>
                         <m:r>
                           <a:rPr lang="en-US" sz="1200" b="0" i="1" smtClean="0">
+                            <a:solidFill>
+                              <a:schemeClr val="tx1"/>
+                            </a:solidFill>
                             <a:latin typeface="Cambria Math" panose="02040503050406030204" pitchFamily="18" charset="0"/>
                           </a:rPr>
                           <m:t>𝑥</m:t>
@@ -6882,6 +7042,9 @@
                       <m:sub>
                         <m:r>
                           <a:rPr lang="en-US" sz="1200" b="0" i="1" smtClean="0">
+                            <a:solidFill>
+                              <a:schemeClr val="tx1"/>
+                            </a:solidFill>
                             <a:latin typeface="Cambria Math" panose="02040503050406030204" pitchFamily="18" charset="0"/>
                           </a:rPr>
                           <m:t>𝑛</m:t>
@@ -6890,6 +7053,9 @@
                     </m:sSub>
                     <m:r>
                       <a:rPr lang="en-US" sz="1200" b="0" i="1" smtClean="0">
+                        <a:solidFill>
+                          <a:schemeClr val="tx1"/>
+                        </a:solidFill>
                         <a:latin typeface="Cambria Math" panose="02040503050406030204" pitchFamily="18" charset="0"/>
                       </a:rPr>
                       <m:t>}</m:t>
@@ -6898,17 +7064,26 @@
                 </a14:m>
                 <a:r>
                   <a:rPr lang="en-US" sz="1200" b="0" i="1" dirty="0">
+                    <a:solidFill>
+                      <a:schemeClr val="tx1"/>
+                    </a:solidFill>
                     <a:latin typeface="Cambria Math" panose="02040503050406030204" pitchFamily="18" charset="0"/>
                   </a:rPr>
                   <a:t>, </a:t>
                 </a:r>
                 <a:r>
                   <a:rPr lang="en-US" sz="1200" b="0" dirty="0">
+                    <a:solidFill>
+                      <a:schemeClr val="tx1"/>
+                    </a:solidFill>
                     <a:latin typeface="Cambria Math" panose="02040503050406030204" pitchFamily="18" charset="0"/>
                   </a:rPr>
                   <a:t>observed dataset</a:t>
                 </a:r>
                 <a:endParaRPr lang="en-US" sz="1200" b="0" i="1" dirty="0">
+                  <a:solidFill>
+                    <a:schemeClr val="tx1"/>
+                  </a:solidFill>
                   <a:latin typeface="Cambria Math" panose="02040503050406030204" pitchFamily="18" charset="0"/>
                 </a:endParaRPr>
               </a:p>
@@ -6923,6 +7098,9 @@
                       <m:sSubPr>
                         <m:ctrlPr>
                           <a:rPr lang="en-US" sz="1200" b="0" i="1" smtClean="0">
+                            <a:solidFill>
+                              <a:schemeClr val="tx1"/>
+                            </a:solidFill>
                             <a:latin typeface="Cambria Math" panose="02040503050406030204" pitchFamily="18" charset="0"/>
                           </a:rPr>
                         </m:ctrlPr>
@@ -6930,6 +7108,9 @@
                       <m:e>
                         <m:r>
                           <a:rPr lang="en-US" sz="1200" b="0" i="1" smtClean="0">
+                            <a:solidFill>
+                              <a:schemeClr val="tx1"/>
+                            </a:solidFill>
                             <a:latin typeface="Cambria Math" panose="02040503050406030204" pitchFamily="18" charset="0"/>
                           </a:rPr>
                           <m:t>𝑧</m:t>
@@ -6938,6 +7119,9 @@
                       <m:sub>
                         <m:r>
                           <a:rPr lang="en-US" sz="1200" b="0" i="1" smtClean="0">
+                            <a:solidFill>
+                              <a:schemeClr val="tx1"/>
+                            </a:solidFill>
                             <a:latin typeface="Cambria Math" panose="02040503050406030204" pitchFamily="18" charset="0"/>
                           </a:rPr>
                           <m:t>𝑖</m:t>
@@ -6947,7 +7131,11 @@
                   </m:oMath>
                 </a14:m>
                 <a:r>
-                  <a:rPr lang="en-US" sz="1200" dirty="0"/>
+                  <a:rPr lang="en-US" sz="1200" dirty="0">
+                    <a:solidFill>
+                      <a:schemeClr val="tx1"/>
+                    </a:solidFill>
+                  </a:rPr>
                   <a:t>: Which gaussian generated example </a:t>
                 </a:r>
                 <a14:m>
@@ -6956,6 +7144,9 @@
                       <m:sSubPr>
                         <m:ctrlPr>
                           <a:rPr lang="en-US" sz="1200" b="0" i="1" smtClean="0">
+                            <a:solidFill>
+                              <a:schemeClr val="tx1"/>
+                            </a:solidFill>
                             <a:latin typeface="Cambria Math" panose="02040503050406030204" pitchFamily="18" charset="0"/>
                           </a:rPr>
                         </m:ctrlPr>
@@ -6963,6 +7154,9 @@
                       <m:e>
                         <m:r>
                           <a:rPr lang="en-US" sz="1200" b="0" i="1" smtClean="0">
+                            <a:solidFill>
+                              <a:schemeClr val="tx1"/>
+                            </a:solidFill>
                             <a:latin typeface="Cambria Math" panose="02040503050406030204" pitchFamily="18" charset="0"/>
                           </a:rPr>
                           <m:t>𝑥</m:t>
@@ -6971,6 +7165,9 @@
                       <m:sub>
                         <m:r>
                           <a:rPr lang="en-US" sz="1200" b="0" i="1" smtClean="0">
+                            <a:solidFill>
+                              <a:schemeClr val="tx1"/>
+                            </a:solidFill>
                             <a:latin typeface="Cambria Math" panose="02040503050406030204" pitchFamily="18" charset="0"/>
                           </a:rPr>
                           <m:t>𝑖</m:t>
@@ -6979,7 +7176,11 @@
                     </m:sSub>
                   </m:oMath>
                 </a14:m>
-                <a:endParaRPr lang="en-US" sz="1200" b="0" dirty="0"/>
+                <a:endParaRPr lang="en-US" sz="1200" b="0" dirty="0">
+                  <a:solidFill>
+                    <a:schemeClr val="tx1"/>
+                  </a:solidFill>
+                </a:endParaRPr>
               </a:p>
               <a:p>
                 <a:pPr marL="114300" indent="0">
@@ -6988,6 +7189,9 @@
                 </a:pPr>
                 <a:r>
                   <a:rPr lang="en-US" sz="1200" b="0" dirty="0">
+                    <a:solidFill>
+                      <a:schemeClr val="tx1"/>
+                    </a:solidFill>
                     <a:latin typeface="Cambria Math" panose="02040503050406030204" pitchFamily="18" charset="0"/>
                   </a:rPr>
                   <a:t>Probability of a single example </a:t>
@@ -6998,6 +7202,9 @@
                       <m:sSubPr>
                         <m:ctrlPr>
                           <a:rPr lang="en-US" sz="1200" b="0" i="1" smtClean="0">
+                            <a:solidFill>
+                              <a:schemeClr val="tx1"/>
+                            </a:solidFill>
                             <a:latin typeface="Cambria Math" panose="02040503050406030204" pitchFamily="18" charset="0"/>
                           </a:rPr>
                         </m:ctrlPr>
@@ -7005,6 +7212,9 @@
                       <m:e>
                         <m:r>
                           <a:rPr lang="en-US" sz="1200" b="0" i="1" smtClean="0">
+                            <a:solidFill>
+                              <a:schemeClr val="tx1"/>
+                            </a:solidFill>
                             <a:latin typeface="Cambria Math" panose="02040503050406030204" pitchFamily="18" charset="0"/>
                           </a:rPr>
                           <m:t>𝑥</m:t>
@@ -7013,6 +7223,9 @@
                       <m:sub>
                         <m:r>
                           <a:rPr lang="en-US" sz="1200" b="0" i="1" smtClean="0">
+                            <a:solidFill>
+                              <a:schemeClr val="tx1"/>
+                            </a:solidFill>
                             <a:latin typeface="Cambria Math" panose="02040503050406030204" pitchFamily="18" charset="0"/>
                           </a:rPr>
                           <m:t>𝑖</m:t>
@@ -7022,6 +7235,9 @@
                   </m:oMath>
                 </a14:m>
                 <a:endParaRPr lang="en-US" sz="1200" b="0" i="1" dirty="0">
+                  <a:solidFill>
+                    <a:schemeClr val="tx1"/>
+                  </a:solidFill>
                   <a:latin typeface="Cambria Math" panose="02040503050406030204" pitchFamily="18" charset="0"/>
                 </a:endParaRPr>
               </a:p>
@@ -7038,6 +7254,9 @@
                     <m:oMath xmlns:m="http://schemas.openxmlformats.org/officeDocument/2006/math">
                       <m:r>
                         <a:rPr lang="en-US" sz="1200" b="0" i="1" smtClean="0">
+                          <a:solidFill>
+                            <a:schemeClr val="tx1"/>
+                          </a:solidFill>
                           <a:latin typeface="Cambria Math" panose="02040503050406030204" pitchFamily="18" charset="0"/>
                         </a:rPr>
                         <m:t>𝑃</m:t>
@@ -7046,6 +7265,9 @@
                         <m:dPr>
                           <m:ctrlPr>
                             <a:rPr lang="en-US" sz="1200" b="0" i="1" smtClean="0">
+                              <a:solidFill>
+                                <a:schemeClr val="tx1"/>
+                              </a:solidFill>
                               <a:latin typeface="Cambria Math" panose="02040503050406030204" pitchFamily="18" charset="0"/>
                             </a:rPr>
                           </m:ctrlPr>
@@ -7055,6 +7277,9 @@
                             <m:sSubPr>
                               <m:ctrlPr>
                                 <a:rPr lang="en-US" sz="1200" b="0" i="1" smtClean="0">
+                                  <a:solidFill>
+                                    <a:schemeClr val="tx1"/>
+                                  </a:solidFill>
                                   <a:latin typeface="Cambria Math" panose="02040503050406030204" pitchFamily="18" charset="0"/>
                                 </a:rPr>
                               </m:ctrlPr>
@@ -7062,6 +7287,9 @@
                             <m:e>
                               <m:r>
                                 <a:rPr lang="en-US" sz="1200" b="0" i="1" smtClean="0">
+                                  <a:solidFill>
+                                    <a:schemeClr val="tx1"/>
+                                  </a:solidFill>
                                   <a:latin typeface="Cambria Math" panose="02040503050406030204" pitchFamily="18" charset="0"/>
                                 </a:rPr>
                                 <m:t>𝑥</m:t>
@@ -7070,6 +7298,9 @@
                             <m:sub>
                               <m:r>
                                 <a:rPr lang="en-US" sz="1200" b="0" i="1" smtClean="0">
+                                  <a:solidFill>
+                                    <a:schemeClr val="tx1"/>
+                                  </a:solidFill>
                                   <a:latin typeface="Cambria Math" panose="02040503050406030204" pitchFamily="18" charset="0"/>
                                 </a:rPr>
                                 <m:t>𝑖</m:t>
@@ -7080,6 +7311,9 @@
                       </m:d>
                       <m:r>
                         <a:rPr lang="en-US" sz="1200" b="0" i="1" smtClean="0">
+                          <a:solidFill>
+                            <a:schemeClr val="tx1"/>
+                          </a:solidFill>
                           <a:latin typeface="Cambria Math" panose="02040503050406030204" pitchFamily="18" charset="0"/>
                         </a:rPr>
                         <m:t>=</m:t>
@@ -7089,6 +7323,9 @@
                           <m:chr m:val="∑"/>
                           <m:ctrlPr>
                             <a:rPr lang="en-US" sz="1200" b="0" i="1" smtClean="0">
+                              <a:solidFill>
+                                <a:schemeClr val="tx1"/>
+                              </a:solidFill>
                               <a:latin typeface="Cambria Math" panose="02040503050406030204" pitchFamily="18" charset="0"/>
                             </a:rPr>
                           </m:ctrlPr>
@@ -7096,12 +7333,18 @@
                         <m:sub>
                           <m:r>
                             <a:rPr lang="en-US" sz="1200" b="0" i="1" smtClean="0">
+                              <a:solidFill>
+                                <a:schemeClr val="tx1"/>
+                              </a:solidFill>
                               <a:latin typeface="Cambria Math" panose="02040503050406030204" pitchFamily="18" charset="0"/>
                             </a:rPr>
                             <m:t>𝑘</m:t>
                           </m:r>
                           <m:r>
                             <a:rPr lang="en-US" sz="1200" b="0" i="1" smtClean="0">
+                              <a:solidFill>
+                                <a:schemeClr val="tx1"/>
+                              </a:solidFill>
                               <a:latin typeface="Cambria Math" panose="02040503050406030204" pitchFamily="18" charset="0"/>
                             </a:rPr>
                             <m:t>=1</m:t>
@@ -7110,6 +7353,9 @@
                         <m:sup>
                           <m:r>
                             <a:rPr lang="en-US" sz="1200" b="0" i="1" smtClean="0">
+                              <a:solidFill>
+                                <a:schemeClr val="tx1"/>
+                              </a:solidFill>
                               <a:latin typeface="Cambria Math" panose="02040503050406030204" pitchFamily="18" charset="0"/>
                             </a:rPr>
                             <m:t>𝐾</m:t>
@@ -7118,6 +7364,9 @@
                         <m:e>
                           <m:r>
                             <a:rPr lang="en-US" sz="1200" b="0" i="1" smtClean="0">
+                              <a:solidFill>
+                                <a:schemeClr val="tx1"/>
+                              </a:solidFill>
                               <a:latin typeface="Cambria Math" panose="02040503050406030204" pitchFamily="18" charset="0"/>
                             </a:rPr>
                             <m:t>𝑃</m:t>
@@ -7126,6 +7375,9 @@
                             <m:dPr>
                               <m:ctrlPr>
                                 <a:rPr lang="en-US" sz="1200" b="0" i="1" smtClean="0">
+                                  <a:solidFill>
+                                    <a:schemeClr val="tx1"/>
+                                  </a:solidFill>
                                   <a:latin typeface="Cambria Math" panose="02040503050406030204" pitchFamily="18" charset="0"/>
                                 </a:rPr>
                               </m:ctrlPr>
@@ -7135,6 +7387,9 @@
                                 <m:sSubPr>
                                   <m:ctrlPr>
                                     <a:rPr lang="en-US" sz="1200" b="0" i="1" smtClean="0">
+                                      <a:solidFill>
+                                        <a:schemeClr val="tx1"/>
+                                      </a:solidFill>
                                       <a:latin typeface="Cambria Math" panose="02040503050406030204" pitchFamily="18" charset="0"/>
                                     </a:rPr>
                                   </m:ctrlPr>
@@ -7142,6 +7397,9 @@
                                 <m:e>
                                   <m:r>
                                     <a:rPr lang="en-US" sz="1200" b="0" i="1" smtClean="0">
+                                      <a:solidFill>
+                                        <a:schemeClr val="tx1"/>
+                                      </a:solidFill>
                                       <a:latin typeface="Cambria Math" panose="02040503050406030204" pitchFamily="18" charset="0"/>
                                     </a:rPr>
                                     <m:t>𝑥</m:t>
@@ -7150,6 +7408,9 @@
                                 <m:sub>
                                   <m:r>
                                     <a:rPr lang="en-US" sz="1200" b="0" i="1" smtClean="0">
+                                      <a:solidFill>
+                                        <a:schemeClr val="tx1"/>
+                                      </a:solidFill>
                                       <a:latin typeface="Cambria Math" panose="02040503050406030204" pitchFamily="18" charset="0"/>
                                     </a:rPr>
                                     <m:t>𝑖</m:t>
@@ -7162,6 +7423,9 @@
                                 <m:sSubPr>
                                   <m:ctrlPr>
                                     <a:rPr lang="en-US" sz="1200" b="0" i="1" smtClean="0">
+                                      <a:solidFill>
+                                        <a:schemeClr val="tx1"/>
+                                      </a:solidFill>
                                       <a:latin typeface="Cambria Math" panose="02040503050406030204" pitchFamily="18" charset="0"/>
                                     </a:rPr>
                                   </m:ctrlPr>
@@ -7169,6 +7433,9 @@
                                 <m:e>
                                   <m:r>
                                     <a:rPr lang="en-US" sz="1200" b="0" i="1" smtClean="0">
+                                      <a:solidFill>
+                                        <a:schemeClr val="tx1"/>
+                                      </a:solidFill>
                                       <a:latin typeface="Cambria Math" panose="02040503050406030204" pitchFamily="18" charset="0"/>
                                     </a:rPr>
                                     <m:t>𝑧</m:t>
@@ -7177,6 +7444,9 @@
                                 <m:sub>
                                   <m:r>
                                     <a:rPr lang="en-US" sz="1200" b="0" i="1" smtClean="0">
+                                      <a:solidFill>
+                                        <a:schemeClr val="tx1"/>
+                                      </a:solidFill>
                                       <a:latin typeface="Cambria Math" panose="02040503050406030204" pitchFamily="18" charset="0"/>
                                     </a:rPr>
                                     <m:t>𝑖</m:t>
@@ -7185,24 +7455,36 @@
                               </m:sSub>
                               <m:r>
                                 <a:rPr lang="en-US" sz="1200" b="0" i="1" smtClean="0">
+                                  <a:solidFill>
+                                    <a:schemeClr val="tx1"/>
+                                  </a:solidFill>
                                   <a:latin typeface="Cambria Math" panose="02040503050406030204" pitchFamily="18" charset="0"/>
                                 </a:rPr>
                                 <m:t>=</m:t>
                               </m:r>
                               <m:r>
                                 <a:rPr lang="en-US" sz="1200" b="0" i="1" smtClean="0">
+                                  <a:solidFill>
+                                    <a:schemeClr val="tx1"/>
+                                  </a:solidFill>
                                   <a:latin typeface="Cambria Math" panose="02040503050406030204" pitchFamily="18" charset="0"/>
                                 </a:rPr>
                                 <m:t>𝑘</m:t>
                               </m:r>
                               <m:r>
                                 <a:rPr lang="en-US" sz="1200" b="0" i="1" smtClean="0">
+                                  <a:solidFill>
+                                    <a:schemeClr val="tx1"/>
+                                  </a:solidFill>
                                   <a:latin typeface="Cambria Math" panose="02040503050406030204" pitchFamily="18" charset="0"/>
                                 </a:rPr>
                                 <m:t>, </m:t>
                               </m:r>
                               <m:r>
                                 <a:rPr lang="en-US" sz="1200" b="0" i="1" smtClean="0">
+                                  <a:solidFill>
+                                    <a:schemeClr val="tx1"/>
+                                  </a:solidFill>
                                   <a:latin typeface="Cambria Math" panose="02040503050406030204" pitchFamily="18" charset="0"/>
                                 </a:rPr>
                                 <m:t>𝜃</m:t>
@@ -7212,13 +7494,22 @@
                         </m:e>
                       </m:nary>
                       <m:r>
+                        <m:rPr>
+                          <m:sty m:val="p"/>
+                        </m:rPr>
                         <a:rPr lang="en-US" sz="1200" b="0" i="1" smtClean="0">
+                          <a:solidFill>
+                            <a:schemeClr val="tx1"/>
+                          </a:solidFill>
                           <a:latin typeface="Cambria Math" panose="02040503050406030204" pitchFamily="18" charset="0"/>
                         </a:rPr>
-                        <m:t>𝑝</m:t>
+                        <m:t>P</m:t>
                       </m:r>
                       <m:r>
                         <a:rPr lang="en-US" sz="1200" b="0" i="1" smtClean="0">
+                          <a:solidFill>
+                            <a:schemeClr val="tx1"/>
+                          </a:solidFill>
                           <a:latin typeface="Cambria Math" panose="02040503050406030204" pitchFamily="18" charset="0"/>
                         </a:rPr>
                         <m:t>(</m:t>
@@ -7227,6 +7518,9 @@
                         <m:sSubPr>
                           <m:ctrlPr>
                             <a:rPr lang="en-US" sz="1200" b="0" i="1" smtClean="0">
+                              <a:solidFill>
+                                <a:schemeClr val="tx1"/>
+                              </a:solidFill>
                               <a:latin typeface="Cambria Math" panose="02040503050406030204" pitchFamily="18" charset="0"/>
                             </a:rPr>
                           </m:ctrlPr>
@@ -7234,6 +7528,9 @@
                         <m:e>
                           <m:r>
                             <a:rPr lang="en-US" sz="1200" b="0" i="1" smtClean="0">
+                              <a:solidFill>
+                                <a:schemeClr val="tx1"/>
+                              </a:solidFill>
                               <a:latin typeface="Cambria Math" panose="02040503050406030204" pitchFamily="18" charset="0"/>
                             </a:rPr>
                             <m:t>𝑧</m:t>
@@ -7242,6 +7539,9 @@
                         <m:sub>
                           <m:r>
                             <a:rPr lang="en-US" sz="1200" b="0" i="1" smtClean="0">
+                              <a:solidFill>
+                                <a:schemeClr val="tx1"/>
+                              </a:solidFill>
                               <a:latin typeface="Cambria Math" panose="02040503050406030204" pitchFamily="18" charset="0"/>
                             </a:rPr>
                             <m:t>𝑖</m:t>
@@ -7250,30 +7550,45 @@
                       </m:sSub>
                       <m:r>
                         <a:rPr lang="en-US" sz="1200" b="0" i="1" smtClean="0">
+                          <a:solidFill>
+                            <a:schemeClr val="tx1"/>
+                          </a:solidFill>
                           <a:latin typeface="Cambria Math" panose="02040503050406030204" pitchFamily="18" charset="0"/>
                         </a:rPr>
                         <m:t>=</m:t>
                       </m:r>
                       <m:r>
                         <a:rPr lang="en-US" sz="1200" b="0" i="1" smtClean="0">
+                          <a:solidFill>
+                            <a:schemeClr val="tx1"/>
+                          </a:solidFill>
                           <a:latin typeface="Cambria Math" panose="02040503050406030204" pitchFamily="18" charset="0"/>
                         </a:rPr>
                         <m:t>𝑘</m:t>
                       </m:r>
                       <m:r>
                         <a:rPr lang="en-US" sz="1200" b="0" i="1" smtClean="0">
+                          <a:solidFill>
+                            <a:schemeClr val="tx1"/>
+                          </a:solidFill>
                           <a:latin typeface="Cambria Math" panose="02040503050406030204" pitchFamily="18" charset="0"/>
                         </a:rPr>
                         <m:t>|</m:t>
                       </m:r>
                       <m:r>
                         <a:rPr lang="en-US" sz="1200" b="0" i="1" smtClean="0">
+                          <a:solidFill>
+                            <a:schemeClr val="tx1"/>
+                          </a:solidFill>
                           <a:latin typeface="Cambria Math" panose="02040503050406030204" pitchFamily="18" charset="0"/>
                         </a:rPr>
                         <m:t>𝜃</m:t>
                       </m:r>
                       <m:r>
                         <a:rPr lang="en-US" sz="1200" b="0" i="1" smtClean="0">
+                          <a:solidFill>
+                            <a:schemeClr val="tx1"/>
+                          </a:solidFill>
                           <a:latin typeface="Cambria Math" panose="02040503050406030204" pitchFamily="18" charset="0"/>
                         </a:rPr>
                         <m:t>)</m:t>
@@ -7281,7 +7596,11 @@
                     </m:oMath>
                   </m:oMathPara>
                 </a14:m>
-                <a:endParaRPr lang="en-US" sz="1200" dirty="0"/>
+                <a:endParaRPr lang="en-US" sz="1200" dirty="0">
+                  <a:solidFill>
+                    <a:schemeClr val="tx1"/>
+                  </a:solidFill>
+                </a:endParaRPr>
               </a:p>
               <a:p>
                 <a:pPr marL="114300" indent="0">
@@ -7289,7 +7608,11 @@
                   <a:buNone/>
                 </a:pPr>
                 <a:r>
-                  <a:rPr lang="en-US" sz="1200" dirty="0"/>
+                  <a:rPr lang="en-US" sz="1200" dirty="0">
+                    <a:solidFill>
+                      <a:schemeClr val="tx1"/>
+                    </a:solidFill>
+                  </a:rPr>
                   <a:t>Gaussian Mixture Model Likelihood:</a:t>
                 </a:r>
               </a:p>
@@ -7306,6 +7629,9 @@
                     <m:oMath xmlns:m="http://schemas.openxmlformats.org/officeDocument/2006/math">
                       <m:r>
                         <a:rPr lang="en-US" sz="1200" b="0" i="1" smtClean="0">
+                          <a:solidFill>
+                            <a:schemeClr val="tx1"/>
+                          </a:solidFill>
                           <a:latin typeface="Cambria Math" panose="02040503050406030204" pitchFamily="18" charset="0"/>
                           <a:ea typeface="Cambria Math" panose="02040503050406030204" pitchFamily="18" charset="0"/>
                         </a:rPr>
@@ -7313,6 +7639,9 @@
                       </m:r>
                       <m:r>
                         <a:rPr lang="en-US" sz="1200" b="0" i="1" smtClean="0">
+                          <a:solidFill>
+                            <a:schemeClr val="tx1"/>
+                          </a:solidFill>
                           <a:latin typeface="Cambria Math" panose="02040503050406030204" pitchFamily="18" charset="0"/>
                           <a:ea typeface="Cambria Math" panose="02040503050406030204" pitchFamily="18" charset="0"/>
                         </a:rPr>
@@ -7320,6 +7649,9 @@
                       </m:r>
                       <m:r>
                         <a:rPr lang="en-US" sz="1200" b="0" i="1" smtClean="0">
+                          <a:solidFill>
+                            <a:schemeClr val="tx1"/>
+                          </a:solidFill>
                           <a:latin typeface="Cambria Math" panose="02040503050406030204" pitchFamily="18" charset="0"/>
                           <a:ea typeface="Cambria Math" panose="02040503050406030204" pitchFamily="18" charset="0"/>
                         </a:rPr>
@@ -7327,6 +7659,9 @@
                       </m:r>
                       <m:r>
                         <a:rPr lang="en-US" sz="1200" b="0" i="1" smtClean="0">
+                          <a:solidFill>
+                            <a:schemeClr val="tx1"/>
+                          </a:solidFill>
                           <a:latin typeface="Cambria Math" panose="02040503050406030204" pitchFamily="18" charset="0"/>
                           <a:ea typeface="Cambria Math" panose="02040503050406030204" pitchFamily="18" charset="0"/>
                         </a:rPr>
@@ -7334,6 +7669,9 @@
                       </m:r>
                       <m:r>
                         <a:rPr lang="en-US" sz="1200" b="0" i="1" smtClean="0">
+                          <a:solidFill>
+                            <a:schemeClr val="tx1"/>
+                          </a:solidFill>
                           <a:latin typeface="Cambria Math" panose="02040503050406030204" pitchFamily="18" charset="0"/>
                           <a:ea typeface="Cambria Math" panose="02040503050406030204" pitchFamily="18" charset="0"/>
                         </a:rPr>
@@ -7344,6 +7682,9 @@
                           <m:chr m:val="∏"/>
                           <m:ctrlPr>
                             <a:rPr lang="en-US" sz="1200" b="0" i="1" smtClean="0">
+                              <a:solidFill>
+                                <a:schemeClr val="tx1"/>
+                              </a:solidFill>
                               <a:latin typeface="Cambria Math" panose="02040503050406030204" pitchFamily="18" charset="0"/>
                               <a:ea typeface="Cambria Math" panose="02040503050406030204" pitchFamily="18" charset="0"/>
                             </a:rPr>
@@ -7355,6 +7696,9 @@
                               <m:brk m:alnAt="23"/>
                             </m:rPr>
                             <a:rPr lang="en-US" sz="1200" b="0" i="1" smtClean="0">
+                              <a:solidFill>
+                                <a:schemeClr val="tx1"/>
+                              </a:solidFill>
                               <a:latin typeface="Cambria Math" panose="02040503050406030204" pitchFamily="18" charset="0"/>
                               <a:ea typeface="Cambria Math" panose="02040503050406030204" pitchFamily="18" charset="0"/>
                             </a:rPr>
@@ -7362,6 +7706,9 @@
                           </m:r>
                           <m:r>
                             <a:rPr lang="en-US" sz="1200" b="0" i="1" smtClean="0">
+                              <a:solidFill>
+                                <a:schemeClr val="tx1"/>
+                              </a:solidFill>
                               <a:latin typeface="Cambria Math" panose="02040503050406030204" pitchFamily="18" charset="0"/>
                               <a:ea typeface="Cambria Math" panose="02040503050406030204" pitchFamily="18" charset="0"/>
                             </a:rPr>
@@ -7371,6 +7718,9 @@
                         <m:sup>
                           <m:r>
                             <a:rPr lang="en-US" sz="1200" b="0" i="1" smtClean="0">
+                              <a:solidFill>
+                                <a:schemeClr val="tx1"/>
+                              </a:solidFill>
                               <a:latin typeface="Cambria Math" panose="02040503050406030204" pitchFamily="18" charset="0"/>
                               <a:ea typeface="Cambria Math" panose="02040503050406030204" pitchFamily="18" charset="0"/>
                             </a:rPr>
@@ -7380,6 +7730,9 @@
                         <m:e>
                           <m:r>
                             <a:rPr lang="en-US" sz="1200" b="0" i="1" smtClean="0">
+                              <a:solidFill>
+                                <a:schemeClr val="tx1"/>
+                              </a:solidFill>
                               <a:latin typeface="Cambria Math" panose="02040503050406030204" pitchFamily="18" charset="0"/>
                               <a:ea typeface="Cambria Math" panose="02040503050406030204" pitchFamily="18" charset="0"/>
                             </a:rPr>
@@ -7389,6 +7742,9 @@
                             <m:dPr>
                               <m:ctrlPr>
                                 <a:rPr lang="en-US" sz="1200" b="0" i="1" smtClean="0">
+                                  <a:solidFill>
+                                    <a:schemeClr val="tx1"/>
+                                  </a:solidFill>
                                   <a:latin typeface="Cambria Math" panose="02040503050406030204" pitchFamily="18" charset="0"/>
                                   <a:ea typeface="Cambria Math" panose="02040503050406030204" pitchFamily="18" charset="0"/>
                                 </a:rPr>
@@ -7399,6 +7755,9 @@
                                 <m:sSubPr>
                                   <m:ctrlPr>
                                     <a:rPr lang="en-US" sz="1200" b="0" i="1" smtClean="0">
+                                      <a:solidFill>
+                                        <a:schemeClr val="tx1"/>
+                                      </a:solidFill>
                                       <a:latin typeface="Cambria Math" panose="02040503050406030204" pitchFamily="18" charset="0"/>
                                       <a:ea typeface="Cambria Math" panose="02040503050406030204" pitchFamily="18" charset="0"/>
                                     </a:rPr>
@@ -7407,6 +7766,9 @@
                                 <m:e>
                                   <m:r>
                                     <a:rPr lang="en-US" sz="1200" b="0" i="1" smtClean="0">
+                                      <a:solidFill>
+                                        <a:schemeClr val="tx1"/>
+                                      </a:solidFill>
                                       <a:latin typeface="Cambria Math" panose="02040503050406030204" pitchFamily="18" charset="0"/>
                                       <a:ea typeface="Cambria Math" panose="02040503050406030204" pitchFamily="18" charset="0"/>
                                     </a:rPr>
@@ -7416,6 +7778,9 @@
                                 <m:sub>
                                   <m:r>
                                     <a:rPr lang="en-US" sz="1200" b="0" i="1" smtClean="0">
+                                      <a:solidFill>
+                                        <a:schemeClr val="tx1"/>
+                                      </a:solidFill>
                                       <a:latin typeface="Cambria Math" panose="02040503050406030204" pitchFamily="18" charset="0"/>
                                       <a:ea typeface="Cambria Math" panose="02040503050406030204" pitchFamily="18" charset="0"/>
                                     </a:rPr>
@@ -7425,6 +7790,9 @@
                               </m:sSub>
                               <m:r>
                                 <a:rPr lang="en-US" sz="1200" b="0" i="1" smtClean="0">
+                                  <a:solidFill>
+                                    <a:schemeClr val="tx1"/>
+                                  </a:solidFill>
                                   <a:latin typeface="Cambria Math" panose="02040503050406030204" pitchFamily="18" charset="0"/>
                                   <a:ea typeface="Cambria Math" panose="02040503050406030204" pitchFamily="18" charset="0"/>
                                 </a:rPr>
@@ -7432,6 +7800,9 @@
                               </m:r>
                               <m:r>
                                 <a:rPr lang="en-US" sz="1200" b="0" i="1" smtClean="0">
+                                  <a:solidFill>
+                                    <a:schemeClr val="tx1"/>
+                                  </a:solidFill>
                                   <a:latin typeface="Cambria Math" panose="02040503050406030204" pitchFamily="18" charset="0"/>
                                   <a:ea typeface="Cambria Math" panose="02040503050406030204" pitchFamily="18" charset="0"/>
                                 </a:rPr>
@@ -7441,6 +7812,9 @@
                           </m:d>
                           <m:r>
                             <a:rPr lang="en-US" sz="1200" b="0" i="1" smtClean="0">
+                              <a:solidFill>
+                                <a:schemeClr val="tx1"/>
+                              </a:solidFill>
                               <a:latin typeface="Cambria Math" panose="02040503050406030204" pitchFamily="18" charset="0"/>
                               <a:ea typeface="Cambria Math" panose="02040503050406030204" pitchFamily="18" charset="0"/>
                             </a:rPr>
@@ -7453,6 +7827,9 @@
                           <m:chr m:val="∏"/>
                           <m:ctrlPr>
                             <a:rPr lang="en-US" sz="1200" b="0" i="1" smtClean="0">
+                              <a:solidFill>
+                                <a:schemeClr val="tx1"/>
+                              </a:solidFill>
                               <a:latin typeface="Cambria Math" panose="02040503050406030204" pitchFamily="18" charset="0"/>
                               <a:ea typeface="Cambria Math" panose="02040503050406030204" pitchFamily="18" charset="0"/>
                             </a:rPr>
@@ -7464,6 +7841,9 @@
                               <m:brk m:alnAt="23"/>
                             </m:rPr>
                             <a:rPr lang="en-US" sz="1200" b="0" i="1" smtClean="0">
+                              <a:solidFill>
+                                <a:schemeClr val="tx1"/>
+                              </a:solidFill>
                               <a:latin typeface="Cambria Math" panose="02040503050406030204" pitchFamily="18" charset="0"/>
                               <a:ea typeface="Cambria Math" panose="02040503050406030204" pitchFamily="18" charset="0"/>
                             </a:rPr>
@@ -7471,6 +7851,9 @@
                           </m:r>
                           <m:r>
                             <a:rPr lang="en-US" sz="1200" b="0" i="1" smtClean="0">
+                              <a:solidFill>
+                                <a:schemeClr val="tx1"/>
+                              </a:solidFill>
                               <a:latin typeface="Cambria Math" panose="02040503050406030204" pitchFamily="18" charset="0"/>
                               <a:ea typeface="Cambria Math" panose="02040503050406030204" pitchFamily="18" charset="0"/>
                             </a:rPr>
@@ -7480,6 +7863,9 @@
                         <m:sup>
                           <m:r>
                             <a:rPr lang="en-US" sz="1200" b="0" i="1" smtClean="0">
+                              <a:solidFill>
+                                <a:schemeClr val="tx1"/>
+                              </a:solidFill>
                               <a:latin typeface="Cambria Math" panose="02040503050406030204" pitchFamily="18" charset="0"/>
                               <a:ea typeface="Cambria Math" panose="02040503050406030204" pitchFamily="18" charset="0"/>
                             </a:rPr>
@@ -7492,6 +7878,9 @@
                               <m:chr m:val="∑"/>
                               <m:ctrlPr>
                                 <a:rPr lang="en-US" sz="1200" b="0" i="1" smtClean="0">
+                                  <a:solidFill>
+                                    <a:schemeClr val="tx1"/>
+                                  </a:solidFill>
                                   <a:latin typeface="Cambria Math" panose="02040503050406030204" pitchFamily="18" charset="0"/>
                                   <a:ea typeface="Cambria Math" panose="02040503050406030204" pitchFamily="18" charset="0"/>
                                 </a:rPr>
@@ -7500,6 +7889,9 @@
                             <m:sub>
                               <m:r>
                                 <a:rPr lang="en-US" sz="1200" b="0" i="1" smtClean="0">
+                                  <a:solidFill>
+                                    <a:schemeClr val="tx1"/>
+                                  </a:solidFill>
                                   <a:latin typeface="Cambria Math" panose="02040503050406030204" pitchFamily="18" charset="0"/>
                                   <a:ea typeface="Cambria Math" panose="02040503050406030204" pitchFamily="18" charset="0"/>
                                 </a:rPr>
@@ -7507,6 +7899,9 @@
                               </m:r>
                               <m:r>
                                 <a:rPr lang="en-US" sz="1200" b="0" i="1" smtClean="0">
+                                  <a:solidFill>
+                                    <a:schemeClr val="tx1"/>
+                                  </a:solidFill>
                                   <a:latin typeface="Cambria Math" panose="02040503050406030204" pitchFamily="18" charset="0"/>
                                   <a:ea typeface="Cambria Math" panose="02040503050406030204" pitchFamily="18" charset="0"/>
                                 </a:rPr>
@@ -7516,6 +7911,9 @@
                             <m:sup>
                               <m:r>
                                 <a:rPr lang="en-US" sz="1200" b="0" i="1" smtClean="0">
+                                  <a:solidFill>
+                                    <a:schemeClr val="tx1"/>
+                                  </a:solidFill>
                                   <a:latin typeface="Cambria Math" panose="02040503050406030204" pitchFamily="18" charset="0"/>
                                   <a:ea typeface="Cambria Math" panose="02040503050406030204" pitchFamily="18" charset="0"/>
                                 </a:rPr>
@@ -7525,6 +7923,9 @@
                             <m:e>
                               <m:r>
                                 <a:rPr lang="en-US" sz="1200" b="0" i="1" smtClean="0">
+                                  <a:solidFill>
+                                    <a:schemeClr val="tx1"/>
+                                  </a:solidFill>
                                   <a:latin typeface="Cambria Math" panose="02040503050406030204" pitchFamily="18" charset="0"/>
                                   <a:ea typeface="Cambria Math" panose="02040503050406030204" pitchFamily="18" charset="0"/>
                                 </a:rPr>
@@ -7534,6 +7935,9 @@
                                 <m:dPr>
                                   <m:ctrlPr>
                                     <a:rPr lang="en-US" sz="1200" b="0" i="1" smtClean="0">
+                                      <a:solidFill>
+                                        <a:schemeClr val="tx1"/>
+                                      </a:solidFill>
                                       <a:latin typeface="Cambria Math" panose="02040503050406030204" pitchFamily="18" charset="0"/>
                                       <a:ea typeface="Cambria Math" panose="02040503050406030204" pitchFamily="18" charset="0"/>
                                     </a:rPr>
@@ -7544,6 +7948,9 @@
                                     <m:sSubPr>
                                       <m:ctrlPr>
                                         <a:rPr lang="en-US" sz="1200" b="0" i="1" smtClean="0">
+                                          <a:solidFill>
+                                            <a:schemeClr val="tx1"/>
+                                          </a:solidFill>
                                           <a:latin typeface="Cambria Math" panose="02040503050406030204" pitchFamily="18" charset="0"/>
                                           <a:ea typeface="Cambria Math" panose="02040503050406030204" pitchFamily="18" charset="0"/>
                                         </a:rPr>
@@ -7552,6 +7959,9 @@
                                     <m:e>
                                       <m:r>
                                         <a:rPr lang="en-US" sz="1200" b="0" i="1" smtClean="0">
+                                          <a:solidFill>
+                                            <a:schemeClr val="tx1"/>
+                                          </a:solidFill>
                                           <a:latin typeface="Cambria Math" panose="02040503050406030204" pitchFamily="18" charset="0"/>
                                           <a:ea typeface="Cambria Math" panose="02040503050406030204" pitchFamily="18" charset="0"/>
                                         </a:rPr>
@@ -7561,6 +7971,9 @@
                                     <m:sub>
                                       <m:r>
                                         <a:rPr lang="en-US" sz="1200" b="0" i="1" smtClean="0">
+                                          <a:solidFill>
+                                            <a:schemeClr val="tx1"/>
+                                          </a:solidFill>
                                           <a:latin typeface="Cambria Math" panose="02040503050406030204" pitchFamily="18" charset="0"/>
                                           <a:ea typeface="Cambria Math" panose="02040503050406030204" pitchFamily="18" charset="0"/>
                                         </a:rPr>
@@ -7574,6 +7987,9 @@
                                     <m:sSubPr>
                                       <m:ctrlPr>
                                         <a:rPr lang="en-US" sz="1200" b="0" i="1" smtClean="0">
+                                          <a:solidFill>
+                                            <a:schemeClr val="tx1"/>
+                                          </a:solidFill>
                                           <a:latin typeface="Cambria Math" panose="02040503050406030204" pitchFamily="18" charset="0"/>
                                           <a:ea typeface="Cambria Math" panose="02040503050406030204" pitchFamily="18" charset="0"/>
                                         </a:rPr>
@@ -7582,6 +7998,9 @@
                                     <m:e>
                                       <m:r>
                                         <a:rPr lang="en-US" sz="1200" b="0" i="1" smtClean="0">
+                                          <a:solidFill>
+                                            <a:schemeClr val="tx1"/>
+                                          </a:solidFill>
                                           <a:latin typeface="Cambria Math" panose="02040503050406030204" pitchFamily="18" charset="0"/>
                                           <a:ea typeface="Cambria Math" panose="02040503050406030204" pitchFamily="18" charset="0"/>
                                         </a:rPr>
@@ -7591,6 +8010,9 @@
                                     <m:sub>
                                       <m:r>
                                         <a:rPr lang="en-US" sz="1200" b="0" i="1" smtClean="0">
+                                          <a:solidFill>
+                                            <a:schemeClr val="tx1"/>
+                                          </a:solidFill>
                                           <a:latin typeface="Cambria Math" panose="02040503050406030204" pitchFamily="18" charset="0"/>
                                           <a:ea typeface="Cambria Math" panose="02040503050406030204" pitchFamily="18" charset="0"/>
                                         </a:rPr>
@@ -7600,6 +8022,9 @@
                                   </m:sSub>
                                   <m:r>
                                     <a:rPr lang="en-US" sz="1200" b="0" i="1" smtClean="0">
+                                      <a:solidFill>
+                                        <a:schemeClr val="tx1"/>
+                                      </a:solidFill>
                                       <a:latin typeface="Cambria Math" panose="02040503050406030204" pitchFamily="18" charset="0"/>
                                       <a:ea typeface="Cambria Math" panose="02040503050406030204" pitchFamily="18" charset="0"/>
                                     </a:rPr>
@@ -7607,6 +8032,9 @@
                                   </m:r>
                                   <m:r>
                                     <a:rPr lang="en-US" sz="1200" b="0" i="1" smtClean="0">
+                                      <a:solidFill>
+                                        <a:schemeClr val="tx1"/>
+                                      </a:solidFill>
                                       <a:latin typeface="Cambria Math" panose="02040503050406030204" pitchFamily="18" charset="0"/>
                                       <a:ea typeface="Cambria Math" panose="02040503050406030204" pitchFamily="18" charset="0"/>
                                     </a:rPr>
@@ -7614,6 +8042,9 @@
                                   </m:r>
                                   <m:r>
                                     <a:rPr lang="en-US" sz="1200" b="0" i="1" smtClean="0">
+                                      <a:solidFill>
+                                        <a:schemeClr val="tx1"/>
+                                      </a:solidFill>
                                       <a:latin typeface="Cambria Math" panose="02040503050406030204" pitchFamily="18" charset="0"/>
                                       <a:ea typeface="Cambria Math" panose="02040503050406030204" pitchFamily="18" charset="0"/>
                                     </a:rPr>
@@ -7621,6 +8052,9 @@
                                   </m:r>
                                   <m:r>
                                     <a:rPr lang="en-US" sz="1200" b="0" i="1" smtClean="0">
+                                      <a:solidFill>
+                                        <a:schemeClr val="tx1"/>
+                                      </a:solidFill>
                                       <a:latin typeface="Cambria Math" panose="02040503050406030204" pitchFamily="18" charset="0"/>
                                       <a:ea typeface="Cambria Math" panose="02040503050406030204" pitchFamily="18" charset="0"/>
                                     </a:rPr>
@@ -7629,16 +8063,25 @@
                                 </m:e>
                               </m:d>
                               <m:r>
+                                <m:rPr>
+                                  <m:sty m:val="p"/>
+                                </m:rPr>
                                 <a:rPr lang="en-US" sz="1200" b="0" i="1" smtClean="0">
+                                  <a:solidFill>
+                                    <a:schemeClr val="tx1"/>
+                                  </a:solidFill>
                                   <a:latin typeface="Cambria Math" panose="02040503050406030204" pitchFamily="18" charset="0"/>
                                   <a:ea typeface="Cambria Math" panose="02040503050406030204" pitchFamily="18" charset="0"/>
                                 </a:rPr>
-                                <m:t>𝑝</m:t>
+                                <m:t>P</m:t>
                               </m:r>
                               <m:d>
                                 <m:dPr>
                                   <m:ctrlPr>
                                     <a:rPr lang="en-US" sz="1200" b="0" i="1" smtClean="0">
+                                      <a:solidFill>
+                                        <a:schemeClr val="tx1"/>
+                                      </a:solidFill>
                                       <a:latin typeface="Cambria Math" panose="02040503050406030204" pitchFamily="18" charset="0"/>
                                       <a:ea typeface="Cambria Math" panose="02040503050406030204" pitchFamily="18" charset="0"/>
                                     </a:rPr>
@@ -7649,6 +8092,9 @@
                                     <m:sSubPr>
                                       <m:ctrlPr>
                                         <a:rPr lang="en-US" sz="1200" b="0" i="1" smtClean="0">
+                                          <a:solidFill>
+                                            <a:schemeClr val="tx1"/>
+                                          </a:solidFill>
                                           <a:latin typeface="Cambria Math" panose="02040503050406030204" pitchFamily="18" charset="0"/>
                                           <a:ea typeface="Cambria Math" panose="02040503050406030204" pitchFamily="18" charset="0"/>
                                         </a:rPr>
@@ -7657,6 +8103,9 @@
                                     <m:e>
                                       <m:r>
                                         <a:rPr lang="en-US" sz="1200" b="0" i="1" smtClean="0">
+                                          <a:solidFill>
+                                            <a:schemeClr val="tx1"/>
+                                          </a:solidFill>
                                           <a:latin typeface="Cambria Math" panose="02040503050406030204" pitchFamily="18" charset="0"/>
                                           <a:ea typeface="Cambria Math" panose="02040503050406030204" pitchFamily="18" charset="0"/>
                                         </a:rPr>
@@ -7666,6 +8115,9 @@
                                     <m:sub>
                                       <m:r>
                                         <a:rPr lang="en-US" sz="1200" b="0" i="1" smtClean="0">
+                                          <a:solidFill>
+                                            <a:schemeClr val="tx1"/>
+                                          </a:solidFill>
                                           <a:latin typeface="Cambria Math" panose="02040503050406030204" pitchFamily="18" charset="0"/>
                                           <a:ea typeface="Cambria Math" panose="02040503050406030204" pitchFamily="18" charset="0"/>
                                         </a:rPr>
@@ -7675,6 +8127,9 @@
                                   </m:sSub>
                                   <m:r>
                                     <a:rPr lang="en-US" sz="1200" b="0" i="1" smtClean="0">
+                                      <a:solidFill>
+                                        <a:schemeClr val="tx1"/>
+                                      </a:solidFill>
                                       <a:latin typeface="Cambria Math" panose="02040503050406030204" pitchFamily="18" charset="0"/>
                                       <a:ea typeface="Cambria Math" panose="02040503050406030204" pitchFamily="18" charset="0"/>
                                     </a:rPr>
@@ -7682,6 +8137,9 @@
                                   </m:r>
                                   <m:r>
                                     <a:rPr lang="en-US" sz="1200" b="0" i="1" smtClean="0">
+                                      <a:solidFill>
+                                        <a:schemeClr val="tx1"/>
+                                      </a:solidFill>
                                       <a:latin typeface="Cambria Math" panose="02040503050406030204" pitchFamily="18" charset="0"/>
                                       <a:ea typeface="Cambria Math" panose="02040503050406030204" pitchFamily="18" charset="0"/>
                                     </a:rPr>
@@ -7689,6 +8147,9 @@
                                   </m:r>
                                   <m:r>
                                     <a:rPr lang="en-US" sz="1200" b="0" i="1" smtClean="0">
+                                      <a:solidFill>
+                                        <a:schemeClr val="tx1"/>
+                                      </a:solidFill>
                                       <a:latin typeface="Cambria Math" panose="02040503050406030204" pitchFamily="18" charset="0"/>
                                       <a:ea typeface="Cambria Math" panose="02040503050406030204" pitchFamily="18" charset="0"/>
                                     </a:rPr>
@@ -7696,6 +8157,9 @@
                                   </m:r>
                                   <m:r>
                                     <a:rPr lang="en-US" sz="1200" b="0" i="1" smtClean="0">
+                                      <a:solidFill>
+                                        <a:schemeClr val="tx1"/>
+                                      </a:solidFill>
                                       <a:latin typeface="Cambria Math" panose="02040503050406030204" pitchFamily="18" charset="0"/>
                                       <a:ea typeface="Cambria Math" panose="02040503050406030204" pitchFamily="18" charset="0"/>
                                     </a:rPr>
@@ -7711,6 +8175,9 @@
                   </m:oMathPara>
                 </a14:m>
                 <a:endParaRPr lang="en-US" sz="1200" b="0" i="1" dirty="0">
+                  <a:solidFill>
+                    <a:schemeClr val="tx1"/>
+                  </a:solidFill>
                   <a:latin typeface="Cambria Math" panose="02040503050406030204" pitchFamily="18" charset="0"/>
                 </a:endParaRPr>
               </a:p>
@@ -7796,19 +8263,30 @@
               <a:lstStyle/>
               <a:p>
                 <a:r>
-                  <a:rPr lang="en-US" dirty="0"/>
+                  <a:rPr lang="en-US" dirty="0">
+                    <a:solidFill>
+                      <a:schemeClr val="tx1"/>
+                    </a:solidFill>
+                  </a:rPr>
                   <a:t>Goal #1:</a:t>
                 </a:r>
               </a:p>
               <a:p>
                 <a:r>
-                  <a:rPr lang="en-US" dirty="0"/>
+                  <a:rPr lang="en-US" dirty="0">
+                    <a:solidFill>
+                      <a:schemeClr val="tx1"/>
+                    </a:solidFill>
+                  </a:rPr>
                   <a:t>Assume </a:t>
                 </a:r>
                 <a14:m>
                   <m:oMath xmlns:m="http://schemas.openxmlformats.org/officeDocument/2006/math">
                     <m:r>
                       <a:rPr lang="en-US" b="0" i="1" smtClean="0">
+                        <a:solidFill>
+                          <a:schemeClr val="tx1"/>
+                        </a:solidFill>
                         <a:latin typeface="Cambria Math" panose="02040503050406030204" pitchFamily="18" charset="0"/>
                       </a:rPr>
                       <m:t>𝜃</m:t>
@@ -7816,11 +8294,16 @@
                   </m:oMath>
                 </a14:m>
                 <a:r>
-                  <a:rPr lang="en-US" dirty="0"/>
+                  <a:rPr lang="en-US" dirty="0">
+                    <a:solidFill>
+                      <a:schemeClr val="tx1"/>
+                    </a:solidFill>
+                  </a:rPr>
                   <a:t> is known, compute:</a:t>
                 </a:r>
               </a:p>
               <a:p>
+                <a:pPr/>
                 <a14:m>
                   <m:oMathPara xmlns:m="http://schemas.openxmlformats.org/officeDocument/2006/math">
                     <m:oMathParaPr>
@@ -7829,12 +8312,18 @@
                     <m:oMath xmlns:m="http://schemas.openxmlformats.org/officeDocument/2006/math">
                       <m:r>
                         <a:rPr lang="en-US" b="0" i="1" smtClean="0">
+                          <a:solidFill>
+                            <a:schemeClr val="tx1"/>
+                          </a:solidFill>
                           <a:latin typeface="Cambria Math" panose="02040503050406030204" pitchFamily="18" charset="0"/>
                         </a:rPr>
                         <m:t>𝑝</m:t>
                       </m:r>
                       <m:r>
                         <a:rPr lang="en-US" b="0" i="1" smtClean="0">
+                          <a:solidFill>
+                            <a:schemeClr val="tx1"/>
+                          </a:solidFill>
                           <a:latin typeface="Cambria Math" panose="02040503050406030204" pitchFamily="18" charset="0"/>
                         </a:rPr>
                         <m:t>(</m:t>
@@ -7843,6 +8332,9 @@
                         <m:sSubPr>
                           <m:ctrlPr>
                             <a:rPr lang="en-US" b="0" i="1" smtClean="0">
+                              <a:solidFill>
+                                <a:schemeClr val="tx1"/>
+                              </a:solidFill>
                               <a:latin typeface="Cambria Math" panose="02040503050406030204" pitchFamily="18" charset="0"/>
                             </a:rPr>
                           </m:ctrlPr>
@@ -7850,6 +8342,9 @@
                         <m:e>
                           <m:r>
                             <a:rPr lang="en-US" b="0" i="1" smtClean="0">
+                              <a:solidFill>
+                                <a:schemeClr val="tx1"/>
+                              </a:solidFill>
                               <a:latin typeface="Cambria Math" panose="02040503050406030204" pitchFamily="18" charset="0"/>
                             </a:rPr>
                             <m:t>𝑧</m:t>
@@ -7858,6 +8353,9 @@
                         <m:sub>
                           <m:r>
                             <a:rPr lang="en-US" b="0" i="1" smtClean="0">
+                              <a:solidFill>
+                                <a:schemeClr val="tx1"/>
+                              </a:solidFill>
                               <a:latin typeface="Cambria Math" panose="02040503050406030204" pitchFamily="18" charset="0"/>
                             </a:rPr>
                             <m:t>𝑖</m:t>
@@ -7866,18 +8364,27 @@
                       </m:sSub>
                       <m:r>
                         <a:rPr lang="en-US" b="0" i="1" smtClean="0">
+                          <a:solidFill>
+                            <a:schemeClr val="tx1"/>
+                          </a:solidFill>
                           <a:latin typeface="Cambria Math" panose="02040503050406030204" pitchFamily="18" charset="0"/>
                         </a:rPr>
                         <m:t>=</m:t>
                       </m:r>
                       <m:r>
                         <a:rPr lang="en-US" b="0" i="1" smtClean="0">
+                          <a:solidFill>
+                            <a:schemeClr val="tx1"/>
+                          </a:solidFill>
                           <a:latin typeface="Cambria Math" panose="02040503050406030204" pitchFamily="18" charset="0"/>
                         </a:rPr>
                         <m:t>𝑘</m:t>
                       </m:r>
                       <m:r>
                         <a:rPr lang="en-US" b="0" i="1" smtClean="0">
+                          <a:solidFill>
+                            <a:schemeClr val="tx1"/>
+                          </a:solidFill>
                           <a:latin typeface="Cambria Math" panose="02040503050406030204" pitchFamily="18" charset="0"/>
                         </a:rPr>
                         <m:t>|</m:t>
@@ -7886,6 +8393,9 @@
                         <m:sSubPr>
                           <m:ctrlPr>
                             <a:rPr lang="en-US" b="0" i="1" smtClean="0">
+                              <a:solidFill>
+                                <a:schemeClr val="tx1"/>
+                              </a:solidFill>
                               <a:latin typeface="Cambria Math" panose="02040503050406030204" pitchFamily="18" charset="0"/>
                             </a:rPr>
                           </m:ctrlPr>
@@ -7893,6 +8403,9 @@
                         <m:e>
                           <m:r>
                             <a:rPr lang="en-US" b="0" i="1" smtClean="0">
+                              <a:solidFill>
+                                <a:schemeClr val="tx1"/>
+                              </a:solidFill>
                               <a:latin typeface="Cambria Math" panose="02040503050406030204" pitchFamily="18" charset="0"/>
                             </a:rPr>
                             <m:t>𝑥</m:t>
@@ -7901,6 +8414,9 @@
                         <m:sub>
                           <m:r>
                             <a:rPr lang="en-US" b="0" i="1" smtClean="0">
+                              <a:solidFill>
+                                <a:schemeClr val="tx1"/>
+                              </a:solidFill>
                               <a:latin typeface="Cambria Math" panose="02040503050406030204" pitchFamily="18" charset="0"/>
                             </a:rPr>
                             <m:t>𝑖</m:t>
@@ -7909,18 +8425,27 @@
                       </m:sSub>
                       <m:r>
                         <a:rPr lang="en-US" b="0" i="1" smtClean="0">
+                          <a:solidFill>
+                            <a:schemeClr val="tx1"/>
+                          </a:solidFill>
                           <a:latin typeface="Cambria Math" panose="02040503050406030204" pitchFamily="18" charset="0"/>
                         </a:rPr>
                         <m:t>,</m:t>
                       </m:r>
                       <m:r>
                         <a:rPr lang="en-US" b="0" i="1" smtClean="0">
+                          <a:solidFill>
+                            <a:schemeClr val="tx1"/>
+                          </a:solidFill>
                           <a:latin typeface="Cambria Math" panose="02040503050406030204" pitchFamily="18" charset="0"/>
                         </a:rPr>
                         <m:t>𝜃</m:t>
                       </m:r>
                       <m:r>
                         <a:rPr lang="en-US" b="0" i="1" smtClean="0">
+                          <a:solidFill>
+                            <a:schemeClr val="tx1"/>
+                          </a:solidFill>
                           <a:latin typeface="Cambria Math" panose="02040503050406030204" pitchFamily="18" charset="0"/>
                         </a:rPr>
                         <m:t>)</m:t>
@@ -7928,7 +8453,11 @@
                     </m:oMath>
                   </m:oMathPara>
                 </a14:m>
-                <a:endParaRPr lang="en-US" dirty="0"/>
+                <a:endParaRPr lang="en-US" dirty="0">
+                  <a:solidFill>
+                    <a:schemeClr val="tx1"/>
+                  </a:solidFill>
+                </a:endParaRPr>
               </a:p>
             </p:txBody>
           </p:sp>
@@ -8009,19 +8538,30 @@
               <a:lstStyle/>
               <a:p>
                 <a:r>
-                  <a:rPr lang="en-US" dirty="0"/>
+                  <a:rPr lang="en-US" dirty="0">
+                    <a:solidFill>
+                      <a:schemeClr val="tx1"/>
+                    </a:solidFill>
+                  </a:rPr>
                   <a:t>Goal #2:</a:t>
                 </a:r>
               </a:p>
               <a:p>
                 <a:r>
-                  <a:rPr lang="en-US" dirty="0"/>
+                  <a:rPr lang="en-US" dirty="0">
+                    <a:solidFill>
+                      <a:schemeClr val="tx1"/>
+                    </a:solidFill>
+                  </a:rPr>
                   <a:t>Assume </a:t>
                 </a:r>
                 <a14:m>
                   <m:oMath xmlns:m="http://schemas.openxmlformats.org/officeDocument/2006/math">
                     <m:r>
                       <a:rPr lang="en-US" b="0" i="1" smtClean="0">
+                        <a:solidFill>
+                          <a:schemeClr val="tx1"/>
+                        </a:solidFill>
                         <a:latin typeface="Cambria Math" panose="02040503050406030204" pitchFamily="18" charset="0"/>
                       </a:rPr>
                       <m:t>𝑧</m:t>
@@ -8029,13 +8569,20 @@
                   </m:oMath>
                 </a14:m>
                 <a:r>
-                  <a:rPr lang="en-US" dirty="0"/>
+                  <a:rPr lang="en-US" dirty="0">
+                    <a:solidFill>
+                      <a:schemeClr val="tx1"/>
+                    </a:solidFill>
+                  </a:rPr>
                   <a:t> is known, compute </a:t>
                 </a:r>
                 <a14:m>
                   <m:oMath xmlns:m="http://schemas.openxmlformats.org/officeDocument/2006/math">
                     <m:r>
                       <a:rPr lang="en-US" b="0" i="1" smtClean="0">
+                        <a:solidFill>
+                          <a:schemeClr val="tx1"/>
+                        </a:solidFill>
                         <a:latin typeface="Cambria Math" panose="02040503050406030204" pitchFamily="18" charset="0"/>
                       </a:rPr>
                       <m:t>𝜃</m:t>
@@ -8043,8 +8590,12 @@
                   </m:oMath>
                 </a14:m>
                 <a:r>
-                  <a:rPr lang="en-US" dirty="0"/>
-                  <a:t> that maximizes likelihood:</a:t>
+                  <a:rPr lang="en-US" dirty="0">
+                    <a:solidFill>
+                      <a:schemeClr val="tx1"/>
+                    </a:solidFill>
+                  </a:rPr>
+                  <a:t> that maximizes likelihood</a:t>
                 </a:r>
               </a:p>
             </p:txBody>
@@ -8278,7 +8829,2456 @@
 </p:sld>
 </file>
 
-<file path=ppt/slides/slide11.xml><?xml version="1.0" encoding="utf-8"?>
+<file path=ppt/slides/slide12.xml><?xml version="1.0" encoding="utf-8"?>
+<p:sld xmlns:a="http://schemas.openxmlformats.org/drawingml/2006/main" xmlns:r="http://schemas.openxmlformats.org/officeDocument/2006/relationships" xmlns:p="http://schemas.openxmlformats.org/presentationml/2006/main">
+  <p:cSld>
+    <p:spTree>
+      <p:nvGrpSpPr>
+        <p:cNvPr id="1" name=""/>
+        <p:cNvGrpSpPr/>
+        <p:nvPr/>
+      </p:nvGrpSpPr>
+      <p:grpSpPr>
+        <a:xfrm>
+          <a:off x="0" y="0"/>
+          <a:ext cx="0" cy="0"/>
+          <a:chOff x="0" y="0"/>
+          <a:chExt cx="0" cy="0"/>
+        </a:xfrm>
+      </p:grpSpPr>
+      <p:sp>
+        <p:nvSpPr>
+          <p:cNvPr id="2" name="Title 1">
+            <a:extLst>
+              <a:ext uri="{FF2B5EF4-FFF2-40B4-BE49-F238E27FC236}">
+                <a16:creationId xmlns:a16="http://schemas.microsoft.com/office/drawing/2014/main" id="{7C12DD92-4A9C-9627-33DF-19825B61F771}"/>
+              </a:ext>
+            </a:extLst>
+          </p:cNvPr>
+          <p:cNvSpPr>
+            <a:spLocks noGrp="1"/>
+          </p:cNvSpPr>
+          <p:nvPr>
+            <p:ph type="title"/>
+          </p:nvPr>
+        </p:nvSpPr>
+        <p:spPr/>
+        <p:txBody>
+          <a:bodyPr>
+            <a:normAutofit fontScale="90000"/>
+          </a:bodyPr>
+          <a:lstStyle/>
+          <a:p>
+            <a:r>
+              <a:rPr lang="en-US" dirty="0"/>
+              <a:t>An Algorithm for GMMs</a:t>
+            </a:r>
+          </a:p>
+        </p:txBody>
+      </p:sp>
+      <mc:AlternateContent xmlns:mc="http://schemas.openxmlformats.org/markup-compatibility/2006">
+        <mc:Choice xmlns:a14="http://schemas.microsoft.com/office/drawing/2010/main" Requires="a14">
+          <p:sp>
+            <p:nvSpPr>
+              <p:cNvPr id="3" name="Text Placeholder 2">
+                <a:extLst>
+                  <a:ext uri="{FF2B5EF4-FFF2-40B4-BE49-F238E27FC236}">
+                    <a16:creationId xmlns:a16="http://schemas.microsoft.com/office/drawing/2014/main" id="{7938561C-1AC9-3977-6DF0-9A5982B29869}"/>
+                  </a:ext>
+                </a:extLst>
+              </p:cNvPr>
+              <p:cNvSpPr>
+                <a:spLocks noGrp="1"/>
+              </p:cNvSpPr>
+              <p:nvPr>
+                <p:ph type="body" idx="1"/>
+              </p:nvPr>
+            </p:nvSpPr>
+            <p:spPr>
+              <a:xfrm>
+                <a:off x="311700" y="1152475"/>
+                <a:ext cx="8520600" cy="3991025"/>
+              </a:xfrm>
+            </p:spPr>
+            <p:txBody>
+              <a:bodyPr>
+                <a:normAutofit fontScale="92500" lnSpcReduction="10000"/>
+              </a:bodyPr>
+              <a:lstStyle/>
+              <a:p>
+                <a:pPr marL="114300" indent="0">
+                  <a:buNone/>
+                </a:pPr>
+                <a:r>
+                  <a:rPr lang="en-US" dirty="0">
+                    <a:solidFill>
+                      <a:schemeClr val="tx1"/>
+                    </a:solidFill>
+                  </a:rPr>
+                  <a:t>Initialize </a:t>
+                </a:r>
+                <a14:m>
+                  <m:oMath xmlns:m="http://schemas.openxmlformats.org/officeDocument/2006/math">
+                    <m:r>
+                      <a:rPr lang="en-US" i="1">
+                        <a:solidFill>
+                          <a:schemeClr val="tx1"/>
+                        </a:solidFill>
+                        <a:latin typeface="Cambria Math" panose="02040503050406030204" pitchFamily="18" charset="0"/>
+                      </a:rPr>
+                      <m:t>𝜃</m:t>
+                    </m:r>
+                  </m:oMath>
+                </a14:m>
+                <a:r>
+                  <a:rPr lang="en-US" dirty="0">
+                    <a:solidFill>
+                      <a:schemeClr val="tx1"/>
+                    </a:solidFill>
+                  </a:rPr>
+                  <a:t> randomly</a:t>
+                </a:r>
+              </a:p>
+              <a:p>
+                <a:pPr marL="114300" indent="0">
+                  <a:buNone/>
+                </a:pPr>
+                <a:endParaRPr lang="en-US" dirty="0">
+                  <a:solidFill>
+                    <a:schemeClr val="tx1"/>
+                  </a:solidFill>
+                </a:endParaRPr>
+              </a:p>
+              <a:p>
+                <a:pPr marL="114300" indent="0">
+                  <a:buNone/>
+                </a:pPr>
+                <a:r>
+                  <a:rPr lang="en-US" dirty="0">
+                    <a:solidFill>
+                      <a:schemeClr val="tx1"/>
+                    </a:solidFill>
+                  </a:rPr>
+                  <a:t>Repeat:</a:t>
+                </a:r>
+              </a:p>
+              <a:p>
+                <a:pPr marL="114300" indent="0">
+                  <a:buNone/>
+                </a:pPr>
+                <a:r>
+                  <a:rPr lang="en-US" dirty="0">
+                    <a:solidFill>
+                      <a:schemeClr val="tx1"/>
+                    </a:solidFill>
+                  </a:rPr>
+                  <a:t>	Assume </a:t>
+                </a:r>
+                <a14:m>
+                  <m:oMath xmlns:m="http://schemas.openxmlformats.org/officeDocument/2006/math">
+                    <m:r>
+                      <a:rPr lang="en-US" i="1">
+                        <a:solidFill>
+                          <a:schemeClr val="tx1"/>
+                        </a:solidFill>
+                        <a:latin typeface="Cambria Math" panose="02040503050406030204" pitchFamily="18" charset="0"/>
+                      </a:rPr>
+                      <m:t>𝜃</m:t>
+                    </m:r>
+                  </m:oMath>
+                </a14:m>
+                <a:r>
+                  <a:rPr lang="en-US" dirty="0">
+                    <a:solidFill>
+                      <a:schemeClr val="tx1"/>
+                    </a:solidFill>
+                  </a:rPr>
+                  <a:t> is known, compute: </a:t>
+                </a:r>
+                <a14:m>
+                  <m:oMath xmlns:m="http://schemas.openxmlformats.org/officeDocument/2006/math">
+                    <m:r>
+                      <a:rPr lang="en-US" i="1">
+                        <a:solidFill>
+                          <a:schemeClr val="tx1"/>
+                        </a:solidFill>
+                        <a:latin typeface="Cambria Math" panose="02040503050406030204" pitchFamily="18" charset="0"/>
+                      </a:rPr>
+                      <m:t>𝑝</m:t>
+                    </m:r>
+                    <m:r>
+                      <a:rPr lang="en-US" i="1">
+                        <a:solidFill>
+                          <a:schemeClr val="tx1"/>
+                        </a:solidFill>
+                        <a:latin typeface="Cambria Math" panose="02040503050406030204" pitchFamily="18" charset="0"/>
+                      </a:rPr>
+                      <m:t>(</m:t>
+                    </m:r>
+                    <m:sSub>
+                      <m:sSubPr>
+                        <m:ctrlPr>
+                          <a:rPr lang="en-US" i="1">
+                            <a:solidFill>
+                              <a:schemeClr val="tx1"/>
+                            </a:solidFill>
+                            <a:latin typeface="Cambria Math" panose="02040503050406030204" pitchFamily="18" charset="0"/>
+                          </a:rPr>
+                        </m:ctrlPr>
+                      </m:sSubPr>
+                      <m:e>
+                        <m:r>
+                          <a:rPr lang="en-US" i="1">
+                            <a:solidFill>
+                              <a:schemeClr val="tx1"/>
+                            </a:solidFill>
+                            <a:latin typeface="Cambria Math" panose="02040503050406030204" pitchFamily="18" charset="0"/>
+                          </a:rPr>
+                          <m:t>𝑧</m:t>
+                        </m:r>
+                      </m:e>
+                      <m:sub>
+                        <m:r>
+                          <a:rPr lang="en-US" i="1">
+                            <a:solidFill>
+                              <a:schemeClr val="tx1"/>
+                            </a:solidFill>
+                            <a:latin typeface="Cambria Math" panose="02040503050406030204" pitchFamily="18" charset="0"/>
+                          </a:rPr>
+                          <m:t>𝑖</m:t>
+                        </m:r>
+                      </m:sub>
+                    </m:sSub>
+                    <m:r>
+                      <a:rPr lang="en-US" i="1">
+                        <a:solidFill>
+                          <a:schemeClr val="tx1"/>
+                        </a:solidFill>
+                        <a:latin typeface="Cambria Math" panose="02040503050406030204" pitchFamily="18" charset="0"/>
+                      </a:rPr>
+                      <m:t>=</m:t>
+                    </m:r>
+                    <m:r>
+                      <a:rPr lang="en-US" i="1">
+                        <a:solidFill>
+                          <a:schemeClr val="tx1"/>
+                        </a:solidFill>
+                        <a:latin typeface="Cambria Math" panose="02040503050406030204" pitchFamily="18" charset="0"/>
+                      </a:rPr>
+                      <m:t>𝑘</m:t>
+                    </m:r>
+                    <m:r>
+                      <a:rPr lang="en-US" i="1">
+                        <a:solidFill>
+                          <a:schemeClr val="tx1"/>
+                        </a:solidFill>
+                        <a:latin typeface="Cambria Math" panose="02040503050406030204" pitchFamily="18" charset="0"/>
+                      </a:rPr>
+                      <m:t>|</m:t>
+                    </m:r>
+                    <m:sSub>
+                      <m:sSubPr>
+                        <m:ctrlPr>
+                          <a:rPr lang="en-US" i="1">
+                            <a:solidFill>
+                              <a:schemeClr val="tx1"/>
+                            </a:solidFill>
+                            <a:latin typeface="Cambria Math" panose="02040503050406030204" pitchFamily="18" charset="0"/>
+                          </a:rPr>
+                        </m:ctrlPr>
+                      </m:sSubPr>
+                      <m:e>
+                        <m:r>
+                          <a:rPr lang="en-US" i="1">
+                            <a:solidFill>
+                              <a:schemeClr val="tx1"/>
+                            </a:solidFill>
+                            <a:latin typeface="Cambria Math" panose="02040503050406030204" pitchFamily="18" charset="0"/>
+                          </a:rPr>
+                          <m:t>𝑥</m:t>
+                        </m:r>
+                      </m:e>
+                      <m:sub>
+                        <m:r>
+                          <a:rPr lang="en-US" i="1">
+                            <a:solidFill>
+                              <a:schemeClr val="tx1"/>
+                            </a:solidFill>
+                            <a:latin typeface="Cambria Math" panose="02040503050406030204" pitchFamily="18" charset="0"/>
+                          </a:rPr>
+                          <m:t>𝑖</m:t>
+                        </m:r>
+                      </m:sub>
+                    </m:sSub>
+                    <m:r>
+                      <a:rPr lang="en-US" i="1">
+                        <a:solidFill>
+                          <a:schemeClr val="tx1"/>
+                        </a:solidFill>
+                        <a:latin typeface="Cambria Math" panose="02040503050406030204" pitchFamily="18" charset="0"/>
+                      </a:rPr>
+                      <m:t>,</m:t>
+                    </m:r>
+                    <m:r>
+                      <a:rPr lang="en-US" i="1">
+                        <a:solidFill>
+                          <a:schemeClr val="tx1"/>
+                        </a:solidFill>
+                        <a:latin typeface="Cambria Math" panose="02040503050406030204" pitchFamily="18" charset="0"/>
+                      </a:rPr>
+                      <m:t>𝜃</m:t>
+                    </m:r>
+                    <m:r>
+                      <a:rPr lang="en-US" i="1">
+                        <a:solidFill>
+                          <a:schemeClr val="tx1"/>
+                        </a:solidFill>
+                        <a:latin typeface="Cambria Math" panose="02040503050406030204" pitchFamily="18" charset="0"/>
+                      </a:rPr>
+                      <m:t>)</m:t>
+                    </m:r>
+                  </m:oMath>
+                </a14:m>
+                <a:r>
+                  <a:rPr lang="en-US" dirty="0">
+                    <a:solidFill>
+                      <a:schemeClr val="tx1"/>
+                    </a:solidFill>
+                  </a:rPr>
+                  <a:t>:</a:t>
+                </a:r>
+              </a:p>
+              <a:p>
+                <a:pPr marL="114300" indent="0">
+                  <a:buNone/>
+                </a:pPr>
+                <a14:m>
+                  <m:oMathPara xmlns:m="http://schemas.openxmlformats.org/officeDocument/2006/math">
+                    <m:oMathParaPr>
+                      <m:jc m:val="centerGroup"/>
+                    </m:oMathParaPr>
+                    <m:oMath xmlns:m="http://schemas.openxmlformats.org/officeDocument/2006/math">
+                      <m:r>
+                        <m:rPr>
+                          <m:sty m:val="p"/>
+                        </m:rPr>
+                        <a:rPr lang="en-US" b="0" i="1" smtClean="0">
+                          <a:solidFill>
+                            <a:schemeClr val="tx1"/>
+                          </a:solidFill>
+                          <a:latin typeface="Cambria Math" panose="02040503050406030204" pitchFamily="18" charset="0"/>
+                        </a:rPr>
+                        <m:t>P</m:t>
+                      </m:r>
+                      <m:r>
+                        <a:rPr lang="en-US" i="1">
+                          <a:solidFill>
+                            <a:schemeClr val="tx1"/>
+                          </a:solidFill>
+                          <a:latin typeface="Cambria Math" panose="02040503050406030204" pitchFamily="18" charset="0"/>
+                        </a:rPr>
+                        <m:t>(</m:t>
+                      </m:r>
+                      <m:sSub>
+                        <m:sSubPr>
+                          <m:ctrlPr>
+                            <a:rPr lang="en-US" i="1">
+                              <a:solidFill>
+                                <a:schemeClr val="tx1"/>
+                              </a:solidFill>
+                              <a:latin typeface="Cambria Math" panose="02040503050406030204" pitchFamily="18" charset="0"/>
+                            </a:rPr>
+                          </m:ctrlPr>
+                        </m:sSubPr>
+                        <m:e>
+                          <m:r>
+                            <a:rPr lang="en-US" i="1">
+                              <a:solidFill>
+                                <a:schemeClr val="tx1"/>
+                              </a:solidFill>
+                              <a:latin typeface="Cambria Math" panose="02040503050406030204" pitchFamily="18" charset="0"/>
+                            </a:rPr>
+                            <m:t>𝑧</m:t>
+                          </m:r>
+                        </m:e>
+                        <m:sub>
+                          <m:r>
+                            <a:rPr lang="en-US" i="1">
+                              <a:solidFill>
+                                <a:schemeClr val="tx1"/>
+                              </a:solidFill>
+                              <a:latin typeface="Cambria Math" panose="02040503050406030204" pitchFamily="18" charset="0"/>
+                            </a:rPr>
+                            <m:t>𝑖</m:t>
+                          </m:r>
+                        </m:sub>
+                      </m:sSub>
+                      <m:r>
+                        <a:rPr lang="en-US" i="1">
+                          <a:solidFill>
+                            <a:schemeClr val="tx1"/>
+                          </a:solidFill>
+                          <a:latin typeface="Cambria Math" panose="02040503050406030204" pitchFamily="18" charset="0"/>
+                        </a:rPr>
+                        <m:t>=</m:t>
+                      </m:r>
+                      <m:r>
+                        <a:rPr lang="en-US" i="1">
+                          <a:solidFill>
+                            <a:schemeClr val="tx1"/>
+                          </a:solidFill>
+                          <a:latin typeface="Cambria Math" panose="02040503050406030204" pitchFamily="18" charset="0"/>
+                        </a:rPr>
+                        <m:t>𝑘</m:t>
+                      </m:r>
+                      <m:r>
+                        <a:rPr lang="en-US" i="1">
+                          <a:solidFill>
+                            <a:schemeClr val="tx1"/>
+                          </a:solidFill>
+                          <a:latin typeface="Cambria Math" panose="02040503050406030204" pitchFamily="18" charset="0"/>
+                        </a:rPr>
+                        <m:t>|</m:t>
+                      </m:r>
+                      <m:sSub>
+                        <m:sSubPr>
+                          <m:ctrlPr>
+                            <a:rPr lang="en-US" i="1">
+                              <a:solidFill>
+                                <a:schemeClr val="tx1"/>
+                              </a:solidFill>
+                              <a:latin typeface="Cambria Math" panose="02040503050406030204" pitchFamily="18" charset="0"/>
+                            </a:rPr>
+                          </m:ctrlPr>
+                        </m:sSubPr>
+                        <m:e>
+                          <m:r>
+                            <a:rPr lang="en-US" i="1">
+                              <a:solidFill>
+                                <a:schemeClr val="tx1"/>
+                              </a:solidFill>
+                              <a:latin typeface="Cambria Math" panose="02040503050406030204" pitchFamily="18" charset="0"/>
+                            </a:rPr>
+                            <m:t>𝑥</m:t>
+                          </m:r>
+                        </m:e>
+                        <m:sub>
+                          <m:r>
+                            <a:rPr lang="en-US" i="1">
+                              <a:solidFill>
+                                <a:schemeClr val="tx1"/>
+                              </a:solidFill>
+                              <a:latin typeface="Cambria Math" panose="02040503050406030204" pitchFamily="18" charset="0"/>
+                            </a:rPr>
+                            <m:t>𝑖</m:t>
+                          </m:r>
+                        </m:sub>
+                      </m:sSub>
+                      <m:r>
+                        <a:rPr lang="en-US" i="1">
+                          <a:solidFill>
+                            <a:schemeClr val="tx1"/>
+                          </a:solidFill>
+                          <a:latin typeface="Cambria Math" panose="02040503050406030204" pitchFamily="18" charset="0"/>
+                        </a:rPr>
+                        <m:t>,</m:t>
+                      </m:r>
+                      <m:r>
+                        <a:rPr lang="en-US" i="1">
+                          <a:solidFill>
+                            <a:schemeClr val="tx1"/>
+                          </a:solidFill>
+                          <a:latin typeface="Cambria Math" panose="02040503050406030204" pitchFamily="18" charset="0"/>
+                        </a:rPr>
+                        <m:t>𝜃</m:t>
+                      </m:r>
+                      <m:r>
+                        <a:rPr lang="en-US" i="1">
+                          <a:solidFill>
+                            <a:schemeClr val="tx1"/>
+                          </a:solidFill>
+                          <a:latin typeface="Cambria Math" panose="02040503050406030204" pitchFamily="18" charset="0"/>
+                        </a:rPr>
+                        <m:t>)</m:t>
+                      </m:r>
+                      <m:r>
+                        <a:rPr lang="en-US" b="0" i="0" smtClean="0">
+                          <a:solidFill>
+                            <a:schemeClr val="tx1"/>
+                          </a:solidFill>
+                          <a:latin typeface="Cambria Math" panose="02040503050406030204" pitchFamily="18" charset="0"/>
+                        </a:rPr>
+                        <m:t>=</m:t>
+                      </m:r>
+                      <m:f>
+                        <m:fPr>
+                          <m:ctrlPr>
+                            <a:rPr lang="en-US" i="1">
+                              <a:solidFill>
+                                <a:schemeClr val="tx1"/>
+                              </a:solidFill>
+                              <a:latin typeface="Cambria Math" panose="02040503050406030204" pitchFamily="18" charset="0"/>
+                            </a:rPr>
+                          </m:ctrlPr>
+                        </m:fPr>
+                        <m:num>
+                          <m:r>
+                            <a:rPr lang="en-US" i="1">
+                              <a:solidFill>
+                                <a:schemeClr val="tx1"/>
+                              </a:solidFill>
+                              <a:latin typeface="Cambria Math" panose="02040503050406030204" pitchFamily="18" charset="0"/>
+                            </a:rPr>
+                            <m:t>1</m:t>
+                          </m:r>
+                        </m:num>
+                        <m:den>
+                          <m:rad>
+                            <m:radPr>
+                              <m:degHide m:val="on"/>
+                              <m:ctrlPr>
+                                <a:rPr lang="en-US" i="1">
+                                  <a:solidFill>
+                                    <a:schemeClr val="tx1"/>
+                                  </a:solidFill>
+                                  <a:latin typeface="Cambria Math" panose="02040503050406030204" pitchFamily="18" charset="0"/>
+                                </a:rPr>
+                              </m:ctrlPr>
+                            </m:radPr>
+                            <m:deg/>
+                            <m:e>
+                              <m:r>
+                                <a:rPr lang="en-US" i="1">
+                                  <a:solidFill>
+                                    <a:schemeClr val="tx1"/>
+                                  </a:solidFill>
+                                  <a:latin typeface="Cambria Math" panose="02040503050406030204" pitchFamily="18" charset="0"/>
+                                </a:rPr>
+                                <m:t>2</m:t>
+                              </m:r>
+                              <m:r>
+                                <a:rPr lang="en-US" i="1">
+                                  <a:solidFill>
+                                    <a:schemeClr val="tx1"/>
+                                  </a:solidFill>
+                                  <a:latin typeface="Cambria Math" panose="02040503050406030204" pitchFamily="18" charset="0"/>
+                                </a:rPr>
+                                <m:t>𝜋</m:t>
+                              </m:r>
+                              <m:sSup>
+                                <m:sSupPr>
+                                  <m:ctrlPr>
+                                    <a:rPr lang="en-US" i="1">
+                                      <a:solidFill>
+                                        <a:schemeClr val="tx1"/>
+                                      </a:solidFill>
+                                      <a:latin typeface="Cambria Math" panose="02040503050406030204" pitchFamily="18" charset="0"/>
+                                    </a:rPr>
+                                  </m:ctrlPr>
+                                </m:sSupPr>
+                                <m:e>
+                                  <m:sSub>
+                                    <m:sSubPr>
+                                      <m:ctrlPr>
+                                        <a:rPr lang="en-US" b="0" i="1" smtClean="0">
+                                          <a:solidFill>
+                                            <a:schemeClr val="tx1"/>
+                                          </a:solidFill>
+                                          <a:latin typeface="Cambria Math" panose="02040503050406030204" pitchFamily="18" charset="0"/>
+                                        </a:rPr>
+                                      </m:ctrlPr>
+                                    </m:sSubPr>
+                                    <m:e>
+                                      <m:r>
+                                        <a:rPr lang="en-US" b="0" i="1" smtClean="0">
+                                          <a:solidFill>
+                                            <a:schemeClr val="tx1"/>
+                                          </a:solidFill>
+                                          <a:latin typeface="Cambria Math" panose="02040503050406030204" pitchFamily="18" charset="0"/>
+                                        </a:rPr>
+                                        <m:t>𝜎</m:t>
+                                      </m:r>
+                                    </m:e>
+                                    <m:sub>
+                                      <m:r>
+                                        <a:rPr lang="en-US" b="0" i="1" smtClean="0">
+                                          <a:solidFill>
+                                            <a:schemeClr val="tx1"/>
+                                          </a:solidFill>
+                                          <a:latin typeface="Cambria Math" panose="02040503050406030204" pitchFamily="18" charset="0"/>
+                                        </a:rPr>
+                                        <m:t>𝑘</m:t>
+                                      </m:r>
+                                    </m:sub>
+                                  </m:sSub>
+                                </m:e>
+                                <m:sup>
+                                  <m:r>
+                                    <a:rPr lang="en-US" i="1">
+                                      <a:solidFill>
+                                        <a:schemeClr val="tx1"/>
+                                      </a:solidFill>
+                                      <a:latin typeface="Cambria Math" panose="02040503050406030204" pitchFamily="18" charset="0"/>
+                                    </a:rPr>
+                                    <m:t>2</m:t>
+                                  </m:r>
+                                </m:sup>
+                              </m:sSup>
+                            </m:e>
+                          </m:rad>
+                        </m:den>
+                      </m:f>
+                      <m:sSup>
+                        <m:sSupPr>
+                          <m:ctrlPr>
+                            <a:rPr lang="en-US" i="1">
+                              <a:solidFill>
+                                <a:schemeClr val="tx1"/>
+                              </a:solidFill>
+                              <a:latin typeface="Cambria Math" panose="02040503050406030204" pitchFamily="18" charset="0"/>
+                            </a:rPr>
+                          </m:ctrlPr>
+                        </m:sSupPr>
+                        <m:e>
+                          <m:r>
+                            <a:rPr lang="en-US" i="1">
+                              <a:solidFill>
+                                <a:schemeClr val="tx1"/>
+                              </a:solidFill>
+                              <a:latin typeface="Cambria Math" panose="02040503050406030204" pitchFamily="18" charset="0"/>
+                            </a:rPr>
+                            <m:t>𝑒</m:t>
+                          </m:r>
+                        </m:e>
+                        <m:sup>
+                          <m:f>
+                            <m:fPr>
+                              <m:ctrlPr>
+                                <a:rPr lang="en-US" i="1">
+                                  <a:solidFill>
+                                    <a:schemeClr val="tx1"/>
+                                  </a:solidFill>
+                                  <a:latin typeface="Cambria Math" panose="02040503050406030204" pitchFamily="18" charset="0"/>
+                                </a:rPr>
+                              </m:ctrlPr>
+                            </m:fPr>
+                            <m:num>
+                              <m:r>
+                                <a:rPr lang="en-US" i="1">
+                                  <a:solidFill>
+                                    <a:schemeClr val="tx1"/>
+                                  </a:solidFill>
+                                  <a:latin typeface="Cambria Math" panose="02040503050406030204" pitchFamily="18" charset="0"/>
+                                </a:rPr>
+                                <m:t>−</m:t>
+                              </m:r>
+                              <m:sSup>
+                                <m:sSupPr>
+                                  <m:ctrlPr>
+                                    <a:rPr lang="en-US" i="1">
+                                      <a:solidFill>
+                                        <a:schemeClr val="tx1"/>
+                                      </a:solidFill>
+                                      <a:latin typeface="Cambria Math" panose="02040503050406030204" pitchFamily="18" charset="0"/>
+                                    </a:rPr>
+                                  </m:ctrlPr>
+                                </m:sSupPr>
+                                <m:e>
+                                  <m:d>
+                                    <m:dPr>
+                                      <m:ctrlPr>
+                                        <a:rPr lang="en-US" i="1">
+                                          <a:solidFill>
+                                            <a:schemeClr val="tx1"/>
+                                          </a:solidFill>
+                                          <a:latin typeface="Cambria Math" panose="02040503050406030204" pitchFamily="18" charset="0"/>
+                                        </a:rPr>
+                                      </m:ctrlPr>
+                                    </m:dPr>
+                                    <m:e>
+                                      <m:sSub>
+                                        <m:sSubPr>
+                                          <m:ctrlPr>
+                                            <a:rPr lang="en-US" i="1">
+                                              <a:solidFill>
+                                                <a:schemeClr val="tx1"/>
+                                              </a:solidFill>
+                                              <a:latin typeface="Cambria Math" panose="02040503050406030204" pitchFamily="18" charset="0"/>
+                                            </a:rPr>
+                                          </m:ctrlPr>
+                                        </m:sSubPr>
+                                        <m:e>
+                                          <m:r>
+                                            <a:rPr lang="en-US" i="1">
+                                              <a:solidFill>
+                                                <a:schemeClr val="tx1"/>
+                                              </a:solidFill>
+                                              <a:latin typeface="Cambria Math" panose="02040503050406030204" pitchFamily="18" charset="0"/>
+                                            </a:rPr>
+                                            <m:t>𝑥</m:t>
+                                          </m:r>
+                                        </m:e>
+                                        <m:sub>
+                                          <m:r>
+                                            <a:rPr lang="en-US" i="1">
+                                              <a:solidFill>
+                                                <a:schemeClr val="tx1"/>
+                                              </a:solidFill>
+                                              <a:latin typeface="Cambria Math" panose="02040503050406030204" pitchFamily="18" charset="0"/>
+                                            </a:rPr>
+                                            <m:t>𝑖</m:t>
+                                          </m:r>
+                                        </m:sub>
+                                      </m:sSub>
+                                      <m:r>
+                                        <a:rPr lang="en-US" i="1">
+                                          <a:solidFill>
+                                            <a:schemeClr val="tx1"/>
+                                          </a:solidFill>
+                                          <a:latin typeface="Cambria Math" panose="02040503050406030204" pitchFamily="18" charset="0"/>
+                                        </a:rPr>
+                                        <m:t>−</m:t>
+                                      </m:r>
+                                      <m:sSub>
+                                        <m:sSubPr>
+                                          <m:ctrlPr>
+                                            <a:rPr lang="en-US" b="0" i="1" smtClean="0">
+                                              <a:solidFill>
+                                                <a:schemeClr val="tx1"/>
+                                              </a:solidFill>
+                                              <a:latin typeface="Cambria Math" panose="02040503050406030204" pitchFamily="18" charset="0"/>
+                                            </a:rPr>
+                                          </m:ctrlPr>
+                                        </m:sSubPr>
+                                        <m:e>
+                                          <m:r>
+                                            <a:rPr lang="en-US" i="1">
+                                              <a:solidFill>
+                                                <a:schemeClr val="tx1"/>
+                                              </a:solidFill>
+                                              <a:latin typeface="Cambria Math" panose="02040503050406030204" pitchFamily="18" charset="0"/>
+                                            </a:rPr>
+                                            <m:t>𝜇</m:t>
+                                          </m:r>
+                                        </m:e>
+                                        <m:sub>
+                                          <m:r>
+                                            <a:rPr lang="en-US" b="0" i="1" smtClean="0">
+                                              <a:solidFill>
+                                                <a:schemeClr val="tx1"/>
+                                              </a:solidFill>
+                                              <a:latin typeface="Cambria Math" panose="02040503050406030204" pitchFamily="18" charset="0"/>
+                                            </a:rPr>
+                                            <m:t>𝑘</m:t>
+                                          </m:r>
+                                        </m:sub>
+                                      </m:sSub>
+                                    </m:e>
+                                  </m:d>
+                                </m:e>
+                                <m:sup>
+                                  <m:r>
+                                    <a:rPr lang="en-US" i="1">
+                                      <a:solidFill>
+                                        <a:schemeClr val="tx1"/>
+                                      </a:solidFill>
+                                      <a:latin typeface="Cambria Math" panose="02040503050406030204" pitchFamily="18" charset="0"/>
+                                    </a:rPr>
+                                    <m:t>2</m:t>
+                                  </m:r>
+                                </m:sup>
+                              </m:sSup>
+                            </m:num>
+                            <m:den>
+                              <m:sSup>
+                                <m:sSupPr>
+                                  <m:ctrlPr>
+                                    <a:rPr lang="en-US" i="1">
+                                      <a:solidFill>
+                                        <a:schemeClr val="tx1"/>
+                                      </a:solidFill>
+                                      <a:latin typeface="Cambria Math" panose="02040503050406030204" pitchFamily="18" charset="0"/>
+                                    </a:rPr>
+                                  </m:ctrlPr>
+                                </m:sSupPr>
+                                <m:e>
+                                  <m:r>
+                                    <a:rPr lang="en-US" i="1">
+                                      <a:solidFill>
+                                        <a:schemeClr val="tx1"/>
+                                      </a:solidFill>
+                                      <a:latin typeface="Cambria Math" panose="02040503050406030204" pitchFamily="18" charset="0"/>
+                                    </a:rPr>
+                                    <m:t>2</m:t>
+                                  </m:r>
+                                  <m:sSub>
+                                    <m:sSubPr>
+                                      <m:ctrlPr>
+                                        <a:rPr lang="en-US" b="0" i="1" smtClean="0">
+                                          <a:solidFill>
+                                            <a:schemeClr val="tx1"/>
+                                          </a:solidFill>
+                                          <a:latin typeface="Cambria Math" panose="02040503050406030204" pitchFamily="18" charset="0"/>
+                                        </a:rPr>
+                                      </m:ctrlPr>
+                                    </m:sSubPr>
+                                    <m:e>
+                                      <m:r>
+                                        <a:rPr lang="en-US" i="1">
+                                          <a:solidFill>
+                                            <a:schemeClr val="tx1"/>
+                                          </a:solidFill>
+                                          <a:latin typeface="Cambria Math" panose="02040503050406030204" pitchFamily="18" charset="0"/>
+                                        </a:rPr>
+                                        <m:t>𝜎</m:t>
+                                      </m:r>
+                                    </m:e>
+                                    <m:sub>
+                                      <m:r>
+                                        <a:rPr lang="en-US" b="0" i="1" smtClean="0">
+                                          <a:solidFill>
+                                            <a:schemeClr val="tx1"/>
+                                          </a:solidFill>
+                                          <a:latin typeface="Cambria Math" panose="02040503050406030204" pitchFamily="18" charset="0"/>
+                                        </a:rPr>
+                                        <m:t>𝑘</m:t>
+                                      </m:r>
+                                    </m:sub>
+                                  </m:sSub>
+                                </m:e>
+                                <m:sup>
+                                  <m:r>
+                                    <a:rPr lang="en-US" i="1">
+                                      <a:solidFill>
+                                        <a:schemeClr val="tx1"/>
+                                      </a:solidFill>
+                                      <a:latin typeface="Cambria Math" panose="02040503050406030204" pitchFamily="18" charset="0"/>
+                                    </a:rPr>
+                                    <m:t>2</m:t>
+                                  </m:r>
+                                </m:sup>
+                              </m:sSup>
+                            </m:den>
+                          </m:f>
+                        </m:sup>
+                      </m:sSup>
+                    </m:oMath>
+                  </m:oMathPara>
+                </a14:m>
+                <a:endParaRPr lang="en-US" dirty="0">
+                  <a:solidFill>
+                    <a:schemeClr val="tx1"/>
+                  </a:solidFill>
+                </a:endParaRPr>
+              </a:p>
+              <a:p>
+                <a:pPr marL="114300" indent="0">
+                  <a:buNone/>
+                </a:pPr>
+                <a:r>
+                  <a:rPr lang="en-US" dirty="0">
+                    <a:solidFill>
+                      <a:schemeClr val="tx1"/>
+                    </a:solidFill>
+                  </a:rPr>
+                  <a:t>	</a:t>
+                </a:r>
+              </a:p>
+              <a:p>
+                <a:pPr marL="114300" indent="0">
+                  <a:buNone/>
+                </a:pPr>
+                <a:r>
+                  <a:rPr lang="en-US" dirty="0"/>
+                  <a:t>	</a:t>
+                </a:r>
+                <a:r>
+                  <a:rPr lang="en-US" dirty="0">
+                    <a:solidFill>
+                      <a:schemeClr val="tx1"/>
+                    </a:solidFill>
+                  </a:rPr>
+                  <a:t>Assume </a:t>
+                </a:r>
+                <a14:m>
+                  <m:oMath xmlns:m="http://schemas.openxmlformats.org/officeDocument/2006/math">
+                    <m:r>
+                      <a:rPr lang="en-US" i="1">
+                        <a:solidFill>
+                          <a:schemeClr val="tx1"/>
+                        </a:solidFill>
+                        <a:latin typeface="Cambria Math" panose="02040503050406030204" pitchFamily="18" charset="0"/>
+                      </a:rPr>
+                      <m:t>𝑧</m:t>
+                    </m:r>
+                  </m:oMath>
+                </a14:m>
+                <a:r>
+                  <a:rPr lang="en-US" dirty="0">
+                    <a:solidFill>
+                      <a:schemeClr val="tx1"/>
+                    </a:solidFill>
+                  </a:rPr>
+                  <a:t> is known, compute </a:t>
+                </a:r>
+                <a14:m>
+                  <m:oMath xmlns:m="http://schemas.openxmlformats.org/officeDocument/2006/math">
+                    <m:r>
+                      <a:rPr lang="en-US" i="1">
+                        <a:solidFill>
+                          <a:schemeClr val="tx1"/>
+                        </a:solidFill>
+                        <a:latin typeface="Cambria Math" panose="02040503050406030204" pitchFamily="18" charset="0"/>
+                      </a:rPr>
+                      <m:t>𝜃</m:t>
+                    </m:r>
+                  </m:oMath>
+                </a14:m>
+                <a:r>
+                  <a:rPr lang="en-US" dirty="0">
+                    <a:solidFill>
+                      <a:schemeClr val="tx1"/>
+                    </a:solidFill>
+                  </a:rPr>
+                  <a:t> that maximizes likelihood:</a:t>
+                </a:r>
+              </a:p>
+              <a:p>
+                <a:pPr marL="114300" indent="0" algn="ctr">
+                  <a:buNone/>
+                </a:pPr>
+                <a:r>
+                  <a:rPr lang="en-US" dirty="0">
+                    <a:solidFill>
+                      <a:schemeClr val="tx1"/>
+                    </a:solidFill>
+                  </a:rPr>
+                  <a:t>Mixing Parameters: </a:t>
+                </a:r>
+                <a14:m>
+                  <m:oMath xmlns:m="http://schemas.openxmlformats.org/officeDocument/2006/math">
+                    <m:sSub>
+                      <m:sSubPr>
+                        <m:ctrlPr>
+                          <a:rPr lang="en-US" b="0" i="1" smtClean="0">
+                            <a:solidFill>
+                              <a:schemeClr val="tx1"/>
+                            </a:solidFill>
+                            <a:latin typeface="Cambria Math" panose="02040503050406030204" pitchFamily="18" charset="0"/>
+                          </a:rPr>
+                        </m:ctrlPr>
+                      </m:sSubPr>
+                      <m:e>
+                        <m:r>
+                          <a:rPr lang="en-US" b="0" i="1" smtClean="0">
+                            <a:solidFill>
+                              <a:schemeClr val="tx1"/>
+                            </a:solidFill>
+                            <a:latin typeface="Cambria Math" panose="02040503050406030204" pitchFamily="18" charset="0"/>
+                          </a:rPr>
+                          <m:t>𝑤</m:t>
+                        </m:r>
+                      </m:e>
+                      <m:sub>
+                        <m:r>
+                          <a:rPr lang="en-US" b="0" i="1" smtClean="0">
+                            <a:solidFill>
+                              <a:schemeClr val="tx1"/>
+                            </a:solidFill>
+                            <a:latin typeface="Cambria Math" panose="02040503050406030204" pitchFamily="18" charset="0"/>
+                          </a:rPr>
+                          <m:t>𝑘</m:t>
+                        </m:r>
+                      </m:sub>
+                    </m:sSub>
+                    <m:r>
+                      <a:rPr lang="en-US" b="0" i="1" smtClean="0">
+                        <a:solidFill>
+                          <a:schemeClr val="tx1"/>
+                        </a:solidFill>
+                        <a:latin typeface="Cambria Math" panose="02040503050406030204" pitchFamily="18" charset="0"/>
+                      </a:rPr>
+                      <m:t>=</m:t>
+                    </m:r>
+                    <m:nary>
+                      <m:naryPr>
+                        <m:chr m:val="∑"/>
+                        <m:ctrlPr>
+                          <a:rPr lang="en-US" b="0" i="1" smtClean="0">
+                            <a:solidFill>
+                              <a:schemeClr val="tx1"/>
+                            </a:solidFill>
+                            <a:latin typeface="Cambria Math" panose="02040503050406030204" pitchFamily="18" charset="0"/>
+                          </a:rPr>
+                        </m:ctrlPr>
+                      </m:naryPr>
+                      <m:sub>
+                        <m:r>
+                          <a:rPr lang="en-US" b="0" i="1" smtClean="0">
+                            <a:solidFill>
+                              <a:schemeClr val="tx1"/>
+                            </a:solidFill>
+                            <a:latin typeface="Cambria Math" panose="02040503050406030204" pitchFamily="18" charset="0"/>
+                          </a:rPr>
+                          <m:t>𝑗</m:t>
+                        </m:r>
+                      </m:sub>
+                      <m:sup>
+                        <m:r>
+                          <m:rPr>
+                            <m:sty m:val="p"/>
+                          </m:rPr>
+                          <a:rPr lang="en-US" b="0" i="1" smtClean="0">
+                            <a:solidFill>
+                              <a:schemeClr val="tx1"/>
+                            </a:solidFill>
+                            <a:latin typeface="Cambria Math" panose="02040503050406030204" pitchFamily="18" charset="0"/>
+                          </a:rPr>
+                          <m:t>n</m:t>
+                        </m:r>
+                      </m:sup>
+                      <m:e>
+                        <m:sSub>
+                          <m:sSubPr>
+                            <m:ctrlPr>
+                              <a:rPr lang="en-US" b="0" i="1" smtClean="0">
+                                <a:solidFill>
+                                  <a:schemeClr val="tx1"/>
+                                </a:solidFill>
+                                <a:latin typeface="Cambria Math" panose="02040503050406030204" pitchFamily="18" charset="0"/>
+                              </a:rPr>
+                            </m:ctrlPr>
+                          </m:sSubPr>
+                          <m:e>
+                            <m:r>
+                              <a:rPr lang="en-US" b="0" i="1" smtClean="0">
+                                <a:solidFill>
+                                  <a:schemeClr val="tx1"/>
+                                </a:solidFill>
+                                <a:latin typeface="Cambria Math" panose="02040503050406030204" pitchFamily="18" charset="0"/>
+                              </a:rPr>
+                              <m:t>𝑧</m:t>
+                            </m:r>
+                          </m:e>
+                          <m:sub>
+                            <m:r>
+                              <a:rPr lang="en-US" b="0" i="1" smtClean="0">
+                                <a:solidFill>
+                                  <a:schemeClr val="tx1"/>
+                                </a:solidFill>
+                                <a:latin typeface="Cambria Math" panose="02040503050406030204" pitchFamily="18" charset="0"/>
+                              </a:rPr>
+                              <m:t>𝑗</m:t>
+                            </m:r>
+                          </m:sub>
+                        </m:sSub>
+                      </m:e>
+                    </m:nary>
+                    <m:r>
+                      <a:rPr lang="en-US" b="0" i="1" smtClean="0">
+                        <a:solidFill>
+                          <a:schemeClr val="tx1"/>
+                        </a:solidFill>
+                        <a:latin typeface="Cambria Math" panose="02040503050406030204" pitchFamily="18" charset="0"/>
+                      </a:rPr>
+                      <m:t>/</m:t>
+                    </m:r>
+                    <m:r>
+                      <m:rPr>
+                        <m:sty m:val="p"/>
+                      </m:rPr>
+                      <a:rPr lang="en-US" b="0" i="1" smtClean="0">
+                        <a:solidFill>
+                          <a:schemeClr val="tx1"/>
+                        </a:solidFill>
+                        <a:latin typeface="Cambria Math" panose="02040503050406030204" pitchFamily="18" charset="0"/>
+                      </a:rPr>
+                      <m:t>K</m:t>
+                    </m:r>
+                  </m:oMath>
+                </a14:m>
+                <a:endParaRPr lang="en-US" dirty="0">
+                  <a:solidFill>
+                    <a:schemeClr val="tx1"/>
+                  </a:solidFill>
+                </a:endParaRPr>
+              </a:p>
+              <a:p>
+                <a:pPr marL="114300" indent="0" algn="ctr">
+                  <a:buNone/>
+                </a:pPr>
+                <a:r>
+                  <a:rPr lang="en-US" dirty="0">
+                    <a:solidFill>
+                      <a:schemeClr val="tx1"/>
+                    </a:solidFill>
+                  </a:rPr>
+                  <a:t>Means: </a:t>
+                </a:r>
+                <a14:m>
+                  <m:oMath xmlns:m="http://schemas.openxmlformats.org/officeDocument/2006/math">
+                    <m:sSub>
+                      <m:sSubPr>
+                        <m:ctrlPr>
+                          <a:rPr lang="en-US" b="0" i="1" smtClean="0">
+                            <a:solidFill>
+                              <a:schemeClr val="tx1"/>
+                            </a:solidFill>
+                            <a:latin typeface="Cambria Math" panose="02040503050406030204" pitchFamily="18" charset="0"/>
+                          </a:rPr>
+                        </m:ctrlPr>
+                      </m:sSubPr>
+                      <m:e>
+                        <m:r>
+                          <a:rPr lang="en-US" b="0" i="1" smtClean="0">
+                            <a:solidFill>
+                              <a:schemeClr val="tx1"/>
+                            </a:solidFill>
+                            <a:latin typeface="Cambria Math" panose="02040503050406030204" pitchFamily="18" charset="0"/>
+                          </a:rPr>
+                          <m:t>𝜇</m:t>
+                        </m:r>
+                      </m:e>
+                      <m:sub>
+                        <m:r>
+                          <a:rPr lang="en-US" b="0" i="1" smtClean="0">
+                            <a:solidFill>
+                              <a:schemeClr val="tx1"/>
+                            </a:solidFill>
+                            <a:latin typeface="Cambria Math" panose="02040503050406030204" pitchFamily="18" charset="0"/>
+                          </a:rPr>
+                          <m:t>𝑘</m:t>
+                        </m:r>
+                      </m:sub>
+                    </m:sSub>
+                    <m:r>
+                      <a:rPr lang="en-US" b="0" i="1" smtClean="0">
+                        <a:solidFill>
+                          <a:schemeClr val="tx1"/>
+                        </a:solidFill>
+                        <a:latin typeface="Cambria Math" panose="02040503050406030204" pitchFamily="18" charset="0"/>
+                      </a:rPr>
+                      <m:t>=</m:t>
+                    </m:r>
+                    <m:f>
+                      <m:fPr>
+                        <m:ctrlPr>
+                          <a:rPr lang="en-US" b="0" i="1" smtClean="0">
+                            <a:solidFill>
+                              <a:schemeClr val="tx1"/>
+                            </a:solidFill>
+                            <a:latin typeface="Cambria Math" panose="02040503050406030204" pitchFamily="18" charset="0"/>
+                          </a:rPr>
+                        </m:ctrlPr>
+                      </m:fPr>
+                      <m:num>
+                        <m:nary>
+                          <m:naryPr>
+                            <m:chr m:val="∑"/>
+                            <m:ctrlPr>
+                              <a:rPr lang="en-US" b="0" i="1" smtClean="0">
+                                <a:solidFill>
+                                  <a:schemeClr val="tx1"/>
+                                </a:solidFill>
+                                <a:latin typeface="Cambria Math" panose="02040503050406030204" pitchFamily="18" charset="0"/>
+                              </a:rPr>
+                            </m:ctrlPr>
+                          </m:naryPr>
+                          <m:sub>
+                            <m:r>
+                              <a:rPr lang="en-US" b="0" i="1" smtClean="0">
+                                <a:solidFill>
+                                  <a:schemeClr val="tx1"/>
+                                </a:solidFill>
+                                <a:latin typeface="Cambria Math" panose="02040503050406030204" pitchFamily="18" charset="0"/>
+                              </a:rPr>
+                              <m:t>𝑖</m:t>
+                            </m:r>
+                          </m:sub>
+                          <m:sup>
+                            <m:r>
+                              <a:rPr lang="en-US" b="0" i="1" smtClean="0">
+                                <a:solidFill>
+                                  <a:schemeClr val="tx1"/>
+                                </a:solidFill>
+                                <a:latin typeface="Cambria Math" panose="02040503050406030204" pitchFamily="18" charset="0"/>
+                              </a:rPr>
+                              <m:t>𝑛</m:t>
+                            </m:r>
+                          </m:sup>
+                          <m:e>
+                            <m:sSub>
+                              <m:sSubPr>
+                                <m:ctrlPr>
+                                  <a:rPr lang="en-US" b="0" i="1" smtClean="0">
+                                    <a:solidFill>
+                                      <a:schemeClr val="tx1"/>
+                                    </a:solidFill>
+                                    <a:latin typeface="Cambria Math" panose="02040503050406030204" pitchFamily="18" charset="0"/>
+                                  </a:rPr>
+                                </m:ctrlPr>
+                              </m:sSubPr>
+                              <m:e>
+                                <m:r>
+                                  <a:rPr lang="en-US" b="0" i="1" smtClean="0">
+                                    <a:solidFill>
+                                      <a:schemeClr val="tx1"/>
+                                    </a:solidFill>
+                                    <a:latin typeface="Cambria Math" panose="02040503050406030204" pitchFamily="18" charset="0"/>
+                                  </a:rPr>
+                                  <m:t>𝑤</m:t>
+                                </m:r>
+                              </m:e>
+                              <m:sub>
+                                <m:r>
+                                  <a:rPr lang="en-US" b="0" i="1" smtClean="0">
+                                    <a:solidFill>
+                                      <a:schemeClr val="tx1"/>
+                                    </a:solidFill>
+                                    <a:latin typeface="Cambria Math" panose="02040503050406030204" pitchFamily="18" charset="0"/>
+                                  </a:rPr>
+                                  <m:t>𝑘</m:t>
+                                </m:r>
+                              </m:sub>
+                            </m:sSub>
+                            <m:sSub>
+                              <m:sSubPr>
+                                <m:ctrlPr>
+                                  <a:rPr lang="en-US" b="0" i="1" smtClean="0">
+                                    <a:solidFill>
+                                      <a:schemeClr val="tx1"/>
+                                    </a:solidFill>
+                                    <a:latin typeface="Cambria Math" panose="02040503050406030204" pitchFamily="18" charset="0"/>
+                                  </a:rPr>
+                                </m:ctrlPr>
+                              </m:sSubPr>
+                              <m:e>
+                                <m:r>
+                                  <a:rPr lang="en-US" b="0" i="1" smtClean="0">
+                                    <a:solidFill>
+                                      <a:schemeClr val="tx1"/>
+                                    </a:solidFill>
+                                    <a:latin typeface="Cambria Math" panose="02040503050406030204" pitchFamily="18" charset="0"/>
+                                  </a:rPr>
+                                  <m:t>𝑥</m:t>
+                                </m:r>
+                              </m:e>
+                              <m:sub>
+                                <m:r>
+                                  <a:rPr lang="en-US" b="0" i="1" smtClean="0">
+                                    <a:solidFill>
+                                      <a:schemeClr val="tx1"/>
+                                    </a:solidFill>
+                                    <a:latin typeface="Cambria Math" panose="02040503050406030204" pitchFamily="18" charset="0"/>
+                                  </a:rPr>
+                                  <m:t>𝑖</m:t>
+                                </m:r>
+                              </m:sub>
+                            </m:sSub>
+                          </m:e>
+                        </m:nary>
+                      </m:num>
+                      <m:den>
+                        <m:nary>
+                          <m:naryPr>
+                            <m:chr m:val="∑"/>
+                            <m:ctrlPr>
+                              <a:rPr lang="en-US" i="1">
+                                <a:solidFill>
+                                  <a:schemeClr val="tx1"/>
+                                </a:solidFill>
+                                <a:latin typeface="Cambria Math" panose="02040503050406030204" pitchFamily="18" charset="0"/>
+                              </a:rPr>
+                            </m:ctrlPr>
+                          </m:naryPr>
+                          <m:sub>
+                            <m:r>
+                              <a:rPr lang="en-US" i="1">
+                                <a:solidFill>
+                                  <a:schemeClr val="tx1"/>
+                                </a:solidFill>
+                                <a:latin typeface="Cambria Math" panose="02040503050406030204" pitchFamily="18" charset="0"/>
+                              </a:rPr>
+                              <m:t>𝑖</m:t>
+                            </m:r>
+                          </m:sub>
+                          <m:sup>
+                            <m:r>
+                              <a:rPr lang="en-US" i="1">
+                                <a:solidFill>
+                                  <a:schemeClr val="tx1"/>
+                                </a:solidFill>
+                                <a:latin typeface="Cambria Math" panose="02040503050406030204" pitchFamily="18" charset="0"/>
+                              </a:rPr>
+                              <m:t>𝑛</m:t>
+                            </m:r>
+                          </m:sup>
+                          <m:e>
+                            <m:sSub>
+                              <m:sSubPr>
+                                <m:ctrlPr>
+                                  <a:rPr lang="en-US" i="1">
+                                    <a:solidFill>
+                                      <a:schemeClr val="tx1"/>
+                                    </a:solidFill>
+                                    <a:latin typeface="Cambria Math" panose="02040503050406030204" pitchFamily="18" charset="0"/>
+                                  </a:rPr>
+                                </m:ctrlPr>
+                              </m:sSubPr>
+                              <m:e>
+                                <m:r>
+                                  <a:rPr lang="en-US" i="1">
+                                    <a:solidFill>
+                                      <a:schemeClr val="tx1"/>
+                                    </a:solidFill>
+                                    <a:latin typeface="Cambria Math" panose="02040503050406030204" pitchFamily="18" charset="0"/>
+                                  </a:rPr>
+                                  <m:t>𝑤</m:t>
+                                </m:r>
+                              </m:e>
+                              <m:sub>
+                                <m:r>
+                                  <a:rPr lang="en-US" i="1">
+                                    <a:solidFill>
+                                      <a:schemeClr val="tx1"/>
+                                    </a:solidFill>
+                                    <a:latin typeface="Cambria Math" panose="02040503050406030204" pitchFamily="18" charset="0"/>
+                                  </a:rPr>
+                                  <m:t>𝑘</m:t>
+                                </m:r>
+                              </m:sub>
+                            </m:sSub>
+                          </m:e>
+                        </m:nary>
+                      </m:den>
+                    </m:f>
+                  </m:oMath>
+                </a14:m>
+                <a:endParaRPr lang="en-US" dirty="0">
+                  <a:solidFill>
+                    <a:schemeClr val="tx1"/>
+                  </a:solidFill>
+                </a:endParaRPr>
+              </a:p>
+              <a:p>
+                <a:pPr marL="114300" indent="0" algn="ctr">
+                  <a:buNone/>
+                </a:pPr>
+                <a:r>
+                  <a:rPr lang="en-US" dirty="0">
+                    <a:solidFill>
+                      <a:schemeClr val="tx1"/>
+                    </a:solidFill>
+                  </a:rPr>
+                  <a:t>Standard Deviations: </a:t>
+                </a:r>
+                <a14:m>
+                  <m:oMath xmlns:m="http://schemas.openxmlformats.org/officeDocument/2006/math">
+                    <m:sSub>
+                      <m:sSubPr>
+                        <m:ctrlPr>
+                          <a:rPr lang="en-US" i="1">
+                            <a:solidFill>
+                              <a:schemeClr val="tx1"/>
+                            </a:solidFill>
+                            <a:latin typeface="Cambria Math" panose="02040503050406030204" pitchFamily="18" charset="0"/>
+                          </a:rPr>
+                        </m:ctrlPr>
+                      </m:sSubPr>
+                      <m:e>
+                        <m:r>
+                          <m:rPr>
+                            <m:sty m:val="p"/>
+                          </m:rPr>
+                          <a:rPr lang="en-US" b="0" i="1" smtClean="0">
+                            <a:solidFill>
+                              <a:schemeClr val="tx1"/>
+                            </a:solidFill>
+                            <a:latin typeface="Cambria Math" panose="02040503050406030204" pitchFamily="18" charset="0"/>
+                          </a:rPr>
+                          <m:t>σ</m:t>
+                        </m:r>
+                      </m:e>
+                      <m:sub>
+                        <m:r>
+                          <a:rPr lang="en-US" i="1">
+                            <a:solidFill>
+                              <a:schemeClr val="tx1"/>
+                            </a:solidFill>
+                            <a:latin typeface="Cambria Math" panose="02040503050406030204" pitchFamily="18" charset="0"/>
+                          </a:rPr>
+                          <m:t>𝑘</m:t>
+                        </m:r>
+                      </m:sub>
+                    </m:sSub>
+                    <m:r>
+                      <a:rPr lang="en-US" i="1">
+                        <a:solidFill>
+                          <a:schemeClr val="tx1"/>
+                        </a:solidFill>
+                        <a:latin typeface="Cambria Math" panose="02040503050406030204" pitchFamily="18" charset="0"/>
+                      </a:rPr>
+                      <m:t>=</m:t>
+                    </m:r>
+                    <m:f>
+                      <m:fPr>
+                        <m:ctrlPr>
+                          <a:rPr lang="en-US" i="1">
+                            <a:solidFill>
+                              <a:schemeClr val="tx1"/>
+                            </a:solidFill>
+                            <a:latin typeface="Cambria Math" panose="02040503050406030204" pitchFamily="18" charset="0"/>
+                          </a:rPr>
+                        </m:ctrlPr>
+                      </m:fPr>
+                      <m:num>
+                        <m:nary>
+                          <m:naryPr>
+                            <m:chr m:val="∑"/>
+                            <m:ctrlPr>
+                              <a:rPr lang="en-US" b="0" i="1" smtClean="0">
+                                <a:solidFill>
+                                  <a:schemeClr val="tx1"/>
+                                </a:solidFill>
+                                <a:latin typeface="Cambria Math" panose="02040503050406030204" pitchFamily="18" charset="0"/>
+                              </a:rPr>
+                            </m:ctrlPr>
+                          </m:naryPr>
+                          <m:sub>
+                            <m:r>
+                              <a:rPr lang="en-US" b="0" i="1" smtClean="0">
+                                <a:solidFill>
+                                  <a:schemeClr val="tx1"/>
+                                </a:solidFill>
+                                <a:latin typeface="Cambria Math" panose="02040503050406030204" pitchFamily="18" charset="0"/>
+                              </a:rPr>
+                              <m:t>𝑖</m:t>
+                            </m:r>
+                          </m:sub>
+                          <m:sup>
+                            <m:r>
+                              <a:rPr lang="en-US" b="0" i="1" smtClean="0">
+                                <a:solidFill>
+                                  <a:schemeClr val="tx1"/>
+                                </a:solidFill>
+                                <a:latin typeface="Cambria Math" panose="02040503050406030204" pitchFamily="18" charset="0"/>
+                              </a:rPr>
+                              <m:t>𝑛</m:t>
+                            </m:r>
+                          </m:sup>
+                          <m:e>
+                            <m:sSub>
+                              <m:sSubPr>
+                                <m:ctrlPr>
+                                  <a:rPr lang="en-US" b="0" i="1" smtClean="0">
+                                    <a:solidFill>
+                                      <a:schemeClr val="tx1"/>
+                                    </a:solidFill>
+                                    <a:latin typeface="Cambria Math" panose="02040503050406030204" pitchFamily="18" charset="0"/>
+                                  </a:rPr>
+                                </m:ctrlPr>
+                              </m:sSubPr>
+                              <m:e>
+                                <m:r>
+                                  <a:rPr lang="en-US" b="0" i="1" smtClean="0">
+                                    <a:solidFill>
+                                      <a:schemeClr val="tx1"/>
+                                    </a:solidFill>
+                                    <a:latin typeface="Cambria Math" panose="02040503050406030204" pitchFamily="18" charset="0"/>
+                                  </a:rPr>
+                                  <m:t>𝑤</m:t>
+                                </m:r>
+                              </m:e>
+                              <m:sub>
+                                <m:r>
+                                  <a:rPr lang="en-US" b="0" i="1" smtClean="0">
+                                    <a:solidFill>
+                                      <a:schemeClr val="tx1"/>
+                                    </a:solidFill>
+                                    <a:latin typeface="Cambria Math" panose="02040503050406030204" pitchFamily="18" charset="0"/>
+                                  </a:rPr>
+                                  <m:t>𝑖</m:t>
+                                </m:r>
+                              </m:sub>
+                            </m:sSub>
+                            <m:sSup>
+                              <m:sSupPr>
+                                <m:ctrlPr>
+                                  <a:rPr lang="en-US" b="0" i="1" smtClean="0">
+                                    <a:solidFill>
+                                      <a:schemeClr val="tx1"/>
+                                    </a:solidFill>
+                                    <a:latin typeface="Cambria Math" panose="02040503050406030204" pitchFamily="18" charset="0"/>
+                                  </a:rPr>
+                                </m:ctrlPr>
+                              </m:sSupPr>
+                              <m:e>
+                                <m:d>
+                                  <m:dPr>
+                                    <m:ctrlPr>
+                                      <a:rPr lang="en-US" b="0" i="1" smtClean="0">
+                                        <a:solidFill>
+                                          <a:schemeClr val="tx1"/>
+                                        </a:solidFill>
+                                        <a:latin typeface="Cambria Math" panose="02040503050406030204" pitchFamily="18" charset="0"/>
+                                      </a:rPr>
+                                    </m:ctrlPr>
+                                  </m:dPr>
+                                  <m:e>
+                                    <m:sSub>
+                                      <m:sSubPr>
+                                        <m:ctrlPr>
+                                          <a:rPr lang="en-US" b="0" i="1" smtClean="0">
+                                            <a:solidFill>
+                                              <a:schemeClr val="tx1"/>
+                                            </a:solidFill>
+                                            <a:latin typeface="Cambria Math" panose="02040503050406030204" pitchFamily="18" charset="0"/>
+                                          </a:rPr>
+                                        </m:ctrlPr>
+                                      </m:sSubPr>
+                                      <m:e>
+                                        <m:r>
+                                          <a:rPr lang="en-US" b="0" i="1" smtClean="0">
+                                            <a:solidFill>
+                                              <a:schemeClr val="tx1"/>
+                                            </a:solidFill>
+                                            <a:latin typeface="Cambria Math" panose="02040503050406030204" pitchFamily="18" charset="0"/>
+                                          </a:rPr>
+                                          <m:t>𝑥</m:t>
+                                        </m:r>
+                                      </m:e>
+                                      <m:sub>
+                                        <m:r>
+                                          <a:rPr lang="en-US" b="0" i="1" smtClean="0">
+                                            <a:solidFill>
+                                              <a:schemeClr val="tx1"/>
+                                            </a:solidFill>
+                                            <a:latin typeface="Cambria Math" panose="02040503050406030204" pitchFamily="18" charset="0"/>
+                                          </a:rPr>
+                                          <m:t>𝑖</m:t>
+                                        </m:r>
+                                      </m:sub>
+                                    </m:sSub>
+                                    <m:r>
+                                      <a:rPr lang="en-US" b="0" i="1" smtClean="0">
+                                        <a:solidFill>
+                                          <a:schemeClr val="tx1"/>
+                                        </a:solidFill>
+                                        <a:latin typeface="Cambria Math" panose="02040503050406030204" pitchFamily="18" charset="0"/>
+                                      </a:rPr>
+                                      <m:t>−</m:t>
+                                    </m:r>
+                                    <m:sSub>
+                                      <m:sSubPr>
+                                        <m:ctrlPr>
+                                          <a:rPr lang="en-US" b="0" i="1" smtClean="0">
+                                            <a:solidFill>
+                                              <a:schemeClr val="tx1"/>
+                                            </a:solidFill>
+                                            <a:latin typeface="Cambria Math" panose="02040503050406030204" pitchFamily="18" charset="0"/>
+                                          </a:rPr>
+                                        </m:ctrlPr>
+                                      </m:sSubPr>
+                                      <m:e>
+                                        <m:r>
+                                          <a:rPr lang="en-US" b="0" i="1" smtClean="0">
+                                            <a:solidFill>
+                                              <a:schemeClr val="tx1"/>
+                                            </a:solidFill>
+                                            <a:latin typeface="Cambria Math" panose="02040503050406030204" pitchFamily="18" charset="0"/>
+                                          </a:rPr>
+                                          <m:t>𝜇</m:t>
+                                        </m:r>
+                                      </m:e>
+                                      <m:sub>
+                                        <m:r>
+                                          <a:rPr lang="en-US" b="0" i="1" smtClean="0">
+                                            <a:solidFill>
+                                              <a:schemeClr val="tx1"/>
+                                            </a:solidFill>
+                                            <a:latin typeface="Cambria Math" panose="02040503050406030204" pitchFamily="18" charset="0"/>
+                                          </a:rPr>
+                                          <m:t>𝑘</m:t>
+                                        </m:r>
+                                      </m:sub>
+                                    </m:sSub>
+                                  </m:e>
+                                </m:d>
+                              </m:e>
+                              <m:sup>
+                                <m:r>
+                                  <a:rPr lang="en-US" b="0" i="1" smtClean="0">
+                                    <a:solidFill>
+                                      <a:schemeClr val="tx1"/>
+                                    </a:solidFill>
+                                    <a:latin typeface="Cambria Math" panose="02040503050406030204" pitchFamily="18" charset="0"/>
+                                  </a:rPr>
+                                  <m:t>2</m:t>
+                                </m:r>
+                              </m:sup>
+                            </m:sSup>
+                          </m:e>
+                        </m:nary>
+                      </m:num>
+                      <m:den>
+                        <m:nary>
+                          <m:naryPr>
+                            <m:chr m:val="∑"/>
+                            <m:ctrlPr>
+                              <a:rPr lang="en-US" i="1">
+                                <a:solidFill>
+                                  <a:schemeClr val="tx1"/>
+                                </a:solidFill>
+                                <a:latin typeface="Cambria Math" panose="02040503050406030204" pitchFamily="18" charset="0"/>
+                              </a:rPr>
+                            </m:ctrlPr>
+                          </m:naryPr>
+                          <m:sub>
+                            <m:r>
+                              <a:rPr lang="en-US" i="1">
+                                <a:solidFill>
+                                  <a:schemeClr val="tx1"/>
+                                </a:solidFill>
+                                <a:latin typeface="Cambria Math" panose="02040503050406030204" pitchFamily="18" charset="0"/>
+                              </a:rPr>
+                              <m:t>𝑖</m:t>
+                            </m:r>
+                          </m:sub>
+                          <m:sup>
+                            <m:r>
+                              <a:rPr lang="en-US" i="1">
+                                <a:solidFill>
+                                  <a:schemeClr val="tx1"/>
+                                </a:solidFill>
+                                <a:latin typeface="Cambria Math" panose="02040503050406030204" pitchFamily="18" charset="0"/>
+                              </a:rPr>
+                              <m:t>𝑛</m:t>
+                            </m:r>
+                          </m:sup>
+                          <m:e>
+                            <m:sSub>
+                              <m:sSubPr>
+                                <m:ctrlPr>
+                                  <a:rPr lang="en-US" b="0" i="1" smtClean="0">
+                                    <a:solidFill>
+                                      <a:schemeClr val="tx1"/>
+                                    </a:solidFill>
+                                    <a:latin typeface="Cambria Math" panose="02040503050406030204" pitchFamily="18" charset="0"/>
+                                  </a:rPr>
+                                </m:ctrlPr>
+                              </m:sSubPr>
+                              <m:e>
+                                <m:r>
+                                  <a:rPr lang="en-US" b="0" i="1" smtClean="0">
+                                    <a:solidFill>
+                                      <a:schemeClr val="tx1"/>
+                                    </a:solidFill>
+                                    <a:latin typeface="Cambria Math" panose="02040503050406030204" pitchFamily="18" charset="0"/>
+                                  </a:rPr>
+                                  <m:t>𝑤</m:t>
+                                </m:r>
+                              </m:e>
+                              <m:sub>
+                                <m:r>
+                                  <a:rPr lang="en-US" b="0" i="1" smtClean="0">
+                                    <a:solidFill>
+                                      <a:schemeClr val="tx1"/>
+                                    </a:solidFill>
+                                    <a:latin typeface="Cambria Math" panose="02040503050406030204" pitchFamily="18" charset="0"/>
+                                  </a:rPr>
+                                  <m:t>𝑖</m:t>
+                                </m:r>
+                              </m:sub>
+                            </m:sSub>
+                          </m:e>
+                        </m:nary>
+                      </m:den>
+                    </m:f>
+                  </m:oMath>
+                </a14:m>
+                <a:endParaRPr lang="en-US" dirty="0">
+                  <a:solidFill>
+                    <a:schemeClr val="tx1"/>
+                  </a:solidFill>
+                </a:endParaRPr>
+              </a:p>
+            </p:txBody>
+          </p:sp>
+        </mc:Choice>
+        <mc:Fallback>
+          <p:sp>
+            <p:nvSpPr>
+              <p:cNvPr id="3" name="Text Placeholder 2">
+                <a:extLst>
+                  <a:ext uri="{FF2B5EF4-FFF2-40B4-BE49-F238E27FC236}">
+                    <a16:creationId xmlns:a16="http://schemas.microsoft.com/office/drawing/2014/main" id="{7938561C-1AC9-3977-6DF0-9A5982B29869}"/>
+                  </a:ext>
+                </a:extLst>
+              </p:cNvPr>
+              <p:cNvSpPr>
+                <a:spLocks noGrp="1" noRot="1" noChangeAspect="1" noMove="1" noResize="1" noEditPoints="1" noAdjustHandles="1" noChangeArrowheads="1" noChangeShapeType="1" noTextEdit="1"/>
+              </p:cNvSpPr>
+              <p:nvPr>
+                <p:ph type="body" idx="1"/>
+              </p:nvPr>
+            </p:nvSpPr>
+            <p:spPr>
+              <a:xfrm>
+                <a:off x="311700" y="1152475"/>
+                <a:ext cx="8520600" cy="3991025"/>
+              </a:xfrm>
+              <a:blipFill>
+                <a:blip r:embed="rId2"/>
+                <a:stretch>
+                  <a:fillRect b="-6646"/>
+                </a:stretch>
+              </a:blipFill>
+            </p:spPr>
+            <p:txBody>
+              <a:bodyPr/>
+              <a:lstStyle/>
+              <a:p>
+                <a:r>
+                  <a:rPr lang="en-US">
+                    <a:noFill/>
+                  </a:rPr>
+                  <a:t> </a:t>
+                </a:r>
+              </a:p>
+            </p:txBody>
+          </p:sp>
+        </mc:Fallback>
+      </mc:AlternateContent>
+      <p:sp>
+        <p:nvSpPr>
+          <p:cNvPr id="4" name="TextBox 3">
+            <a:extLst>
+              <a:ext uri="{FF2B5EF4-FFF2-40B4-BE49-F238E27FC236}">
+                <a16:creationId xmlns:a16="http://schemas.microsoft.com/office/drawing/2014/main" id="{596E7F3C-F519-1174-4562-C85196CC97B9}"/>
+              </a:ext>
+            </a:extLst>
+          </p:cNvPr>
+          <p:cNvSpPr txBox="1"/>
+          <p:nvPr/>
+        </p:nvSpPr>
+        <p:spPr>
+          <a:xfrm>
+            <a:off x="6836241" y="4698475"/>
+            <a:ext cx="1996059" cy="307777"/>
+          </a:xfrm>
+          <a:prstGeom prst="rect">
+            <a:avLst/>
+          </a:prstGeom>
+          <a:solidFill>
+            <a:srgbClr val="FFC000"/>
+          </a:solidFill>
+          <a:ln w="38100">
+            <a:solidFill>
+              <a:srgbClr val="FF0000"/>
+            </a:solidFill>
+          </a:ln>
+        </p:spPr>
+        <p:txBody>
+          <a:bodyPr wrap="none" rtlCol="0">
+            <a:spAutoFit/>
+          </a:bodyPr>
+          <a:lstStyle/>
+          <a:p>
+            <a:r>
+              <a:rPr lang="en-US" dirty="0"/>
+              <a:t>Does this feel familiar?</a:t>
+            </a:r>
+          </a:p>
+        </p:txBody>
+      </p:sp>
+    </p:spTree>
+    <p:extLst>
+      <p:ext uri="{BB962C8B-B14F-4D97-AF65-F5344CB8AC3E}">
+        <p14:creationId xmlns:p14="http://schemas.microsoft.com/office/powerpoint/2010/main" val="1759148609"/>
+      </p:ext>
+    </p:extLst>
+  </p:cSld>
+  <p:clrMapOvr>
+    <a:masterClrMapping/>
+  </p:clrMapOvr>
+  <p:timing>
+    <p:tnLst>
+      <p:par>
+        <p:cTn id="1" dur="indefinite" restart="never" nodeType="tmRoot">
+          <p:childTnLst>
+            <p:seq concurrent="1" nextAc="seek">
+              <p:cTn id="2" dur="indefinite" nodeType="mainSeq">
+                <p:childTnLst>
+                  <p:par>
+                    <p:cTn id="3" fill="hold">
+                      <p:stCondLst>
+                        <p:cond delay="indefinite"/>
+                      </p:stCondLst>
+                      <p:childTnLst>
+                        <p:par>
+                          <p:cTn id="4" fill="hold">
+                            <p:stCondLst>
+                              <p:cond delay="0"/>
+                            </p:stCondLst>
+                            <p:childTnLst>
+                              <p:par>
+                                <p:cTn id="5" presetID="1" presetClass="entr" presetSubtype="0" fill="hold" grpId="0" nodeType="clickEffect">
+                                  <p:stCondLst>
+                                    <p:cond delay="0"/>
+                                  </p:stCondLst>
+                                  <p:childTnLst>
+                                    <p:set>
+                                      <p:cBhvr>
+                                        <p:cTn id="6" dur="1" fill="hold">
+                                          <p:stCondLst>
+                                            <p:cond delay="0"/>
+                                          </p:stCondLst>
+                                        </p:cTn>
+                                        <p:tgtEl>
+                                          <p:spTgt spid="4"/>
+                                        </p:tgtEl>
+                                        <p:attrNameLst>
+                                          <p:attrName>style.visibility</p:attrName>
+                                        </p:attrNameLst>
+                                      </p:cBhvr>
+                                      <p:to>
+                                        <p:strVal val="visible"/>
+                                      </p:to>
+                                    </p:set>
+                                  </p:childTnLst>
+                                </p:cTn>
+                              </p:par>
+                            </p:childTnLst>
+                          </p:cTn>
+                        </p:par>
+                      </p:childTnLst>
+                    </p:cTn>
+                  </p:par>
+                </p:childTnLst>
+              </p:cTn>
+              <p:prevCondLst>
+                <p:cond evt="onPrev" delay="0">
+                  <p:tgtEl>
+                    <p:sldTgt/>
+                  </p:tgtEl>
+                </p:cond>
+              </p:prevCondLst>
+              <p:nextCondLst>
+                <p:cond evt="onNext" delay="0">
+                  <p:tgtEl>
+                    <p:sldTgt/>
+                  </p:tgtEl>
+                </p:cond>
+              </p:nextCondLst>
+            </p:seq>
+          </p:childTnLst>
+        </p:cTn>
+      </p:par>
+    </p:tnLst>
+    <p:bldLst>
+      <p:bldP spid="4" grpId="0" animBg="1"/>
+    </p:bldLst>
+  </p:timing>
+</p:sld>
+</file>
+
+<file path=ppt/slides/slide13.xml><?xml version="1.0" encoding="utf-8"?>
+<p:sld xmlns:a="http://schemas.openxmlformats.org/drawingml/2006/main" xmlns:r="http://schemas.openxmlformats.org/officeDocument/2006/relationships" xmlns:p="http://schemas.openxmlformats.org/presentationml/2006/main">
+  <p:cSld>
+    <p:spTree>
+      <p:nvGrpSpPr>
+        <p:cNvPr id="1" name=""/>
+        <p:cNvGrpSpPr/>
+        <p:nvPr/>
+      </p:nvGrpSpPr>
+      <p:grpSpPr>
+        <a:xfrm>
+          <a:off x="0" y="0"/>
+          <a:ext cx="0" cy="0"/>
+          <a:chOff x="0" y="0"/>
+          <a:chExt cx="0" cy="0"/>
+        </a:xfrm>
+      </p:grpSpPr>
+      <p:sp>
+        <p:nvSpPr>
+          <p:cNvPr id="2" name="Title 1">
+            <a:extLst>
+              <a:ext uri="{FF2B5EF4-FFF2-40B4-BE49-F238E27FC236}">
+                <a16:creationId xmlns:a16="http://schemas.microsoft.com/office/drawing/2014/main" id="{0C5CFA36-3E81-8548-0987-A9AEAE7BF9BD}"/>
+              </a:ext>
+            </a:extLst>
+          </p:cNvPr>
+          <p:cNvSpPr>
+            <a:spLocks noGrp="1"/>
+          </p:cNvSpPr>
+          <p:nvPr>
+            <p:ph type="title"/>
+          </p:nvPr>
+        </p:nvSpPr>
+        <p:spPr/>
+        <p:txBody>
+          <a:bodyPr>
+            <a:normAutofit fontScale="90000"/>
+          </a:bodyPr>
+          <a:lstStyle/>
+          <a:p>
+            <a:r>
+              <a:rPr lang="en-US" dirty="0"/>
+              <a:t>Expectation Maximization (EM) Algorithm</a:t>
+            </a:r>
+          </a:p>
+        </p:txBody>
+      </p:sp>
+      <mc:AlternateContent xmlns:mc="http://schemas.openxmlformats.org/markup-compatibility/2006">
+        <mc:Choice xmlns:a14="http://schemas.microsoft.com/office/drawing/2010/main" Requires="a14">
+          <p:sp>
+            <p:nvSpPr>
+              <p:cNvPr id="3" name="Text Placeholder 2">
+                <a:extLst>
+                  <a:ext uri="{FF2B5EF4-FFF2-40B4-BE49-F238E27FC236}">
+                    <a16:creationId xmlns:a16="http://schemas.microsoft.com/office/drawing/2014/main" id="{A135C1E2-02E4-9833-09C6-156F6F5B0F48}"/>
+                  </a:ext>
+                </a:extLst>
+              </p:cNvPr>
+              <p:cNvSpPr>
+                <a:spLocks noGrp="1"/>
+              </p:cNvSpPr>
+              <p:nvPr>
+                <p:ph type="body" idx="1"/>
+              </p:nvPr>
+            </p:nvSpPr>
+            <p:spPr/>
+            <p:txBody>
+              <a:bodyPr/>
+              <a:lstStyle/>
+              <a:p>
+                <a:pPr marL="114300" indent="0">
+                  <a:buNone/>
+                </a:pPr>
+                <a:r>
+                  <a:rPr lang="en-US" dirty="0">
+                    <a:solidFill>
+                      <a:schemeClr val="tx1"/>
+                    </a:solidFill>
+                  </a:rPr>
+                  <a:t>Used for Maximum Likelihood Estimation problems with equations that cannot be solved directly</a:t>
+                </a:r>
+              </a:p>
+              <a:p>
+                <a:pPr marL="114300" indent="0">
+                  <a:buNone/>
+                </a:pPr>
+                <a:endParaRPr lang="en-US" dirty="0">
+                  <a:solidFill>
+                    <a:schemeClr val="tx1"/>
+                  </a:solidFill>
+                </a:endParaRPr>
+              </a:p>
+              <a:p>
+                <a:pPr marL="114300" indent="0">
+                  <a:buNone/>
+                </a:pPr>
+                <a:r>
+                  <a:rPr lang="en-US" dirty="0">
+                    <a:solidFill>
+                      <a:schemeClr val="tx1"/>
+                    </a:solidFill>
+                  </a:rPr>
+                  <a:t>In the case of GMMs, we have a latent variable z (which Gaussian produced a sample) in addition to the parameters of the model (mixture coefficients and </a:t>
+                </a:r>
+                <a14:m>
+                  <m:oMath xmlns:m="http://schemas.openxmlformats.org/officeDocument/2006/math">
+                    <m:r>
+                      <a:rPr lang="en-US" i="1">
+                        <a:solidFill>
+                          <a:schemeClr val="tx1"/>
+                        </a:solidFill>
+                        <a:latin typeface="Cambria Math" panose="02040503050406030204" pitchFamily="18" charset="0"/>
+                        <a:ea typeface="Cambria Math" panose="02040503050406030204" pitchFamily="18" charset="0"/>
+                      </a:rPr>
+                      <m:t>𝜇</m:t>
+                    </m:r>
+                    <m:r>
+                      <a:rPr lang="en-US" i="1">
+                        <a:solidFill>
+                          <a:schemeClr val="tx1"/>
+                        </a:solidFill>
+                        <a:latin typeface="Cambria Math" panose="02040503050406030204" pitchFamily="18" charset="0"/>
+                        <a:ea typeface="Cambria Math" panose="02040503050406030204" pitchFamily="18" charset="0"/>
+                      </a:rPr>
+                      <m:t>,</m:t>
+                    </m:r>
+                    <m:r>
+                      <a:rPr lang="en-US" i="1">
+                        <a:solidFill>
+                          <a:schemeClr val="tx1"/>
+                        </a:solidFill>
+                        <a:latin typeface="Cambria Math" panose="02040503050406030204" pitchFamily="18" charset="0"/>
+                        <a:ea typeface="Cambria Math" panose="02040503050406030204" pitchFamily="18" charset="0"/>
+                      </a:rPr>
+                      <m:t>𝜎</m:t>
+                    </m:r>
+                  </m:oMath>
+                </a14:m>
+                <a:r>
+                  <a:rPr lang="en-US" dirty="0">
+                    <a:solidFill>
+                      <a:schemeClr val="tx1"/>
+                    </a:solidFill>
+                  </a:rPr>
+                  <a:t>)</a:t>
+                </a:r>
+              </a:p>
+              <a:p>
+                <a:pPr marL="114300" indent="0">
+                  <a:buNone/>
+                </a:pPr>
+                <a:endParaRPr lang="en-US" dirty="0">
+                  <a:solidFill>
+                    <a:schemeClr val="tx1"/>
+                  </a:solidFill>
+                </a:endParaRPr>
+              </a:p>
+              <a:p>
+                <a:pPr marL="114300" indent="0">
+                  <a:buNone/>
+                </a:pPr>
+                <a:r>
+                  <a:rPr lang="en-US" dirty="0">
+                    <a:solidFill>
+                      <a:schemeClr val="tx1"/>
+                    </a:solidFill>
+                  </a:rPr>
+                  <a:t>EM alternates between an </a:t>
+                </a:r>
+                <a:r>
+                  <a:rPr lang="en-US" i="1" dirty="0">
+                    <a:solidFill>
+                      <a:schemeClr val="tx1"/>
+                    </a:solidFill>
+                  </a:rPr>
+                  <a:t>Expectation</a:t>
+                </a:r>
+                <a:r>
+                  <a:rPr lang="en-US" dirty="0">
+                    <a:solidFill>
+                      <a:schemeClr val="tx1"/>
+                    </a:solidFill>
+                  </a:rPr>
+                  <a:t> step and a </a:t>
+                </a:r>
+                <a:r>
+                  <a:rPr lang="en-US" i="1" dirty="0">
+                    <a:solidFill>
+                      <a:schemeClr val="tx1"/>
+                    </a:solidFill>
+                  </a:rPr>
+                  <a:t>Maximization </a:t>
+                </a:r>
+                <a:r>
+                  <a:rPr lang="en-US" dirty="0">
+                    <a:solidFill>
+                      <a:schemeClr val="tx1"/>
+                    </a:solidFill>
+                  </a:rPr>
+                  <a:t>step</a:t>
+                </a:r>
+              </a:p>
+            </p:txBody>
+          </p:sp>
+        </mc:Choice>
+        <mc:Fallback>
+          <p:sp>
+            <p:nvSpPr>
+              <p:cNvPr id="3" name="Text Placeholder 2">
+                <a:extLst>
+                  <a:ext uri="{FF2B5EF4-FFF2-40B4-BE49-F238E27FC236}">
+                    <a16:creationId xmlns:a16="http://schemas.microsoft.com/office/drawing/2014/main" id="{A135C1E2-02E4-9833-09C6-156F6F5B0F48}"/>
+                  </a:ext>
+                </a:extLst>
+              </p:cNvPr>
+              <p:cNvSpPr>
+                <a:spLocks noGrp="1" noRot="1" noChangeAspect="1" noMove="1" noResize="1" noEditPoints="1" noAdjustHandles="1" noChangeArrowheads="1" noChangeShapeType="1" noTextEdit="1"/>
+              </p:cNvSpPr>
+              <p:nvPr>
+                <p:ph type="body" idx="1"/>
+              </p:nvPr>
+            </p:nvSpPr>
+            <p:spPr>
+              <a:blipFill>
+                <a:blip r:embed="rId2"/>
+                <a:stretch>
+                  <a:fillRect r="-744"/>
+                </a:stretch>
+              </a:blipFill>
+            </p:spPr>
+            <p:txBody>
+              <a:bodyPr/>
+              <a:lstStyle/>
+              <a:p>
+                <a:r>
+                  <a:rPr lang="en-US">
+                    <a:noFill/>
+                  </a:rPr>
+                  <a:t> </a:t>
+                </a:r>
+              </a:p>
+            </p:txBody>
+          </p:sp>
+        </mc:Fallback>
+      </mc:AlternateContent>
+    </p:spTree>
+    <p:extLst>
+      <p:ext uri="{BB962C8B-B14F-4D97-AF65-F5344CB8AC3E}">
+        <p14:creationId xmlns:p14="http://schemas.microsoft.com/office/powerpoint/2010/main" val="3087057708"/>
+      </p:ext>
+    </p:extLst>
+  </p:cSld>
+  <p:clrMapOvr>
+    <a:masterClrMapping/>
+  </p:clrMapOvr>
+  <p:timing>
+    <p:tnLst>
+      <p:par>
+        <p:cTn id="1" dur="indefinite" restart="never" nodeType="tmRoot">
+          <p:childTnLst>
+            <p:seq concurrent="1" nextAc="seek">
+              <p:cTn id="2" dur="indefinite" nodeType="mainSeq">
+                <p:childTnLst>
+                  <p:par>
+                    <p:cTn id="3" fill="hold">
+                      <p:stCondLst>
+                        <p:cond delay="indefinite"/>
+                      </p:stCondLst>
+                      <p:childTnLst>
+                        <p:par>
+                          <p:cTn id="4" fill="hold">
+                            <p:stCondLst>
+                              <p:cond delay="0"/>
+                            </p:stCondLst>
+                            <p:childTnLst>
+                              <p:par>
+                                <p:cTn id="5" presetID="1" presetClass="entr" presetSubtype="0" fill="hold" nodeType="clickEffect">
+                                  <p:stCondLst>
+                                    <p:cond delay="0"/>
+                                  </p:stCondLst>
+                                  <p:childTnLst>
+                                    <p:set>
+                                      <p:cBhvr>
+                                        <p:cTn id="6" dur="1" fill="hold">
+                                          <p:stCondLst>
+                                            <p:cond delay="0"/>
+                                          </p:stCondLst>
+                                        </p:cTn>
+                                        <p:tgtEl>
+                                          <p:spTgt spid="3">
+                                            <p:txEl>
+                                              <p:pRg st="0" end="0"/>
+                                            </p:txEl>
+                                          </p:spTgt>
+                                        </p:tgtEl>
+                                        <p:attrNameLst>
+                                          <p:attrName>style.visibility</p:attrName>
+                                        </p:attrNameLst>
+                                      </p:cBhvr>
+                                      <p:to>
+                                        <p:strVal val="visible"/>
+                                      </p:to>
+                                    </p:set>
+                                  </p:childTnLst>
+                                </p:cTn>
+                              </p:par>
+                            </p:childTnLst>
+                          </p:cTn>
+                        </p:par>
+                      </p:childTnLst>
+                    </p:cTn>
+                  </p:par>
+                  <p:par>
+                    <p:cTn id="7" fill="hold">
+                      <p:stCondLst>
+                        <p:cond delay="indefinite"/>
+                      </p:stCondLst>
+                      <p:childTnLst>
+                        <p:par>
+                          <p:cTn id="8" fill="hold">
+                            <p:stCondLst>
+                              <p:cond delay="0"/>
+                            </p:stCondLst>
+                            <p:childTnLst>
+                              <p:par>
+                                <p:cTn id="9" presetID="1" presetClass="entr" presetSubtype="0" fill="hold" nodeType="clickEffect">
+                                  <p:stCondLst>
+                                    <p:cond delay="0"/>
+                                  </p:stCondLst>
+                                  <p:childTnLst>
+                                    <p:set>
+                                      <p:cBhvr>
+                                        <p:cTn id="10" dur="1" fill="hold">
+                                          <p:stCondLst>
+                                            <p:cond delay="0"/>
+                                          </p:stCondLst>
+                                        </p:cTn>
+                                        <p:tgtEl>
+                                          <p:spTgt spid="3">
+                                            <p:txEl>
+                                              <p:pRg st="2" end="2"/>
+                                            </p:txEl>
+                                          </p:spTgt>
+                                        </p:tgtEl>
+                                        <p:attrNameLst>
+                                          <p:attrName>style.visibility</p:attrName>
+                                        </p:attrNameLst>
+                                      </p:cBhvr>
+                                      <p:to>
+                                        <p:strVal val="visible"/>
+                                      </p:to>
+                                    </p:set>
+                                  </p:childTnLst>
+                                </p:cTn>
+                              </p:par>
+                            </p:childTnLst>
+                          </p:cTn>
+                        </p:par>
+                      </p:childTnLst>
+                    </p:cTn>
+                  </p:par>
+                  <p:par>
+                    <p:cTn id="11" fill="hold">
+                      <p:stCondLst>
+                        <p:cond delay="indefinite"/>
+                      </p:stCondLst>
+                      <p:childTnLst>
+                        <p:par>
+                          <p:cTn id="12" fill="hold">
+                            <p:stCondLst>
+                              <p:cond delay="0"/>
+                            </p:stCondLst>
+                            <p:childTnLst>
+                              <p:par>
+                                <p:cTn id="13" presetID="1" presetClass="entr" presetSubtype="0" fill="hold" nodeType="clickEffect">
+                                  <p:stCondLst>
+                                    <p:cond delay="0"/>
+                                  </p:stCondLst>
+                                  <p:childTnLst>
+                                    <p:set>
+                                      <p:cBhvr>
+                                        <p:cTn id="14" dur="1" fill="hold">
+                                          <p:stCondLst>
+                                            <p:cond delay="0"/>
+                                          </p:stCondLst>
+                                        </p:cTn>
+                                        <p:tgtEl>
+                                          <p:spTgt spid="3">
+                                            <p:txEl>
+                                              <p:pRg st="4" end="4"/>
+                                            </p:txEl>
+                                          </p:spTgt>
+                                        </p:tgtEl>
+                                        <p:attrNameLst>
+                                          <p:attrName>style.visibility</p:attrName>
+                                        </p:attrNameLst>
+                                      </p:cBhvr>
+                                      <p:to>
+                                        <p:strVal val="visible"/>
+                                      </p:to>
+                                    </p:set>
+                                  </p:childTnLst>
+                                </p:cTn>
+                              </p:par>
+                            </p:childTnLst>
+                          </p:cTn>
+                        </p:par>
+                      </p:childTnLst>
+                    </p:cTn>
+                  </p:par>
+                </p:childTnLst>
+              </p:cTn>
+              <p:prevCondLst>
+                <p:cond evt="onPrev" delay="0">
+                  <p:tgtEl>
+                    <p:sldTgt/>
+                  </p:tgtEl>
+                </p:cond>
+              </p:prevCondLst>
+              <p:nextCondLst>
+                <p:cond evt="onNext" delay="0">
+                  <p:tgtEl>
+                    <p:sldTgt/>
+                  </p:tgtEl>
+                </p:cond>
+              </p:nextCondLst>
+            </p:seq>
+          </p:childTnLst>
+        </p:cTn>
+      </p:par>
+    </p:tnLst>
+  </p:timing>
+</p:sld>
+</file>
+
+<file path=ppt/slides/slide14.xml><?xml version="1.0" encoding="utf-8"?>
+<p:sld xmlns:a="http://schemas.openxmlformats.org/drawingml/2006/main" xmlns:r="http://schemas.openxmlformats.org/officeDocument/2006/relationships" xmlns:p="http://schemas.openxmlformats.org/presentationml/2006/main">
+  <p:cSld>
+    <p:spTree>
+      <p:nvGrpSpPr>
+        <p:cNvPr id="1" name=""/>
+        <p:cNvGrpSpPr/>
+        <p:nvPr/>
+      </p:nvGrpSpPr>
+      <p:grpSpPr>
+        <a:xfrm>
+          <a:off x="0" y="0"/>
+          <a:ext cx="0" cy="0"/>
+          <a:chOff x="0" y="0"/>
+          <a:chExt cx="0" cy="0"/>
+        </a:xfrm>
+      </p:grpSpPr>
+      <p:sp>
+        <p:nvSpPr>
+          <p:cNvPr id="2" name="Title 1">
+            <a:extLst>
+              <a:ext uri="{FF2B5EF4-FFF2-40B4-BE49-F238E27FC236}">
+                <a16:creationId xmlns:a16="http://schemas.microsoft.com/office/drawing/2014/main" id="{461957B1-D526-BDC6-206D-D825DE75F807}"/>
+              </a:ext>
+            </a:extLst>
+          </p:cNvPr>
+          <p:cNvSpPr>
+            <a:spLocks noGrp="1"/>
+          </p:cNvSpPr>
+          <p:nvPr>
+            <p:ph type="title"/>
+          </p:nvPr>
+        </p:nvSpPr>
+        <p:spPr/>
+        <p:txBody>
+          <a:bodyPr>
+            <a:normAutofit fontScale="90000"/>
+          </a:bodyPr>
+          <a:lstStyle/>
+          <a:p>
+            <a:r>
+              <a:rPr lang="en-US" dirty="0">
+                <a:solidFill>
+                  <a:schemeClr val="tx1"/>
+                </a:solidFill>
+              </a:rPr>
+              <a:t>The EM Algorithm</a:t>
+            </a:r>
+          </a:p>
+        </p:txBody>
+      </p:sp>
+      <p:sp>
+        <p:nvSpPr>
+          <p:cNvPr id="3" name="Text Placeholder 2">
+            <a:extLst>
+              <a:ext uri="{FF2B5EF4-FFF2-40B4-BE49-F238E27FC236}">
+                <a16:creationId xmlns:a16="http://schemas.microsoft.com/office/drawing/2014/main" id="{BD3A1ED6-DFDF-6231-630A-0C694451E1E3}"/>
+              </a:ext>
+            </a:extLst>
+          </p:cNvPr>
+          <p:cNvSpPr>
+            <a:spLocks noGrp="1"/>
+          </p:cNvSpPr>
+          <p:nvPr>
+            <p:ph type="body" idx="1"/>
+          </p:nvPr>
+        </p:nvSpPr>
+        <p:spPr/>
+        <p:txBody>
+          <a:bodyPr/>
+          <a:lstStyle/>
+          <a:p>
+            <a:pPr marL="114300" indent="0">
+              <a:buNone/>
+            </a:pPr>
+            <a:r>
+              <a:rPr lang="en-US" dirty="0">
+                <a:solidFill>
+                  <a:schemeClr val="tx1"/>
+                </a:solidFill>
+              </a:rPr>
+              <a:t>Step 1: Initialize model parameters to be random values</a:t>
+            </a:r>
+          </a:p>
+          <a:p>
+            <a:pPr marL="114300" indent="0">
+              <a:buNone/>
+            </a:pPr>
+            <a:endParaRPr lang="en-US" dirty="0">
+              <a:solidFill>
+                <a:schemeClr val="tx1"/>
+              </a:solidFill>
+            </a:endParaRPr>
+          </a:p>
+          <a:p>
+            <a:pPr marL="114300" indent="0">
+              <a:buNone/>
+            </a:pPr>
+            <a:r>
+              <a:rPr lang="en-US" dirty="0">
+                <a:solidFill>
+                  <a:schemeClr val="tx1"/>
+                </a:solidFill>
+              </a:rPr>
+              <a:t>Repeat:</a:t>
+            </a:r>
+          </a:p>
+          <a:p>
+            <a:pPr marL="114300" indent="0">
+              <a:buNone/>
+            </a:pPr>
+            <a:r>
+              <a:rPr lang="en-US" dirty="0">
+                <a:solidFill>
+                  <a:schemeClr val="tx1"/>
+                </a:solidFill>
+              </a:rPr>
+              <a:t>	Expectation Step: given model parameters, compute expected latent 				variables z.</a:t>
+            </a:r>
+          </a:p>
+          <a:p>
+            <a:pPr marL="114300" indent="0">
+              <a:buNone/>
+            </a:pPr>
+            <a:r>
+              <a:rPr lang="en-US" dirty="0">
+                <a:solidFill>
+                  <a:schemeClr val="tx1"/>
+                </a:solidFill>
+              </a:rPr>
+              <a:t>	</a:t>
+            </a:r>
+          </a:p>
+          <a:p>
+            <a:pPr marL="114300" indent="0">
+              <a:buNone/>
+            </a:pPr>
+            <a:r>
+              <a:rPr lang="en-US" dirty="0">
+                <a:solidFill>
+                  <a:schemeClr val="tx1"/>
+                </a:solidFill>
+              </a:rPr>
+              <a:t>	Maximization Step: Given latent variables z, compute model parameters 			most likely to result in z</a:t>
+            </a:r>
+          </a:p>
+        </p:txBody>
+      </p:sp>
+    </p:spTree>
+    <p:extLst>
+      <p:ext uri="{BB962C8B-B14F-4D97-AF65-F5344CB8AC3E}">
+        <p14:creationId xmlns:p14="http://schemas.microsoft.com/office/powerpoint/2010/main" val="20242207"/>
+      </p:ext>
+    </p:extLst>
+  </p:cSld>
+  <p:clrMapOvr>
+    <a:masterClrMapping/>
+  </p:clrMapOvr>
+</p:sld>
+</file>
+
+<file path=ppt/slides/slide15.xml><?xml version="1.0" encoding="utf-8"?>
 <p:sld xmlns:a="http://schemas.openxmlformats.org/drawingml/2006/main" xmlns:r="http://schemas.openxmlformats.org/officeDocument/2006/relationships" xmlns:p="http://schemas.openxmlformats.org/presentationml/2006/main">
   <p:cSld>
     <p:spTree>
@@ -8407,7 +11407,7 @@
 </p:sld>
 </file>
 
-<file path=ppt/slides/slide12.xml><?xml version="1.0" encoding="utf-8"?>
+<file path=ppt/slides/slide16.xml><?xml version="1.0" encoding="utf-8"?>
 <p:sld xmlns:a="http://schemas.openxmlformats.org/drawingml/2006/main" xmlns:r="http://schemas.openxmlformats.org/officeDocument/2006/relationships" xmlns:p="http://schemas.openxmlformats.org/presentationml/2006/main">
   <p:cSld>
     <p:spTree>
@@ -8597,7 +11597,572 @@
 </p:sld>
 </file>
 
+<file path=ppt/slides/slide17.xml><?xml version="1.0" encoding="utf-8"?>
+<p:sld xmlns:a="http://schemas.openxmlformats.org/drawingml/2006/main" xmlns:r="http://schemas.openxmlformats.org/officeDocument/2006/relationships" xmlns:p="http://schemas.openxmlformats.org/presentationml/2006/main">
+  <p:cSld>
+    <p:spTree>
+      <p:nvGrpSpPr>
+        <p:cNvPr id="1" name=""/>
+        <p:cNvGrpSpPr/>
+        <p:nvPr/>
+      </p:nvGrpSpPr>
+      <p:grpSpPr>
+        <a:xfrm>
+          <a:off x="0" y="0"/>
+          <a:ext cx="0" cy="0"/>
+          <a:chOff x="0" y="0"/>
+          <a:chExt cx="0" cy="0"/>
+        </a:xfrm>
+      </p:grpSpPr>
+      <p:sp>
+        <p:nvSpPr>
+          <p:cNvPr id="2" name="Title 1">
+            <a:extLst>
+              <a:ext uri="{FF2B5EF4-FFF2-40B4-BE49-F238E27FC236}">
+                <a16:creationId xmlns:a16="http://schemas.microsoft.com/office/drawing/2014/main" id="{B3AD693A-B63A-29FC-3D62-6C4B06675150}"/>
+              </a:ext>
+            </a:extLst>
+          </p:cNvPr>
+          <p:cNvSpPr>
+            <a:spLocks noGrp="1"/>
+          </p:cNvSpPr>
+          <p:nvPr>
+            <p:ph type="title"/>
+          </p:nvPr>
+        </p:nvSpPr>
+        <p:spPr/>
+        <p:txBody>
+          <a:bodyPr>
+            <a:normAutofit fontScale="90000"/>
+          </a:bodyPr>
+          <a:lstStyle/>
+          <a:p>
+            <a:r>
+              <a:rPr lang="en-US" dirty="0"/>
+              <a:t>Credit Card Transactions</a:t>
+            </a:r>
+          </a:p>
+        </p:txBody>
+      </p:sp>
+      <p:pic>
+        <p:nvPicPr>
+          <p:cNvPr id="5" name="Picture 4" descr="A close-up of a graph&#10;&#10;AI-generated content may be incorrect.">
+            <a:extLst>
+              <a:ext uri="{FF2B5EF4-FFF2-40B4-BE49-F238E27FC236}">
+                <a16:creationId xmlns:a16="http://schemas.microsoft.com/office/drawing/2014/main" id="{C979675D-583F-62AE-37E8-362A0BA4BBCC}"/>
+              </a:ext>
+            </a:extLst>
+          </p:cNvPr>
+          <p:cNvPicPr>
+            <a:picLocks noChangeAspect="1"/>
+          </p:cNvPicPr>
+          <p:nvPr/>
+        </p:nvPicPr>
+        <p:blipFill>
+          <a:blip r:embed="rId2"/>
+          <a:stretch>
+            <a:fillRect/>
+          </a:stretch>
+        </p:blipFill>
+        <p:spPr>
+          <a:xfrm>
+            <a:off x="685800" y="1481545"/>
+            <a:ext cx="7772400" cy="2881357"/>
+          </a:xfrm>
+          <a:prstGeom prst="rect">
+            <a:avLst/>
+          </a:prstGeom>
+        </p:spPr>
+      </p:pic>
+    </p:spTree>
+    <p:extLst>
+      <p:ext uri="{BB962C8B-B14F-4D97-AF65-F5344CB8AC3E}">
+        <p14:creationId xmlns:p14="http://schemas.microsoft.com/office/powerpoint/2010/main" val="930544011"/>
+      </p:ext>
+    </p:extLst>
+  </p:cSld>
+  <p:clrMapOvr>
+    <a:masterClrMapping/>
+  </p:clrMapOvr>
+</p:sld>
+</file>
+
 <file path=ppt/slides/slide2.xml><?xml version="1.0" encoding="utf-8"?>
+<p:sld xmlns:a="http://schemas.openxmlformats.org/drawingml/2006/main" xmlns:r="http://schemas.openxmlformats.org/officeDocument/2006/relationships" xmlns:p="http://schemas.openxmlformats.org/presentationml/2006/main">
+  <p:cSld>
+    <p:spTree>
+      <p:nvGrpSpPr>
+        <p:cNvPr id="1" name=""/>
+        <p:cNvGrpSpPr/>
+        <p:nvPr/>
+      </p:nvGrpSpPr>
+      <p:grpSpPr>
+        <a:xfrm>
+          <a:off x="0" y="0"/>
+          <a:ext cx="0" cy="0"/>
+          <a:chOff x="0" y="0"/>
+          <a:chExt cx="0" cy="0"/>
+        </a:xfrm>
+      </p:grpSpPr>
+      <p:sp>
+        <p:nvSpPr>
+          <p:cNvPr id="2" name="Title 1">
+            <a:extLst>
+              <a:ext uri="{FF2B5EF4-FFF2-40B4-BE49-F238E27FC236}">
+                <a16:creationId xmlns:a16="http://schemas.microsoft.com/office/drawing/2014/main" id="{239951C6-509B-DAF5-9B71-FB9173109696}"/>
+              </a:ext>
+            </a:extLst>
+          </p:cNvPr>
+          <p:cNvSpPr>
+            <a:spLocks noGrp="1"/>
+          </p:cNvSpPr>
+          <p:nvPr>
+            <p:ph type="title"/>
+          </p:nvPr>
+        </p:nvSpPr>
+        <p:spPr/>
+        <p:txBody>
+          <a:bodyPr>
+            <a:normAutofit fontScale="90000"/>
+          </a:bodyPr>
+          <a:lstStyle/>
+          <a:p>
+            <a:r>
+              <a:rPr lang="en-US" dirty="0"/>
+              <a:t>Discriminative and Generative Modeling</a:t>
+            </a:r>
+          </a:p>
+        </p:txBody>
+      </p:sp>
+      <mc:AlternateContent xmlns:mc="http://schemas.openxmlformats.org/markup-compatibility/2006" xmlns:a14="http://schemas.microsoft.com/office/drawing/2010/main">
+        <mc:Choice Requires="a14">
+          <p:sp>
+            <p:nvSpPr>
+              <p:cNvPr id="3" name="Text Placeholder 2">
+                <a:extLst>
+                  <a:ext uri="{FF2B5EF4-FFF2-40B4-BE49-F238E27FC236}">
+                    <a16:creationId xmlns:a16="http://schemas.microsoft.com/office/drawing/2014/main" id="{3C27EEE0-08DA-70E9-ABA7-04713EFBA556}"/>
+                  </a:ext>
+                </a:extLst>
+              </p:cNvPr>
+              <p:cNvSpPr>
+                <a:spLocks noGrp="1"/>
+              </p:cNvSpPr>
+              <p:nvPr>
+                <p:ph type="body" idx="1"/>
+              </p:nvPr>
+            </p:nvSpPr>
+            <p:spPr/>
+            <p:txBody>
+              <a:bodyPr/>
+              <a:lstStyle/>
+              <a:p>
+                <a:pPr marL="114300" indent="0">
+                  <a:buNone/>
+                </a:pPr>
+                <a:r>
+                  <a:rPr lang="en-US" dirty="0">
+                    <a:solidFill>
+                      <a:schemeClr val="tx1"/>
+                    </a:solidFill>
+                  </a:rPr>
+                  <a:t>Discriminative models seek to learn conditional probability:</a:t>
+                </a:r>
+              </a:p>
+              <a:p>
+                <a:pPr marL="114300" indent="0" algn="ctr">
+                  <a:buNone/>
+                </a:pPr>
+                <a14:m>
+                  <m:oMathPara xmlns:m="http://schemas.openxmlformats.org/officeDocument/2006/math">
+                    <m:oMathParaPr>
+                      <m:jc m:val="centerGroup"/>
+                    </m:oMathParaPr>
+                    <m:oMath xmlns:m="http://schemas.openxmlformats.org/officeDocument/2006/math">
+                      <m:r>
+                        <a:rPr lang="en-US" i="1" dirty="0" smtClean="0">
+                          <a:solidFill>
+                            <a:schemeClr val="tx1"/>
+                          </a:solidFill>
+                          <a:latin typeface="Cambria Math" panose="02040503050406030204" pitchFamily="18" charset="0"/>
+                        </a:rPr>
+                        <m:t>𝑃</m:t>
+                      </m:r>
+                      <m:r>
+                        <a:rPr lang="en-US" i="1" dirty="0" smtClean="0">
+                          <a:solidFill>
+                            <a:schemeClr val="tx1"/>
+                          </a:solidFill>
+                          <a:latin typeface="Cambria Math" panose="02040503050406030204" pitchFamily="18" charset="0"/>
+                        </a:rPr>
+                        <m:t>(</m:t>
+                      </m:r>
+                      <m:r>
+                        <a:rPr lang="en-US" i="1" dirty="0" err="1" smtClean="0">
+                          <a:solidFill>
+                            <a:schemeClr val="tx1"/>
+                          </a:solidFill>
+                          <a:latin typeface="Cambria Math" panose="02040503050406030204" pitchFamily="18" charset="0"/>
+                        </a:rPr>
+                        <m:t>𝑦</m:t>
+                      </m:r>
+                      <m:r>
+                        <a:rPr lang="en-US" i="1" dirty="0" err="1" smtClean="0">
+                          <a:solidFill>
+                            <a:schemeClr val="tx1"/>
+                          </a:solidFill>
+                          <a:latin typeface="Cambria Math" panose="02040503050406030204" pitchFamily="18" charset="0"/>
+                        </a:rPr>
+                        <m:t>|</m:t>
+                      </m:r>
+                      <m:r>
+                        <a:rPr lang="en-US" i="1" dirty="0" err="1" smtClean="0">
+                          <a:solidFill>
+                            <a:schemeClr val="tx1"/>
+                          </a:solidFill>
+                          <a:latin typeface="Cambria Math" panose="02040503050406030204" pitchFamily="18" charset="0"/>
+                        </a:rPr>
+                        <m:t>𝑥</m:t>
+                      </m:r>
+                      <m:r>
+                        <a:rPr lang="en-US" i="1" dirty="0">
+                          <a:solidFill>
+                            <a:schemeClr val="tx1"/>
+                          </a:solidFill>
+                          <a:latin typeface="Cambria Math" panose="02040503050406030204" pitchFamily="18" charset="0"/>
+                        </a:rPr>
+                        <m:t>)</m:t>
+                      </m:r>
+                    </m:oMath>
+                  </m:oMathPara>
+                </a14:m>
+                <a:endParaRPr lang="en-US" dirty="0">
+                  <a:solidFill>
+                    <a:schemeClr val="tx1"/>
+                  </a:solidFill>
+                </a:endParaRPr>
+              </a:p>
+              <a:p>
+                <a:pPr marL="114300" indent="0">
+                  <a:buNone/>
+                </a:pPr>
+                <a:endParaRPr lang="en-US" dirty="0">
+                  <a:solidFill>
+                    <a:schemeClr val="tx1"/>
+                  </a:solidFill>
+                </a:endParaRPr>
+              </a:p>
+              <a:p>
+                <a:pPr marL="114300" indent="0">
+                  <a:buNone/>
+                </a:pPr>
+                <a:endParaRPr lang="en-US" dirty="0">
+                  <a:solidFill>
+                    <a:schemeClr val="tx1"/>
+                  </a:solidFill>
+                </a:endParaRPr>
+              </a:p>
+              <a:p>
+                <a:pPr marL="114300" indent="0">
+                  <a:buNone/>
+                </a:pPr>
+                <a:r>
+                  <a:rPr lang="en-US" dirty="0">
+                    <a:solidFill>
+                      <a:schemeClr val="tx1"/>
+                    </a:solidFill>
+                  </a:rPr>
+                  <a:t>Generative models seek to learn probability distribution:</a:t>
+                </a:r>
+              </a:p>
+              <a:p>
+                <a:pPr marL="114300" indent="0">
+                  <a:buNone/>
+                </a:pPr>
+                <a14:m>
+                  <m:oMathPara xmlns:m="http://schemas.openxmlformats.org/officeDocument/2006/math">
+                    <m:oMathParaPr>
+                      <m:jc m:val="centerGroup"/>
+                    </m:oMathParaPr>
+                    <m:oMath xmlns:m="http://schemas.openxmlformats.org/officeDocument/2006/math">
+                      <m:r>
+                        <a:rPr lang="en-US" b="0" i="1" smtClean="0">
+                          <a:solidFill>
+                            <a:schemeClr val="tx1"/>
+                          </a:solidFill>
+                          <a:latin typeface="Cambria Math" panose="02040503050406030204" pitchFamily="18" charset="0"/>
+                        </a:rPr>
+                        <m:t>𝑃</m:t>
+                      </m:r>
+                      <m:r>
+                        <a:rPr lang="en-US" b="0" i="1" smtClean="0">
+                          <a:solidFill>
+                            <a:schemeClr val="tx1"/>
+                          </a:solidFill>
+                          <a:latin typeface="Cambria Math" panose="02040503050406030204" pitchFamily="18" charset="0"/>
+                        </a:rPr>
+                        <m:t>(</m:t>
+                      </m:r>
+                      <m:r>
+                        <a:rPr lang="en-US" b="0" i="1" smtClean="0">
+                          <a:solidFill>
+                            <a:schemeClr val="tx1"/>
+                          </a:solidFill>
+                          <a:latin typeface="Cambria Math" panose="02040503050406030204" pitchFamily="18" charset="0"/>
+                        </a:rPr>
+                        <m:t>𝑥</m:t>
+                      </m:r>
+                      <m:r>
+                        <a:rPr lang="en-US" b="0" i="1" smtClean="0">
+                          <a:solidFill>
+                            <a:schemeClr val="tx1"/>
+                          </a:solidFill>
+                          <a:latin typeface="Cambria Math" panose="02040503050406030204" pitchFamily="18" charset="0"/>
+                        </a:rPr>
+                        <m:t>)</m:t>
+                      </m:r>
+                    </m:oMath>
+                  </m:oMathPara>
+                </a14:m>
+                <a:endParaRPr lang="en-US" dirty="0">
+                  <a:solidFill>
+                    <a:schemeClr val="tx1"/>
+                  </a:solidFill>
+                </a:endParaRPr>
+              </a:p>
+            </p:txBody>
+          </p:sp>
+        </mc:Choice>
+        <mc:Fallback xmlns="">
+          <p:sp>
+            <p:nvSpPr>
+              <p:cNvPr id="3" name="Text Placeholder 2">
+                <a:extLst>
+                  <a:ext uri="{FF2B5EF4-FFF2-40B4-BE49-F238E27FC236}">
+                    <a16:creationId xmlns:a16="http://schemas.microsoft.com/office/drawing/2014/main" id="{3C27EEE0-08DA-70E9-ABA7-04713EFBA556}"/>
+                  </a:ext>
+                </a:extLst>
+              </p:cNvPr>
+              <p:cNvSpPr>
+                <a:spLocks noGrp="1" noRot="1" noChangeAspect="1" noMove="1" noResize="1" noEditPoints="1" noAdjustHandles="1" noChangeArrowheads="1" noChangeShapeType="1" noTextEdit="1"/>
+              </p:cNvSpPr>
+              <p:nvPr>
+                <p:ph type="body" idx="1"/>
+              </p:nvPr>
+            </p:nvSpPr>
+            <p:spPr>
+              <a:blipFill>
+                <a:blip r:embed="rId2"/>
+                <a:stretch>
+                  <a:fillRect/>
+                </a:stretch>
+              </a:blipFill>
+            </p:spPr>
+            <p:txBody>
+              <a:bodyPr/>
+              <a:lstStyle/>
+              <a:p>
+                <a:r>
+                  <a:rPr lang="en-US">
+                    <a:noFill/>
+                  </a:rPr>
+                  <a:t> </a:t>
+                </a:r>
+              </a:p>
+            </p:txBody>
+          </p:sp>
+        </mc:Fallback>
+      </mc:AlternateContent>
+      <p:cxnSp>
+        <p:nvCxnSpPr>
+          <p:cNvPr id="5" name="Straight Arrow Connector 4">
+            <a:extLst>
+              <a:ext uri="{FF2B5EF4-FFF2-40B4-BE49-F238E27FC236}">
+                <a16:creationId xmlns:a16="http://schemas.microsoft.com/office/drawing/2014/main" id="{5202D0D8-EF9B-7795-E42F-1079B8CF8BD1}"/>
+              </a:ext>
+            </a:extLst>
+          </p:cNvPr>
+          <p:cNvCxnSpPr>
+            <a:cxnSpLocks/>
+            <a:stCxn id="6" idx="0"/>
+          </p:cNvCxnSpPr>
+          <p:nvPr/>
+        </p:nvCxnSpPr>
+        <p:spPr>
+          <a:xfrm flipV="1">
+            <a:off x="4443040" y="1820091"/>
+            <a:ext cx="128960" cy="313510"/>
+          </a:xfrm>
+          <a:prstGeom prst="straightConnector1">
+            <a:avLst/>
+          </a:prstGeom>
+          <a:ln>
+            <a:tailEnd type="triangle"/>
+          </a:ln>
+        </p:spPr>
+        <p:style>
+          <a:lnRef idx="1">
+            <a:schemeClr val="dk1"/>
+          </a:lnRef>
+          <a:fillRef idx="0">
+            <a:schemeClr val="dk1"/>
+          </a:fillRef>
+          <a:effectRef idx="0">
+            <a:schemeClr val="dk1"/>
+          </a:effectRef>
+          <a:fontRef idx="minor">
+            <a:schemeClr val="tx1"/>
+          </a:fontRef>
+        </p:style>
+      </p:cxnSp>
+      <p:sp>
+        <p:nvSpPr>
+          <p:cNvPr id="6" name="TextBox 5">
+            <a:extLst>
+              <a:ext uri="{FF2B5EF4-FFF2-40B4-BE49-F238E27FC236}">
+                <a16:creationId xmlns:a16="http://schemas.microsoft.com/office/drawing/2014/main" id="{364238CF-788E-FECE-4438-1B8B67CB347E}"/>
+              </a:ext>
+            </a:extLst>
+          </p:cNvPr>
+          <p:cNvSpPr txBox="1"/>
+          <p:nvPr/>
+        </p:nvSpPr>
+        <p:spPr>
+          <a:xfrm>
+            <a:off x="2185851" y="2133601"/>
+            <a:ext cx="4514377" cy="307777"/>
+          </a:xfrm>
+          <a:prstGeom prst="rect">
+            <a:avLst/>
+          </a:prstGeom>
+          <a:solidFill>
+            <a:srgbClr val="FFC000"/>
+          </a:solidFill>
+          <a:ln>
+            <a:solidFill>
+              <a:srgbClr val="FF0000"/>
+            </a:solidFill>
+          </a:ln>
+        </p:spPr>
+        <p:txBody>
+          <a:bodyPr wrap="none" rtlCol="0">
+            <a:spAutoFit/>
+          </a:bodyPr>
+          <a:lstStyle/>
+          <a:p>
+            <a:r>
+              <a:rPr lang="en-US" dirty="0"/>
+              <a:t>How likely is each label y, given some set of features x</a:t>
+            </a:r>
+          </a:p>
+        </p:txBody>
+      </p:sp>
+      <p:cxnSp>
+        <p:nvCxnSpPr>
+          <p:cNvPr id="9" name="Straight Arrow Connector 8">
+            <a:extLst>
+              <a:ext uri="{FF2B5EF4-FFF2-40B4-BE49-F238E27FC236}">
+                <a16:creationId xmlns:a16="http://schemas.microsoft.com/office/drawing/2014/main" id="{ADE91A43-31C8-48DA-641B-E3724A7C5169}"/>
+              </a:ext>
+            </a:extLst>
+          </p:cNvPr>
+          <p:cNvCxnSpPr>
+            <a:cxnSpLocks/>
+            <a:stCxn id="10" idx="0"/>
+          </p:cNvCxnSpPr>
+          <p:nvPr/>
+        </p:nvCxnSpPr>
+        <p:spPr>
+          <a:xfrm flipV="1">
+            <a:off x="4422911" y="3114727"/>
+            <a:ext cx="20129" cy="313510"/>
+          </a:xfrm>
+          <a:prstGeom prst="straightConnector1">
+            <a:avLst/>
+          </a:prstGeom>
+          <a:ln>
+            <a:tailEnd type="triangle"/>
+          </a:ln>
+        </p:spPr>
+        <p:style>
+          <a:lnRef idx="1">
+            <a:schemeClr val="dk1"/>
+          </a:lnRef>
+          <a:fillRef idx="0">
+            <a:schemeClr val="dk1"/>
+          </a:fillRef>
+          <a:effectRef idx="0">
+            <a:schemeClr val="dk1"/>
+          </a:effectRef>
+          <a:fontRef idx="minor">
+            <a:schemeClr val="tx1"/>
+          </a:fontRef>
+        </p:style>
+      </p:cxnSp>
+      <p:sp>
+        <p:nvSpPr>
+          <p:cNvPr id="10" name="TextBox 9">
+            <a:extLst>
+              <a:ext uri="{FF2B5EF4-FFF2-40B4-BE49-F238E27FC236}">
+                <a16:creationId xmlns:a16="http://schemas.microsoft.com/office/drawing/2014/main" id="{0C77763C-27E8-DF64-19A3-894E87B8B180}"/>
+              </a:ext>
+            </a:extLst>
+          </p:cNvPr>
+          <p:cNvSpPr txBox="1"/>
+          <p:nvPr/>
+        </p:nvSpPr>
+        <p:spPr>
+          <a:xfrm>
+            <a:off x="3130730" y="3428237"/>
+            <a:ext cx="2584362" cy="307777"/>
+          </a:xfrm>
+          <a:prstGeom prst="rect">
+            <a:avLst/>
+          </a:prstGeom>
+          <a:solidFill>
+            <a:srgbClr val="FFC000"/>
+          </a:solidFill>
+          <a:ln>
+            <a:solidFill>
+              <a:srgbClr val="FF0000"/>
+            </a:solidFill>
+          </a:ln>
+        </p:spPr>
+        <p:txBody>
+          <a:bodyPr wrap="none" rtlCol="0">
+            <a:spAutoFit/>
+          </a:bodyPr>
+          <a:lstStyle/>
+          <a:p>
+            <a:r>
+              <a:rPr lang="en-US" dirty="0"/>
+              <a:t>How likely each data point </a:t>
+            </a:r>
+            <a:r>
+              <a:rPr lang="en-US" i="1" dirty="0"/>
+              <a:t>x </a:t>
+            </a:r>
+            <a:r>
+              <a:rPr lang="en-US" dirty="0"/>
+              <a:t>is</a:t>
+            </a:r>
+          </a:p>
+        </p:txBody>
+      </p:sp>
+    </p:spTree>
+    <p:extLst>
+      <p:ext uri="{BB962C8B-B14F-4D97-AF65-F5344CB8AC3E}">
+        <p14:creationId xmlns:p14="http://schemas.microsoft.com/office/powerpoint/2010/main" val="4205504787"/>
+      </p:ext>
+    </p:extLst>
+  </p:cSld>
+  <p:clrMapOvr>
+    <a:masterClrMapping/>
+  </p:clrMapOvr>
+</p:sld>
+</file>
+
+<file path=ppt/slides/slide3.xml><?xml version="1.0" encoding="utf-8"?>
 <p:sld xmlns:a="http://schemas.openxmlformats.org/drawingml/2006/main" xmlns:r="http://schemas.openxmlformats.org/officeDocument/2006/relationships" xmlns:p="http://schemas.openxmlformats.org/presentationml/2006/main">
   <p:cSld>
     <p:spTree>
@@ -8638,7 +12203,11 @@
           <a:lstStyle/>
           <a:p>
             <a:r>
-              <a:rPr lang="en-US" dirty="0"/>
+              <a:rPr lang="en-US" dirty="0">
+                <a:solidFill>
+                  <a:schemeClr val="tx1"/>
+                </a:solidFill>
+              </a:rPr>
               <a:t>Generative Modeling</a:t>
             </a:r>
           </a:p>
@@ -8671,7 +12240,11 @@
                   <a:buNone/>
                 </a:pPr>
                 <a:r>
-                  <a:rPr lang="en-US" dirty="0"/>
+                  <a:rPr lang="en-US" dirty="0">
+                    <a:solidFill>
+                      <a:schemeClr val="tx1"/>
+                    </a:solidFill>
+                  </a:rPr>
                   <a:t>Use cases of generative models:</a:t>
                 </a:r>
               </a:p>
@@ -8681,7 +12254,11 @@
                   <a:buAutoNum type="arabicPeriod"/>
                 </a:pPr>
                 <a:r>
-                  <a:rPr lang="en-US" dirty="0"/>
+                  <a:rPr lang="en-US" dirty="0">
+                    <a:solidFill>
+                      <a:schemeClr val="tx1"/>
+                    </a:solidFill>
+                  </a:rPr>
                   <a:t>Generating new data: If the underlying distribution </a:t>
                 </a:r>
                 <a14:m>
@@ -8721,7 +12298,11 @@
                   </m:oMath>
                 </a14:m>
                 <a:r>
-                  <a:rPr lang="en-US" dirty="0"/>
+                  <a:rPr lang="en-US" dirty="0">
+                    <a:solidFill>
+                      <a:schemeClr val="tx1"/>
+                    </a:solidFill>
+                  </a:rPr>
                   <a:t> is known, then you can sample from that distribution new data points with high probability.</a:t>
                 </a:r>
               </a:p>
@@ -8730,21 +12311,33 @@
                   <a:buFont typeface="Arial"/>
                   <a:buAutoNum type="arabicPeriod"/>
                 </a:pPr>
-                <a:endParaRPr lang="en-US" dirty="0"/>
+                <a:endParaRPr lang="en-US" dirty="0">
+                  <a:solidFill>
+                    <a:schemeClr val="tx1"/>
+                  </a:solidFill>
+                </a:endParaRPr>
               </a:p>
               <a:p>
                 <a:pPr>
                   <a:buFont typeface="Arial"/>
                   <a:buAutoNum type="arabicPeriod"/>
                 </a:pPr>
-                <a:endParaRPr lang="en-US" dirty="0"/>
+                <a:endParaRPr lang="en-US" dirty="0">
+                  <a:solidFill>
+                    <a:schemeClr val="tx1"/>
+                  </a:solidFill>
+                </a:endParaRPr>
               </a:p>
               <a:p>
                 <a:pPr>
                   <a:buFont typeface="Arial"/>
                   <a:buAutoNum type="arabicPeriod"/>
                 </a:pPr>
-                <a:endParaRPr lang="en-US" dirty="0"/>
+                <a:endParaRPr lang="en-US" dirty="0">
+                  <a:solidFill>
+                    <a:schemeClr val="tx1"/>
+                  </a:solidFill>
+                </a:endParaRPr>
               </a:p>
               <a:p>
                 <a:pPr>
@@ -8752,7 +12345,11 @@
                   <a:buAutoNum type="arabicPeriod"/>
                 </a:pPr>
                 <a:r>
-                  <a:rPr lang="en-US" dirty="0"/>
+                  <a:rPr lang="en-US" dirty="0">
+                    <a:solidFill>
+                      <a:schemeClr val="tx1"/>
+                    </a:solidFill>
+                  </a:rPr>
                   <a:t>Anomaly Detection: identify events (data points) that were very unlikely given the underlying distribution </a:t>
                 </a:r>
                 <a14:m>
@@ -8792,7 +12389,11 @@
                   </m:oMath>
                 </a14:m>
                 <a:r>
-                  <a:rPr lang="en-US" dirty="0"/>
+                  <a:rPr lang="en-US" dirty="0">
+                    <a:solidFill>
+                      <a:schemeClr val="tx1"/>
+                    </a:solidFill>
+                  </a:rPr>
                   <a:t> </a:t>
                 </a:r>
               </a:p>
@@ -8875,7 +12476,11 @@
           <a:lstStyle/>
           <a:p>
             <a:r>
-              <a:rPr lang="en-US" dirty="0"/>
+              <a:rPr lang="en-US" dirty="0">
+                <a:solidFill>
+                  <a:schemeClr val="tx1"/>
+                </a:solidFill>
+              </a:rPr>
               <a:t>Language modeling models the distribution of next tokens (words) given some initial set of words</a:t>
             </a:r>
           </a:p>
@@ -8917,7 +12522,11 @@
           <a:lstStyle/>
           <a:p>
             <a:r>
-              <a:rPr lang="en-US" dirty="0"/>
+              <a:rPr lang="en-US" dirty="0">
+                <a:solidFill>
+                  <a:schemeClr val="tx1"/>
+                </a:solidFill>
+              </a:rPr>
               <a:t>Most image generators model the probability distribution of images and sample new images from this distribution</a:t>
             </a:r>
           </a:p>
@@ -8959,15 +12568,27 @@
           <a:lstStyle/>
           <a:p>
             <a:r>
-              <a:rPr lang="en-US" dirty="0"/>
+              <a:rPr lang="en-US" dirty="0">
+                <a:solidFill>
+                  <a:schemeClr val="tx1"/>
+                </a:solidFill>
+              </a:rPr>
               <a:t>Credit card fraud detection requires identifying transactions that individuals were </a:t>
             </a:r>
             <a:r>
-              <a:rPr lang="en-US" i="1" dirty="0"/>
+              <a:rPr lang="en-US" i="1" dirty="0">
+                <a:solidFill>
+                  <a:schemeClr val="tx1"/>
+                </a:solidFill>
+              </a:rPr>
               <a:t>unlikely </a:t>
             </a:r>
             <a:r>
-              <a:rPr lang="en-US" dirty="0"/>
+              <a:rPr lang="en-US" dirty="0">
+                <a:solidFill>
+                  <a:schemeClr val="tx1"/>
+                </a:solidFill>
+              </a:rPr>
               <a:t>to make</a:t>
             </a:r>
           </a:p>
@@ -9034,15 +12655,33 @@
                                   </p:childTnLst>
                                 </p:cTn>
                               </p:par>
+                            </p:childTnLst>
+                          </p:cTn>
+                        </p:par>
+                      </p:childTnLst>
+                    </p:cTn>
+                  </p:par>
+                  <p:par>
+                    <p:cTn id="7" fill="hold">
+                      <p:stCondLst>
+                        <p:cond delay="indefinite"/>
+                      </p:stCondLst>
+                      <p:childTnLst>
+                        <p:par>
+                          <p:cTn id="8" fill="hold">
+                            <p:stCondLst>
+                              <p:cond delay="0"/>
+                            </p:stCondLst>
+                            <p:childTnLst>
                               <p:par>
-                                <p:cTn id="7" presetID="1" presetClass="entr" presetSubtype="0" fill="hold" nodeType="withEffect">
+                                <p:cTn id="9" presetID="1" presetClass="entr" presetSubtype="0" fill="hold" nodeType="clickEffect">
                                   <p:stCondLst>
                                     <p:cond delay="0"/>
                                   </p:stCondLst>
                                   <p:childTnLst>
                                     <p:set>
                                       <p:cBhvr>
-                                        <p:cTn id="8" dur="1" fill="hold">
+                                        <p:cTn id="10" dur="1" fill="hold">
                                           <p:stCondLst>
                                             <p:cond delay="0"/>
                                           </p:stCondLst>
@@ -9072,116 +12711,26 @@
                     </p:cTn>
                   </p:par>
                   <p:par>
-                    <p:cTn id="9" fill="hold">
+                    <p:cTn id="11" fill="hold">
                       <p:stCondLst>
                         <p:cond delay="indefinite"/>
                       </p:stCondLst>
                       <p:childTnLst>
                         <p:par>
-                          <p:cTn id="10" fill="hold">
+                          <p:cTn id="12" fill="hold">
                             <p:stCondLst>
                               <p:cond delay="0"/>
                             </p:stCondLst>
                             <p:childTnLst>
                               <p:par>
-                                <p:cTn id="11" presetID="1" presetClass="entr" presetSubtype="0" fill="hold" grpId="0" nodeType="clickEffect">
+                                <p:cTn id="13" presetID="1" presetClass="entr" presetSubtype="0" fill="hold" nodeType="clickEffect">
                                   <p:stCondLst>
                                     <p:cond delay="0"/>
                                   </p:stCondLst>
                                   <p:childTnLst>
                                     <p:set>
                                       <p:cBhvr>
-                                        <p:cTn id="12" dur="1" fill="hold">
-                                          <p:stCondLst>
-                                            <p:cond delay="0"/>
-                                          </p:stCondLst>
-                                        </p:cTn>
-                                        <p:tgtEl>
-                                          <p:spTgt spid="4"/>
-                                        </p:tgtEl>
-                                        <p:attrNameLst>
-                                          <p:attrName>style.visibility</p:attrName>
-                                        </p:attrNameLst>
-                                      </p:cBhvr>
-                                      <p:to>
-                                        <p:strVal val="visible"/>
-                                      </p:to>
-                                    </p:set>
-                                  </p:childTnLst>
-                                </p:cTn>
-                              </p:par>
-                            </p:childTnLst>
-                          </p:cTn>
-                        </p:par>
-                      </p:childTnLst>
-                    </p:cTn>
-                  </p:par>
-                  <p:par>
-                    <p:cTn id="13" fill="hold">
-                      <p:stCondLst>
-                        <p:cond delay="indefinite"/>
-                      </p:stCondLst>
-                      <p:childTnLst>
-                        <p:par>
-                          <p:cTn id="14" fill="hold">
-                            <p:stCondLst>
-                              <p:cond delay="0"/>
-                            </p:stCondLst>
-                            <p:childTnLst>
-                              <p:par>
-                                <p:cTn id="15" presetID="1" presetClass="entr" presetSubtype="0" fill="hold" grpId="0" nodeType="clickEffect">
-                                  <p:stCondLst>
-                                    <p:cond delay="0"/>
-                                  </p:stCondLst>
-                                  <p:childTnLst>
-                                    <p:set>
-                                      <p:cBhvr>
-                                        <p:cTn id="16" dur="1" fill="hold">
-                                          <p:stCondLst>
-                                            <p:cond delay="0"/>
-                                          </p:stCondLst>
-                                        </p:cTn>
-                                        <p:tgtEl>
-                                          <p:spTgt spid="5"/>
-                                        </p:tgtEl>
-                                        <p:attrNameLst>
-                                          <p:attrName>style.visibility</p:attrName>
-                                        </p:attrNameLst>
-                                      </p:cBhvr>
-                                      <p:to>
-                                        <p:strVal val="visible"/>
-                                      </p:to>
-                                    </p:set>
-                                  </p:childTnLst>
-                                </p:cTn>
-                              </p:par>
-                            </p:childTnLst>
-                          </p:cTn>
-                        </p:par>
-                      </p:childTnLst>
-                    </p:cTn>
-                  </p:par>
-                  <p:par>
-                    <p:cTn id="17" fill="hold">
-                      <p:stCondLst>
-                        <p:cond delay="indefinite"/>
-                      </p:stCondLst>
-                      <p:childTnLst>
-                        <p:par>
-                          <p:cTn id="18" fill="hold">
-                            <p:stCondLst>
-                              <p:cond delay="0"/>
-                            </p:stCondLst>
-                            <p:childTnLst>
-                              <p:par>
-                                <p:cTn id="19" presetID="1" presetClass="entr" presetSubtype="0" fill="hold" nodeType="clickEffect">
-                                  <p:stCondLst>
-                                    <p:cond delay="0"/>
-                                  </p:stCondLst>
-                                  <p:childTnLst>
-                                    <p:set>
-                                      <p:cBhvr>
-                                        <p:cTn id="20" dur="1" fill="hold">
+                                        <p:cTn id="14" dur="1" fill="hold">
                                           <p:stCondLst>
                                             <p:cond delay="0"/>
                                           </p:stCondLst>
@@ -9211,26 +12760,116 @@
                     </p:cTn>
                   </p:par>
                   <p:par>
-                    <p:cTn id="21" fill="hold">
+                    <p:cTn id="15" fill="hold">
                       <p:stCondLst>
                         <p:cond delay="indefinite"/>
                       </p:stCondLst>
                       <p:childTnLst>
                         <p:par>
-                          <p:cTn id="22" fill="hold">
+                          <p:cTn id="16" fill="hold">
                             <p:stCondLst>
                               <p:cond delay="0"/>
                             </p:stCondLst>
                             <p:childTnLst>
                               <p:par>
-                                <p:cTn id="23" presetID="1" presetClass="entr" presetSubtype="0" fill="hold" grpId="0" nodeType="clickEffect">
+                                <p:cTn id="17" presetID="1" presetClass="entr" presetSubtype="0" fill="hold" grpId="0" nodeType="clickEffect">
                                   <p:stCondLst>
                                     <p:cond delay="0"/>
                                   </p:stCondLst>
                                   <p:childTnLst>
                                     <p:set>
                                       <p:cBhvr>
-                                        <p:cTn id="24" dur="1" fill="hold">
+                                        <p:cTn id="18" dur="1" fill="hold">
+                                          <p:stCondLst>
+                                            <p:cond delay="0"/>
+                                          </p:stCondLst>
+                                        </p:cTn>
+                                        <p:tgtEl>
+                                          <p:spTgt spid="4"/>
+                                        </p:tgtEl>
+                                        <p:attrNameLst>
+                                          <p:attrName>style.visibility</p:attrName>
+                                        </p:attrNameLst>
+                                      </p:cBhvr>
+                                      <p:to>
+                                        <p:strVal val="visible"/>
+                                      </p:to>
+                                    </p:set>
+                                  </p:childTnLst>
+                                </p:cTn>
+                              </p:par>
+                            </p:childTnLst>
+                          </p:cTn>
+                        </p:par>
+                      </p:childTnLst>
+                    </p:cTn>
+                  </p:par>
+                  <p:par>
+                    <p:cTn id="19" fill="hold">
+                      <p:stCondLst>
+                        <p:cond delay="indefinite"/>
+                      </p:stCondLst>
+                      <p:childTnLst>
+                        <p:par>
+                          <p:cTn id="20" fill="hold">
+                            <p:stCondLst>
+                              <p:cond delay="0"/>
+                            </p:stCondLst>
+                            <p:childTnLst>
+                              <p:par>
+                                <p:cTn id="21" presetID="1" presetClass="entr" presetSubtype="0" fill="hold" grpId="0" nodeType="clickEffect">
+                                  <p:stCondLst>
+                                    <p:cond delay="0"/>
+                                  </p:stCondLst>
+                                  <p:childTnLst>
+                                    <p:set>
+                                      <p:cBhvr>
+                                        <p:cTn id="22" dur="1" fill="hold">
+                                          <p:stCondLst>
+                                            <p:cond delay="0"/>
+                                          </p:stCondLst>
+                                        </p:cTn>
+                                        <p:tgtEl>
+                                          <p:spTgt spid="5"/>
+                                        </p:tgtEl>
+                                        <p:attrNameLst>
+                                          <p:attrName>style.visibility</p:attrName>
+                                        </p:attrNameLst>
+                                      </p:cBhvr>
+                                      <p:to>
+                                        <p:strVal val="visible"/>
+                                      </p:to>
+                                    </p:set>
+                                  </p:childTnLst>
+                                </p:cTn>
+                              </p:par>
+                            </p:childTnLst>
+                          </p:cTn>
+                        </p:par>
+                      </p:childTnLst>
+                    </p:cTn>
+                  </p:par>
+                  <p:par>
+                    <p:cTn id="23" fill="hold">
+                      <p:stCondLst>
+                        <p:cond delay="indefinite"/>
+                      </p:stCondLst>
+                      <p:childTnLst>
+                        <p:par>
+                          <p:cTn id="24" fill="hold">
+                            <p:stCondLst>
+                              <p:cond delay="0"/>
+                            </p:stCondLst>
+                            <p:childTnLst>
+                              <p:par>
+                                <p:cTn id="25" presetID="1" presetClass="entr" presetSubtype="0" fill="hold" grpId="0" nodeType="clickEffect">
+                                  <p:stCondLst>
+                                    <p:cond delay="0"/>
+                                  </p:stCondLst>
+                                  <p:childTnLst>
+                                    <p:set>
+                                      <p:cBhvr>
+                                        <p:cTn id="26" dur="1" fill="hold">
                                           <p:stCondLst>
                                             <p:cond delay="0"/>
                                           </p:stCondLst>
@@ -9285,7 +12924,7 @@
 </p:sld>
 </file>
 
-<file path=ppt/slides/slide3.xml><?xml version="1.0" encoding="utf-8"?>
+<file path=ppt/slides/slide4.xml><?xml version="1.0" encoding="utf-8"?>
 <p:sld xmlns:a="http://schemas.openxmlformats.org/drawingml/2006/main" xmlns:r="http://schemas.openxmlformats.org/officeDocument/2006/relationships" xmlns:p="http://schemas.openxmlformats.org/presentationml/2006/main">
   <p:cSld>
     <p:spTree>
@@ -9332,8 +12971,8 @@
           </a:p>
         </p:txBody>
       </p:sp>
-      <mc:AlternateContent xmlns:mc="http://schemas.openxmlformats.org/markup-compatibility/2006">
-        <mc:Choice xmlns:a14="http://schemas.microsoft.com/office/drawing/2010/main" Requires="a14">
+      <mc:AlternateContent xmlns:mc="http://schemas.openxmlformats.org/markup-compatibility/2006" xmlns:a14="http://schemas.microsoft.com/office/drawing/2010/main">
+        <mc:Choice Requires="a14">
           <p:sp>
             <p:nvSpPr>
               <p:cNvPr id="3" name="Text Placeholder 2">
@@ -9754,7 +13393,7 @@
             </p:txBody>
           </p:sp>
         </mc:Choice>
-        <mc:Fallback>
+        <mc:Fallback xmlns="">
           <p:sp>
             <p:nvSpPr>
               <p:cNvPr id="3" name="Text Placeholder 2">
@@ -9841,8 +13480,8 @@
           </a:extLst>
         </p:spPr>
       </p:pic>
-      <mc:AlternateContent xmlns:mc="http://schemas.openxmlformats.org/markup-compatibility/2006">
-        <mc:Choice xmlns:a14="http://schemas.microsoft.com/office/drawing/2010/main" Requires="a14">
+      <mc:AlternateContent xmlns:mc="http://schemas.openxmlformats.org/markup-compatibility/2006" xmlns:a14="http://schemas.microsoft.com/office/drawing/2010/main">
+        <mc:Choice Requires="a14">
           <p:sp>
             <p:nvSpPr>
               <p:cNvPr id="5" name="TextBox 4">
@@ -9970,7 +13609,7 @@
             </p:txBody>
           </p:sp>
         </mc:Choice>
-        <mc:Fallback>
+        <mc:Fallback xmlns="">
           <p:sp>
             <p:nvSpPr>
               <p:cNvPr id="5" name="TextBox 4">
@@ -10015,8 +13654,8 @@
           </p:sp>
         </mc:Fallback>
       </mc:AlternateContent>
-      <mc:AlternateContent xmlns:mc="http://schemas.openxmlformats.org/markup-compatibility/2006">
-        <mc:Choice xmlns:a14="http://schemas.microsoft.com/office/drawing/2010/main" Requires="a14">
+      <mc:AlternateContent xmlns:mc="http://schemas.openxmlformats.org/markup-compatibility/2006" xmlns:a14="http://schemas.microsoft.com/office/drawing/2010/main">
+        <mc:Choice Requires="a14">
           <p:sp>
             <p:nvSpPr>
               <p:cNvPr id="6" name="TextBox 5">
@@ -10045,6 +13684,7 @@
               </a:bodyPr>
               <a:lstStyle/>
               <a:p>
+                <a:pPr/>
                 <a14:m>
                   <m:oMathPara xmlns:m="http://schemas.openxmlformats.org/officeDocument/2006/math">
                     <m:oMathParaPr>
@@ -10377,6 +14017,7 @@
                 <a:endParaRPr lang="en-US" dirty="0"/>
               </a:p>
               <a:p>
+                <a:pPr/>
                 <a14:m>
                   <m:oMathPara xmlns:m="http://schemas.openxmlformats.org/officeDocument/2006/math">
                     <m:oMathParaPr>
@@ -10601,16 +14242,7 @@
                                           </a:solidFill>
                                           <a:latin typeface="Cambria Math" panose="02040503050406030204" pitchFamily="18" charset="0"/>
                                         </a:rPr>
-                                        <m:t>2</m:t>
-                                      </m:r>
-                                      <m:r>
-                                        <a:rPr lang="en-US" i="1">
-                                          <a:solidFill>
-                                            <a:schemeClr val="tx1"/>
-                                          </a:solidFill>
-                                          <a:latin typeface="Cambria Math" panose="02040503050406030204" pitchFamily="18" charset="0"/>
-                                        </a:rPr>
-                                        <m:t>−</m:t>
+                                        <m:t>2−</m:t>
                                       </m:r>
                                       <m:r>
                                         <a:rPr lang="en-US" b="0" i="1" smtClean="0">
@@ -10691,6 +14323,7 @@
                 <a:endParaRPr lang="en-US" dirty="0"/>
               </a:p>
               <a:p>
+                <a:pPr/>
                 <a14:m>
                   <m:oMathPara xmlns:m="http://schemas.openxmlformats.org/officeDocument/2006/math">
                     <m:oMathParaPr>
@@ -10755,7 +14388,7 @@
             </p:txBody>
           </p:sp>
         </mc:Choice>
-        <mc:Fallback>
+        <mc:Fallback xmlns="">
           <p:sp>
             <p:nvSpPr>
               <p:cNvPr id="6" name="TextBox 5">
@@ -10937,7 +14570,7 @@
 </p:sld>
 </file>
 
-<file path=ppt/slides/slide4.xml><?xml version="1.0" encoding="utf-8"?>
+<file path=ppt/slides/slide5.xml><?xml version="1.0" encoding="utf-8"?>
 <p:sld xmlns:a="http://schemas.openxmlformats.org/drawingml/2006/main" xmlns:r="http://schemas.openxmlformats.org/officeDocument/2006/relationships" xmlns:p="http://schemas.openxmlformats.org/presentationml/2006/main">
   <p:cSld>
     <p:spTree>
@@ -10984,8 +14617,8 @@
           </a:p>
         </p:txBody>
       </p:sp>
-      <mc:AlternateContent xmlns:mc="http://schemas.openxmlformats.org/markup-compatibility/2006">
-        <mc:Choice xmlns:a14="http://schemas.microsoft.com/office/drawing/2010/main" Requires="a14">
+      <mc:AlternateContent xmlns:mc="http://schemas.openxmlformats.org/markup-compatibility/2006" xmlns:a14="http://schemas.microsoft.com/office/drawing/2010/main">
+        <mc:Choice Requires="a14">
           <p:sp>
             <p:nvSpPr>
               <p:cNvPr id="3" name="Text Placeholder 2">
@@ -11106,7 +14739,7 @@
             </p:txBody>
           </p:sp>
         </mc:Choice>
-        <mc:Fallback>
+        <mc:Fallback xmlns="">
           <p:sp>
             <p:nvSpPr>
               <p:cNvPr id="3" name="Text Placeholder 2">
@@ -11419,8 +15052,8 @@
           </a:p>
         </p:txBody>
       </p:sp>
-      <mc:AlternateContent xmlns:mc="http://schemas.openxmlformats.org/markup-compatibility/2006">
-        <mc:Choice xmlns:a14="http://schemas.microsoft.com/office/drawing/2010/main" Requires="a14">
+      <mc:AlternateContent xmlns:mc="http://schemas.openxmlformats.org/markup-compatibility/2006" xmlns:a14="http://schemas.microsoft.com/office/drawing/2010/main">
+        <mc:Choice Requires="a14">
           <p:sp>
             <p:nvSpPr>
               <p:cNvPr id="7" name="TextBox 6">
@@ -11474,7 +15107,7 @@
             </p:txBody>
           </p:sp>
         </mc:Choice>
-        <mc:Fallback>
+        <mc:Fallback xmlns="">
           <p:sp>
             <p:nvSpPr>
               <p:cNvPr id="7" name="TextBox 6">
@@ -11519,8 +15152,8 @@
           </p:sp>
         </mc:Fallback>
       </mc:AlternateContent>
-      <mc:AlternateContent xmlns:mc="http://schemas.openxmlformats.org/markup-compatibility/2006">
-        <mc:Choice xmlns:a14="http://schemas.microsoft.com/office/drawing/2010/main" Requires="a14">
+      <mc:AlternateContent xmlns:mc="http://schemas.openxmlformats.org/markup-compatibility/2006" xmlns:a14="http://schemas.microsoft.com/office/drawing/2010/main">
+        <mc:Choice Requires="a14">
           <p:sp>
             <p:nvSpPr>
               <p:cNvPr id="8" name="TextBox 7">
@@ -11726,7 +15359,7 @@
             </p:txBody>
           </p:sp>
         </mc:Choice>
-        <mc:Fallback>
+        <mc:Fallback xmlns="">
           <p:sp>
             <p:nvSpPr>
               <p:cNvPr id="8" name="TextBox 7">
@@ -11776,8 +15409,8 @@
           </p:sp>
         </mc:Fallback>
       </mc:AlternateContent>
-      <mc:AlternateContent xmlns:mc="http://schemas.openxmlformats.org/markup-compatibility/2006">
-        <mc:Choice xmlns:a14="http://schemas.microsoft.com/office/drawing/2010/main" Requires="a14">
+      <mc:AlternateContent xmlns:mc="http://schemas.openxmlformats.org/markup-compatibility/2006" xmlns:a14="http://schemas.microsoft.com/office/drawing/2010/main">
+        <mc:Choice Requires="a14">
           <p:sp>
             <p:nvSpPr>
               <p:cNvPr id="9" name="TextBox 8">
@@ -11861,7 +15494,7 @@
             </p:txBody>
           </p:sp>
         </mc:Choice>
-        <mc:Fallback>
+        <mc:Fallback xmlns="">
           <p:sp>
             <p:nvSpPr>
               <p:cNvPr id="9" name="TextBox 8">
@@ -12174,14 +15807,14 @@
       <p:bldP spid="5" grpId="0" animBg="1"/>
       <p:bldP spid="6" grpId="0" animBg="1"/>
       <p:bldP spid="7" grpId="0"/>
-      <p:bldP spid="8" grpId="0"/>
+      <p:bldP spid="8" grpId="0" animBg="1"/>
       <p:bldP spid="9" grpId="0"/>
     </p:bldLst>
   </p:timing>
 </p:sld>
 </file>
 
-<file path=ppt/slides/slide5.xml><?xml version="1.0" encoding="utf-8"?>
+<file path=ppt/slides/slide6.xml><?xml version="1.0" encoding="utf-8"?>
 <p:sld xmlns:a="http://schemas.openxmlformats.org/drawingml/2006/main" xmlns:r="http://schemas.openxmlformats.org/officeDocument/2006/relationships" xmlns:p="http://schemas.openxmlformats.org/presentationml/2006/main">
   <p:cSld>
     <p:spTree>
@@ -12228,8 +15861,8 @@
           </a:p>
         </p:txBody>
       </p:sp>
-      <mc:AlternateContent xmlns:mc="http://schemas.openxmlformats.org/markup-compatibility/2006">
-        <mc:Choice xmlns:a14="http://schemas.microsoft.com/office/drawing/2010/main" Requires="a14">
+      <mc:AlternateContent xmlns:mc="http://schemas.openxmlformats.org/markup-compatibility/2006" xmlns:a14="http://schemas.microsoft.com/office/drawing/2010/main">
+        <mc:Choice Requires="a14">
           <p:sp>
             <p:nvSpPr>
               <p:cNvPr id="3" name="Text Placeholder 2">
@@ -12386,7 +16019,7 @@
             </p:txBody>
           </p:sp>
         </mc:Choice>
-        <mc:Fallback>
+        <mc:Fallback xmlns="">
           <p:sp>
             <p:nvSpPr>
               <p:cNvPr id="3" name="Text Placeholder 2">
@@ -12426,8 +16059,8 @@
           </p:sp>
         </mc:Fallback>
       </mc:AlternateContent>
-      <mc:AlternateContent xmlns:mc="http://schemas.openxmlformats.org/markup-compatibility/2006">
-        <mc:Choice xmlns:a14="http://schemas.microsoft.com/office/drawing/2010/main" Requires="a14">
+      <mc:AlternateContent xmlns:mc="http://schemas.openxmlformats.org/markup-compatibility/2006" xmlns:a14="http://schemas.microsoft.com/office/drawing/2010/main">
+        <mc:Choice Requires="a14">
           <p:sp>
             <p:nvSpPr>
               <p:cNvPr id="4" name="TextBox 3">
@@ -12603,7 +16236,7 @@
             </p:txBody>
           </p:sp>
         </mc:Choice>
-        <mc:Fallback>
+        <mc:Fallback xmlns="">
           <p:sp>
             <p:nvSpPr>
               <p:cNvPr id="4" name="TextBox 3">
@@ -12695,8 +16328,8 @@
           </a:extLst>
         </p:spPr>
       </p:pic>
-      <mc:AlternateContent xmlns:mc="http://schemas.openxmlformats.org/markup-compatibility/2006">
-        <mc:Choice xmlns:a14="http://schemas.microsoft.com/office/drawing/2010/main" Requires="a14">
+      <mc:AlternateContent xmlns:mc="http://schemas.openxmlformats.org/markup-compatibility/2006" xmlns:a14="http://schemas.microsoft.com/office/drawing/2010/main">
+        <mc:Choice Requires="a14">
           <p:sp>
             <p:nvSpPr>
               <p:cNvPr id="6" name="TextBox 5">
@@ -12961,7 +16594,7 @@
             </p:txBody>
           </p:sp>
         </mc:Choice>
-        <mc:Fallback>
+        <mc:Fallback xmlns="">
           <p:sp>
             <p:nvSpPr>
               <p:cNvPr id="6" name="TextBox 5">
@@ -13009,8 +16642,8 @@
           </p:sp>
         </mc:Fallback>
       </mc:AlternateContent>
-      <mc:AlternateContent xmlns:mc="http://schemas.openxmlformats.org/markup-compatibility/2006">
-        <mc:Choice xmlns:a14="http://schemas.microsoft.com/office/drawing/2010/main" Requires="a14">
+      <mc:AlternateContent xmlns:mc="http://schemas.openxmlformats.org/markup-compatibility/2006" xmlns:a14="http://schemas.microsoft.com/office/drawing/2010/main">
+        <mc:Choice Requires="a14">
           <p:sp>
             <p:nvSpPr>
               <p:cNvPr id="7" name="TextBox 6">
@@ -13042,6 +16675,7 @@
               </a:bodyPr>
               <a:lstStyle/>
               <a:p>
+                <a:pPr/>
                 <a14:m>
                   <m:oMathPara xmlns:m="http://schemas.openxmlformats.org/officeDocument/2006/math">
                     <m:oMathParaPr>
@@ -13437,7 +17071,7 @@
             </p:txBody>
           </p:sp>
         </mc:Choice>
-        <mc:Fallback>
+        <mc:Fallback xmlns="">
           <p:sp>
             <p:nvSpPr>
               <p:cNvPr id="7" name="TextBox 6">
@@ -13622,7 +17256,7 @@
 </p:sld>
 </file>
 
-<file path=ppt/slides/slide6.xml><?xml version="1.0" encoding="utf-8"?>
+<file path=ppt/slides/slide7.xml><?xml version="1.0" encoding="utf-8"?>
 <p:sld xmlns:a="http://schemas.openxmlformats.org/drawingml/2006/main" xmlns:r="http://schemas.openxmlformats.org/officeDocument/2006/relationships" xmlns:p="http://schemas.openxmlformats.org/presentationml/2006/main">
   <p:cSld>
     <p:spTree>
@@ -13722,8 +17356,8 @@
           </a:extLst>
         </p:spPr>
       </p:pic>
-      <mc:AlternateContent xmlns:mc="http://schemas.openxmlformats.org/markup-compatibility/2006">
-        <mc:Choice xmlns:a14="http://schemas.microsoft.com/office/drawing/2010/main" Requires="a14">
+      <mc:AlternateContent xmlns:mc="http://schemas.openxmlformats.org/markup-compatibility/2006" xmlns:a14="http://schemas.microsoft.com/office/drawing/2010/main">
+        <mc:Choice Requires="a14">
           <p:sp>
             <p:nvSpPr>
               <p:cNvPr id="7" name="TextBox 6">
@@ -14176,7 +17810,7 @@
             </p:txBody>
           </p:sp>
         </mc:Choice>
-        <mc:Fallback>
+        <mc:Fallback xmlns="">
           <p:sp>
             <p:nvSpPr>
               <p:cNvPr id="7" name="TextBox 6">
@@ -14224,8 +17858,8 @@
           </p:sp>
         </mc:Fallback>
       </mc:AlternateContent>
-      <mc:AlternateContent xmlns:mc="http://schemas.openxmlformats.org/markup-compatibility/2006">
-        <mc:Choice xmlns:a14="http://schemas.microsoft.com/office/drawing/2010/main" Requires="a14">
+      <mc:AlternateContent xmlns:mc="http://schemas.openxmlformats.org/markup-compatibility/2006" xmlns:a14="http://schemas.microsoft.com/office/drawing/2010/main">
+        <mc:Choice Requires="a14">
           <p:sp>
             <p:nvSpPr>
               <p:cNvPr id="8" name="TextBox 7">
@@ -14257,6 +17891,7 @@
               </a:bodyPr>
               <a:lstStyle/>
               <a:p>
+                <a:pPr/>
                 <a14:m>
                   <m:oMathPara xmlns:m="http://schemas.openxmlformats.org/officeDocument/2006/math">
                     <m:oMathParaPr>
@@ -14725,7 +18360,7 @@
             </p:txBody>
           </p:sp>
         </mc:Choice>
-        <mc:Fallback>
+        <mc:Fallback xmlns="">
           <p:sp>
             <p:nvSpPr>
               <p:cNvPr id="8" name="TextBox 7">
@@ -14773,8 +18408,8 @@
           </p:sp>
         </mc:Fallback>
       </mc:AlternateContent>
-      <mc:AlternateContent xmlns:mc="http://schemas.openxmlformats.org/markup-compatibility/2006">
-        <mc:Choice xmlns:a14="http://schemas.microsoft.com/office/drawing/2010/main" Requires="a14">
+      <mc:AlternateContent xmlns:mc="http://schemas.openxmlformats.org/markup-compatibility/2006" xmlns:a14="http://schemas.microsoft.com/office/drawing/2010/main">
+        <mc:Choice Requires="a14">
           <p:sp>
             <p:nvSpPr>
               <p:cNvPr id="9" name="TextBox 8">
@@ -14897,7 +18532,7 @@
             </p:txBody>
           </p:sp>
         </mc:Choice>
-        <mc:Fallback>
+        <mc:Fallback xmlns="">
           <p:sp>
             <p:nvSpPr>
               <p:cNvPr id="9" name="TextBox 8">
@@ -14942,8 +18577,8 @@
           </p:sp>
         </mc:Fallback>
       </mc:AlternateContent>
-      <mc:AlternateContent xmlns:mc="http://schemas.openxmlformats.org/markup-compatibility/2006">
-        <mc:Choice xmlns:a14="http://schemas.microsoft.com/office/drawing/2010/main" Requires="a14">
+      <mc:AlternateContent xmlns:mc="http://schemas.openxmlformats.org/markup-compatibility/2006" xmlns:a14="http://schemas.microsoft.com/office/drawing/2010/main">
+        <mc:Choice Requires="a14">
           <p:sp>
             <p:nvSpPr>
               <p:cNvPr id="10" name="TextBox 9">
@@ -14975,6 +18610,7 @@
               </a:bodyPr>
               <a:lstStyle/>
               <a:p>
+                <a:pPr/>
                 <a14:m>
                   <m:oMathPara xmlns:m="http://schemas.openxmlformats.org/officeDocument/2006/math">
                     <m:oMathParaPr>
@@ -15433,7 +19069,7 @@
             </p:txBody>
           </p:sp>
         </mc:Choice>
-        <mc:Fallback>
+        <mc:Fallback xmlns="">
           <p:sp>
             <p:nvSpPr>
               <p:cNvPr id="10" name="TextBox 9">
@@ -15481,8 +19117,8 @@
           </p:sp>
         </mc:Fallback>
       </mc:AlternateContent>
-      <mc:AlternateContent xmlns:mc="http://schemas.openxmlformats.org/markup-compatibility/2006">
-        <mc:Choice xmlns:a14="http://schemas.microsoft.com/office/drawing/2010/main" Requires="a14">
+      <mc:AlternateContent xmlns:mc="http://schemas.openxmlformats.org/markup-compatibility/2006" xmlns:a14="http://schemas.microsoft.com/office/drawing/2010/main">
+        <mc:Choice Requires="a14">
           <p:sp>
             <p:nvSpPr>
               <p:cNvPr id="11" name="TextBox 10">
@@ -15514,6 +19150,7 @@
               </a:bodyPr>
               <a:lstStyle/>
               <a:p>
+                <a:pPr/>
                 <a14:m>
                   <m:oMathPara xmlns:m="http://schemas.openxmlformats.org/officeDocument/2006/math">
                     <m:oMathParaPr>
@@ -16009,7 +19646,7 @@
             </p:txBody>
           </p:sp>
         </mc:Choice>
-        <mc:Fallback>
+        <mc:Fallback xmlns="">
           <p:sp>
             <p:nvSpPr>
               <p:cNvPr id="11" name="TextBox 10">
@@ -16057,8 +19694,8 @@
           </p:sp>
         </mc:Fallback>
       </mc:AlternateContent>
-      <mc:AlternateContent xmlns:mc="http://schemas.openxmlformats.org/markup-compatibility/2006">
-        <mc:Choice xmlns:a14="http://schemas.microsoft.com/office/drawing/2010/main" Requires="a14">
+      <mc:AlternateContent xmlns:mc="http://schemas.openxmlformats.org/markup-compatibility/2006" xmlns:a14="http://schemas.microsoft.com/office/drawing/2010/main">
+        <mc:Choice Requires="a14">
           <p:sp>
             <p:nvSpPr>
               <p:cNvPr id="12" name="TextBox 11">
@@ -16090,6 +19727,7 @@
               </a:bodyPr>
               <a:lstStyle/>
               <a:p>
+                <a:pPr/>
                 <a14:m>
                   <m:oMathPara xmlns:m="http://schemas.openxmlformats.org/officeDocument/2006/math">
                     <m:oMathParaPr>
@@ -16505,7 +20143,7 @@
             </p:txBody>
           </p:sp>
         </mc:Choice>
-        <mc:Fallback>
+        <mc:Fallback xmlns="">
           <p:sp>
             <p:nvSpPr>
               <p:cNvPr id="12" name="TextBox 11">
@@ -16553,8 +20191,8 @@
           </p:sp>
         </mc:Fallback>
       </mc:AlternateContent>
-      <mc:AlternateContent xmlns:mc="http://schemas.openxmlformats.org/markup-compatibility/2006">
-        <mc:Choice xmlns:a14="http://schemas.microsoft.com/office/drawing/2010/main" Requires="a14">
+      <mc:AlternateContent xmlns:mc="http://schemas.openxmlformats.org/markup-compatibility/2006" xmlns:a14="http://schemas.microsoft.com/office/drawing/2010/main">
+        <mc:Choice Requires="a14">
           <p:sp>
             <p:nvSpPr>
               <p:cNvPr id="13" name="TextBox 12">
@@ -16586,6 +20224,7 @@
               </a:bodyPr>
               <a:lstStyle/>
               <a:p>
+                <a:pPr/>
                 <a14:m>
                   <m:oMathPara xmlns:m="http://schemas.openxmlformats.org/officeDocument/2006/math">
                     <m:oMathParaPr>
@@ -16777,7 +20416,7 @@
             </p:txBody>
           </p:sp>
         </mc:Choice>
-        <mc:Fallback>
+        <mc:Fallback xmlns="">
           <p:sp>
             <p:nvSpPr>
               <p:cNvPr id="13" name="TextBox 12">
@@ -16825,8 +20464,8 @@
           </p:sp>
         </mc:Fallback>
       </mc:AlternateContent>
-      <mc:AlternateContent xmlns:mc="http://schemas.openxmlformats.org/markup-compatibility/2006">
-        <mc:Choice xmlns:a14="http://schemas.microsoft.com/office/drawing/2010/main" Requires="a14">
+      <mc:AlternateContent xmlns:mc="http://schemas.openxmlformats.org/markup-compatibility/2006" xmlns:a14="http://schemas.microsoft.com/office/drawing/2010/main">
+        <mc:Choice Requires="a14">
           <p:sp>
             <p:nvSpPr>
               <p:cNvPr id="14" name="TextBox 13">
@@ -16858,6 +20497,7 @@
               </a:bodyPr>
               <a:lstStyle/>
               <a:p>
+                <a:pPr/>
                 <a14:m>
                   <m:oMathPara xmlns:m="http://schemas.openxmlformats.org/officeDocument/2006/math">
                     <m:oMathParaPr>
@@ -17043,7 +20683,7 @@
             </p:txBody>
           </p:sp>
         </mc:Choice>
-        <mc:Fallback>
+        <mc:Fallback xmlns="">
           <p:sp>
             <p:nvSpPr>
               <p:cNvPr id="14" name="TextBox 13">
@@ -17091,8 +20731,8 @@
           </p:sp>
         </mc:Fallback>
       </mc:AlternateContent>
-      <mc:AlternateContent xmlns:mc="http://schemas.openxmlformats.org/markup-compatibility/2006">
-        <mc:Choice xmlns:a14="http://schemas.microsoft.com/office/drawing/2010/main" Requires="a14">
+      <mc:AlternateContent xmlns:mc="http://schemas.openxmlformats.org/markup-compatibility/2006" xmlns:a14="http://schemas.microsoft.com/office/drawing/2010/main">
+        <mc:Choice Requires="a14">
           <p:sp>
             <p:nvSpPr>
               <p:cNvPr id="15" name="TextBox 14">
@@ -17124,6 +20764,7 @@
               </a:bodyPr>
               <a:lstStyle/>
               <a:p>
+                <a:pPr/>
                 <a14:m>
                   <m:oMathPara xmlns:m="http://schemas.openxmlformats.org/officeDocument/2006/math">
                     <m:oMathParaPr>
@@ -17225,7 +20866,7 @@
             </p:txBody>
           </p:sp>
         </mc:Choice>
-        <mc:Fallback>
+        <mc:Fallback xmlns="">
           <p:sp>
             <p:nvSpPr>
               <p:cNvPr id="15" name="TextBox 14">
@@ -17273,8 +20914,8 @@
           </p:sp>
         </mc:Fallback>
       </mc:AlternateContent>
-      <mc:AlternateContent xmlns:mc="http://schemas.openxmlformats.org/markup-compatibility/2006">
-        <mc:Choice xmlns:a14="http://schemas.microsoft.com/office/drawing/2010/main" Requires="a14">
+      <mc:AlternateContent xmlns:mc="http://schemas.openxmlformats.org/markup-compatibility/2006" xmlns:a14="http://schemas.microsoft.com/office/drawing/2010/main">
+        <mc:Choice Requires="a14">
           <p:sp>
             <p:nvSpPr>
               <p:cNvPr id="16" name="TextBox 15">
@@ -17306,6 +20947,7 @@
               </a:bodyPr>
               <a:lstStyle/>
               <a:p>
+                <a:pPr/>
                 <a14:m>
                   <m:oMathPara xmlns:m="http://schemas.openxmlformats.org/officeDocument/2006/math">
                     <m:oMathParaPr>
@@ -17414,7 +21056,7 @@
             </p:txBody>
           </p:sp>
         </mc:Choice>
-        <mc:Fallback>
+        <mc:Fallback xmlns="">
           <p:sp>
             <p:nvSpPr>
               <p:cNvPr id="16" name="TextBox 15">
@@ -17462,8 +21104,8 @@
           </p:sp>
         </mc:Fallback>
       </mc:AlternateContent>
-      <mc:AlternateContent xmlns:mc="http://schemas.openxmlformats.org/markup-compatibility/2006">
-        <mc:Choice xmlns:a14="http://schemas.microsoft.com/office/drawing/2010/main" Requires="a14">
+      <mc:AlternateContent xmlns:mc="http://schemas.openxmlformats.org/markup-compatibility/2006" xmlns:a14="http://schemas.microsoft.com/office/drawing/2010/main">
+        <mc:Choice Requires="a14">
           <p:sp>
             <p:nvSpPr>
               <p:cNvPr id="17" name="TextBox 16">
@@ -17499,6 +21141,7 @@
               </a:bodyPr>
               <a:lstStyle/>
               <a:p>
+                <a:pPr/>
                 <a14:m>
                   <m:oMathPara xmlns:m="http://schemas.openxmlformats.org/officeDocument/2006/math">
                     <m:oMathParaPr>
@@ -17614,7 +21257,7 @@
             </p:txBody>
           </p:sp>
         </mc:Choice>
-        <mc:Fallback>
+        <mc:Fallback xmlns="">
           <p:sp>
             <p:nvSpPr>
               <p:cNvPr id="17" name="TextBox 16">
@@ -18163,13 +21806,13 @@
       <p:bldP spid="14" grpId="0"/>
       <p:bldP spid="15" grpId="0"/>
       <p:bldP spid="16" grpId="0"/>
-      <p:bldP spid="17" grpId="0"/>
+      <p:bldP spid="17" grpId="0" animBg="1"/>
     </p:bldLst>
   </p:timing>
 </p:sld>
 </file>
 
-<file path=ppt/slides/slide7.xml><?xml version="1.0" encoding="utf-8"?>
+<file path=ppt/slides/slide8.xml><?xml version="1.0" encoding="utf-8"?>
 <p:sld xmlns:a="http://schemas.openxmlformats.org/drawingml/2006/main" xmlns:r="http://schemas.openxmlformats.org/officeDocument/2006/relationships" xmlns:p="http://schemas.openxmlformats.org/presentationml/2006/main">
   <p:cSld>
     <p:spTree>
@@ -18216,8 +21859,8 @@
           </a:p>
         </p:txBody>
       </p:sp>
-      <mc:AlternateContent xmlns:mc="http://schemas.openxmlformats.org/markup-compatibility/2006">
-        <mc:Choice xmlns:a14="http://schemas.microsoft.com/office/drawing/2010/main" Requires="a14">
+      <mc:AlternateContent xmlns:mc="http://schemas.openxmlformats.org/markup-compatibility/2006" xmlns:a14="http://schemas.microsoft.com/office/drawing/2010/main">
+        <mc:Choice Requires="a14">
           <p:sp>
             <p:nvSpPr>
               <p:cNvPr id="3" name="Text Placeholder 2">
@@ -18484,7 +22127,7 @@
             </p:txBody>
           </p:sp>
         </mc:Choice>
-        <mc:Fallback>
+        <mc:Fallback xmlns="">
           <p:sp>
             <p:nvSpPr>
               <p:cNvPr id="3" name="Text Placeholder 2">
@@ -18619,7 +22262,7 @@
 </p:sld>
 </file>
 
-<file path=ppt/slides/slide8.xml><?xml version="1.0" encoding="utf-8"?>
+<file path=ppt/slides/slide9.xml><?xml version="1.0" encoding="utf-8"?>
 <p:sld xmlns:a="http://schemas.openxmlformats.org/drawingml/2006/main" xmlns:r="http://schemas.openxmlformats.org/officeDocument/2006/relationships" xmlns:p="http://schemas.openxmlformats.org/presentationml/2006/main">
   <p:cSld>
     <p:spTree>
@@ -19018,231 +22661,11 @@
 </p:sld>
 </file>
 
-<file path=ppt/slides/slide9.xml><?xml version="1.0" encoding="utf-8"?>
-<p:sld xmlns:a="http://schemas.openxmlformats.org/drawingml/2006/main" xmlns:r="http://schemas.openxmlformats.org/officeDocument/2006/relationships" xmlns:p="http://schemas.openxmlformats.org/presentationml/2006/main">
-  <p:cSld>
-    <p:spTree>
-      <p:nvGrpSpPr>
-        <p:cNvPr id="1" name="Shape 68"/>
-        <p:cNvGrpSpPr/>
-        <p:nvPr/>
-      </p:nvGrpSpPr>
-      <p:grpSpPr>
-        <a:xfrm>
-          <a:off x="0" y="0"/>
-          <a:ext cx="0" cy="0"/>
-          <a:chOff x="0" y="0"/>
-          <a:chExt cx="0" cy="0"/>
-        </a:xfrm>
-      </p:grpSpPr>
-      <p:sp>
-        <p:nvSpPr>
-          <p:cNvPr id="69" name="Google Shape;69;p15"/>
-          <p:cNvSpPr txBox="1">
-            <a:spLocks noGrp="1"/>
-          </p:cNvSpPr>
-          <p:nvPr>
-            <p:ph type="title"/>
-          </p:nvPr>
-        </p:nvSpPr>
-        <p:spPr>
-          <a:xfrm>
-            <a:off x="311700" y="445025"/>
-            <a:ext cx="8520600" cy="572700"/>
-          </a:xfrm>
-          <a:prstGeom prst="rect">
-            <a:avLst/>
-          </a:prstGeom>
-        </p:spPr>
-        <p:txBody>
-          <a:bodyPr spcFirstLastPara="1" wrap="square" lIns="91425" tIns="91425" rIns="91425" bIns="91425" anchor="t" anchorCtr="0">
-            <a:normAutofit fontScale="90000"/>
-          </a:bodyPr>
-          <a:lstStyle/>
-          <a:p>
-            <a:pPr marL="0" lvl="0" indent="0" algn="l" rtl="0">
-              <a:spcBef>
-                <a:spcPts val="0"/>
-              </a:spcBef>
-              <a:spcAft>
-                <a:spcPts val="0"/>
-              </a:spcAft>
-              <a:buNone/>
-            </a:pPr>
-            <a:r>
-              <a:rPr lang="en-US" dirty="0"/>
-              <a:t>Gaussian Mixture Modeling</a:t>
-            </a:r>
-            <a:endParaRPr dirty="0"/>
-          </a:p>
-        </p:txBody>
-      </p:sp>
-      <mc:AlternateContent xmlns:mc="http://schemas.openxmlformats.org/markup-compatibility/2006">
-        <mc:Choice xmlns:a14="http://schemas.microsoft.com/office/drawing/2010/main" Requires="a14">
-          <p:sp>
-            <p:nvSpPr>
-              <p:cNvPr id="70" name="Google Shape;70;p15"/>
-              <p:cNvSpPr txBox="1">
-                <a:spLocks noGrp="1"/>
-              </p:cNvSpPr>
-              <p:nvPr>
-                <p:ph type="body" idx="1"/>
-              </p:nvPr>
-            </p:nvSpPr>
-            <p:spPr>
-              <a:xfrm>
-                <a:off x="-1" y="1152475"/>
-                <a:ext cx="2768895" cy="3416400"/>
-              </a:xfrm>
-              <a:prstGeom prst="rect">
-                <a:avLst/>
-              </a:prstGeom>
-            </p:spPr>
-            <p:txBody>
-              <a:bodyPr spcFirstLastPara="1" wrap="square" lIns="91425" tIns="91425" rIns="91425" bIns="91425" anchor="t" anchorCtr="0">
-                <a:normAutofit/>
-              </a:bodyPr>
-              <a:lstStyle/>
-              <a:p>
-                <a:pPr marL="0" lvl="0" indent="0" algn="l" rtl="0">
-                  <a:spcBef>
-                    <a:spcPts val="0"/>
-                  </a:spcBef>
-                  <a:spcAft>
-                    <a:spcPts val="1200"/>
-                  </a:spcAft>
-                  <a:buNone/>
-                </a:pPr>
-                <a:r>
-                  <a:rPr lang="en-US" dirty="0">
-                    <a:solidFill>
-                      <a:schemeClr val="tx1"/>
-                    </a:solidFill>
-                  </a:rPr>
-                  <a:t>Goal: Find parameters of K gaussian distributions and their mixing coefficients </a:t>
-                </a:r>
-                <a14:m>
-                  <m:oMath xmlns:m="http://schemas.openxmlformats.org/officeDocument/2006/math">
-                    <m:sSub>
-                      <m:sSubPr>
-                        <m:ctrlPr>
-                          <a:rPr lang="ar-AE" b="0" i="1" smtClean="0">
-                            <a:solidFill>
-                              <a:schemeClr val="tx1"/>
-                            </a:solidFill>
-                            <a:latin typeface="Cambria Math" panose="02040503050406030204" pitchFamily="18" charset="0"/>
-                          </a:rPr>
-                        </m:ctrlPr>
-                      </m:sSubPr>
-                      <m:e>
-                        <m:r>
-                          <a:rPr lang="ar-AE" b="0" i="1" smtClean="0">
-                            <a:solidFill>
-                              <a:schemeClr val="tx1"/>
-                            </a:solidFill>
-                            <a:latin typeface="Cambria Math" panose="02040503050406030204" pitchFamily="18" charset="0"/>
-                          </a:rPr>
-                          <m:t>𝑤</m:t>
-                        </m:r>
-                      </m:e>
-                      <m:sub>
-                        <m:r>
-                          <a:rPr lang="ar-AE" b="0" i="1" smtClean="0">
-                            <a:solidFill>
-                              <a:schemeClr val="tx1"/>
-                            </a:solidFill>
-                            <a:latin typeface="Cambria Math" panose="02040503050406030204" pitchFamily="18" charset="0"/>
-                          </a:rPr>
-                          <m:t>𝑖</m:t>
-                        </m:r>
-                      </m:sub>
-                    </m:sSub>
-                  </m:oMath>
-                </a14:m>
-                <a:endParaRPr lang="ar-AE" dirty="0">
-                  <a:solidFill>
-                    <a:schemeClr val="tx1"/>
-                  </a:solidFill>
-                </a:endParaRPr>
-              </a:p>
-            </p:txBody>
-          </p:sp>
-        </mc:Choice>
-        <mc:Fallback>
-          <p:sp>
-            <p:nvSpPr>
-              <p:cNvPr id="70" name="Google Shape;70;p15"/>
-              <p:cNvSpPr txBox="1">
-                <a:spLocks noGrp="1" noRot="1" noChangeAspect="1" noMove="1" noResize="1" noEditPoints="1" noAdjustHandles="1" noChangeArrowheads="1" noChangeShapeType="1" noTextEdit="1"/>
-              </p:cNvSpPr>
-              <p:nvPr>
-                <p:ph type="body" idx="1"/>
-              </p:nvPr>
-            </p:nvSpPr>
-            <p:spPr>
-              <a:xfrm>
-                <a:off x="-1" y="1152475"/>
-                <a:ext cx="2768895" cy="3416400"/>
-              </a:xfrm>
-              <a:prstGeom prst="rect">
-                <a:avLst/>
-              </a:prstGeom>
-              <a:blipFill>
-                <a:blip r:embed="rId3"/>
-                <a:stretch>
-                  <a:fillRect l="-1835" r="-2294"/>
-                </a:stretch>
-              </a:blipFill>
-            </p:spPr>
-            <p:txBody>
-              <a:bodyPr/>
-              <a:lstStyle/>
-              <a:p>
-                <a:r>
-                  <a:rPr lang="en-US">
-                    <a:noFill/>
-                  </a:rPr>
-                  <a:t> </a:t>
-                </a:r>
-              </a:p>
-            </p:txBody>
-          </p:sp>
-        </mc:Fallback>
-      </mc:AlternateContent>
-      <p:pic>
-        <p:nvPicPr>
-          <p:cNvPr id="71" name="Google Shape;71;p15"/>
-          <p:cNvPicPr preferRelativeResize="0"/>
-          <p:nvPr/>
-        </p:nvPicPr>
-        <p:blipFill>
-          <a:blip r:embed="rId4">
-            <a:alphaModFix/>
-          </a:blip>
-          <a:stretch>
-            <a:fillRect/>
-          </a:stretch>
-        </p:blipFill>
-        <p:spPr>
-          <a:xfrm>
-            <a:off x="2768895" y="1017725"/>
-            <a:ext cx="6375105" cy="3825063"/>
-          </a:xfrm>
-          <a:prstGeom prst="rect">
-            <a:avLst/>
-          </a:prstGeom>
-          <a:noFill/>
-          <a:ln>
-            <a:noFill/>
-          </a:ln>
-        </p:spPr>
-      </p:pic>
-    </p:spTree>
-  </p:cSld>
-  <p:clrMapOvr>
-    <a:masterClrMapping/>
-  </p:clrMapOvr>
-</p:sld>
+<file path=ppt/tags/tag1.xml><?xml version="1.0" encoding="utf-8"?>
+<p:tagLst xmlns:a="http://schemas.openxmlformats.org/drawingml/2006/main" xmlns:r="http://schemas.openxmlformats.org/officeDocument/2006/relationships" xmlns:p="http://schemas.openxmlformats.org/presentationml/2006/main">
+  <p:tag name="PPSPLIT_SPLIT" val="1"/>
+  <p:tag name="PPSPLIT_ORIGINALSLIDENUMBER" val="1"/>
+</p:tagLst>
 </file>
 
 <file path=ppt/theme/theme1.xml><?xml version="1.0" encoding="utf-8"?>
